--- a/MeetingNotes.pptx
+++ b/MeetingNotes.pptx
@@ -7,6 +7,7 @@
   <p:sldIdLst>
     <p:sldId id="256" r:id="rId2"/>
     <p:sldId id="257" r:id="rId3"/>
+    <p:sldId id="258" r:id="rId4"/>
   </p:sldIdLst>
   <p:sldSz cx="9144000" cy="5715000" type="screen16x10"/>
   <p:notesSz cx="6858000" cy="9144000"/>
@@ -439,6 +440,259 @@
 </file>
 
 <file path=ppt/slideLayouts/slideLayout10.xml><?xml version="1.0" encoding="utf-8"?>
+<p:sldLayout xmlns:a="http://schemas.openxmlformats.org/drawingml/2006/main" xmlns:r="http://schemas.openxmlformats.org/officeDocument/2006/relationships" xmlns:p="http://schemas.openxmlformats.org/presentationml/2006/main" type="picTx" preserve="1">
+  <p:cSld name="Bild mit Beschriftung">
+    <p:spTree>
+      <p:nvGrpSpPr>
+        <p:cNvPr id="1" name=""/>
+        <p:cNvGrpSpPr/>
+        <p:nvPr/>
+      </p:nvGrpSpPr>
+      <p:grpSpPr>
+        <a:xfrm>
+          <a:off x="0" y="0"/>
+          <a:ext cx="0" cy="0"/>
+          <a:chOff x="0" y="0"/>
+          <a:chExt cx="0" cy="0"/>
+        </a:xfrm>
+      </p:grpSpPr>
+      <p:sp>
+        <p:nvSpPr>
+          <p:cNvPr id="2" name="Titel 1"/>
+          <p:cNvSpPr>
+            <a:spLocks noGrp="1"/>
+          </p:cNvSpPr>
+          <p:nvPr>
+            <p:ph type="title"/>
+          </p:nvPr>
+        </p:nvSpPr>
+        <p:spPr>
+          <a:xfrm>
+            <a:off x="1792288" y="4000500"/>
+            <a:ext cx="5486400" cy="472282"/>
+          </a:xfrm>
+        </p:spPr>
+        <p:txBody>
+          <a:bodyPr anchor="b"/>
+          <a:lstStyle>
+            <a:lvl1pPr algn="l">
+              <a:defRPr sz="2000" b="1"/>
+            </a:lvl1pPr>
+          </a:lstStyle>
+          <a:p>
+            <a:r>
+              <a:rPr lang="de-DE" smtClean="0"/>
+              <a:t>Mastertitelformat bearbeiten</a:t>
+            </a:r>
+            <a:endParaRPr lang="en-US"/>
+          </a:p>
+        </p:txBody>
+      </p:sp>
+      <p:sp>
+        <p:nvSpPr>
+          <p:cNvPr id="3" name="Bildplatzhalter 2"/>
+          <p:cNvSpPr>
+            <a:spLocks noGrp="1"/>
+          </p:cNvSpPr>
+          <p:nvPr>
+            <p:ph type="pic" idx="1"/>
+          </p:nvPr>
+        </p:nvSpPr>
+        <p:spPr>
+          <a:xfrm>
+            <a:off x="1792288" y="510646"/>
+            <a:ext cx="5486400" cy="3429000"/>
+          </a:xfrm>
+        </p:spPr>
+        <p:txBody>
+          <a:bodyPr/>
+          <a:lstStyle>
+            <a:lvl1pPr marL="0" indent="0">
+              <a:buNone/>
+              <a:defRPr sz="3200"/>
+            </a:lvl1pPr>
+            <a:lvl2pPr marL="457200" indent="0">
+              <a:buNone/>
+              <a:defRPr sz="2800"/>
+            </a:lvl2pPr>
+            <a:lvl3pPr marL="914400" indent="0">
+              <a:buNone/>
+              <a:defRPr sz="2400"/>
+            </a:lvl3pPr>
+            <a:lvl4pPr marL="1371600" indent="0">
+              <a:buNone/>
+              <a:defRPr sz="2000"/>
+            </a:lvl4pPr>
+            <a:lvl5pPr marL="1828800" indent="0">
+              <a:buNone/>
+              <a:defRPr sz="2000"/>
+            </a:lvl5pPr>
+            <a:lvl6pPr marL="2286000" indent="0">
+              <a:buNone/>
+              <a:defRPr sz="2000"/>
+            </a:lvl6pPr>
+            <a:lvl7pPr marL="2743200" indent="0">
+              <a:buNone/>
+              <a:defRPr sz="2000"/>
+            </a:lvl7pPr>
+            <a:lvl8pPr marL="3200400" indent="0">
+              <a:buNone/>
+              <a:defRPr sz="2000"/>
+            </a:lvl8pPr>
+            <a:lvl9pPr marL="3657600" indent="0">
+              <a:buNone/>
+              <a:defRPr sz="2000"/>
+            </a:lvl9pPr>
+          </a:lstStyle>
+          <a:p>
+            <a:endParaRPr lang="en-US"/>
+          </a:p>
+        </p:txBody>
+      </p:sp>
+      <p:sp>
+        <p:nvSpPr>
+          <p:cNvPr id="4" name="Textplatzhalter 3"/>
+          <p:cNvSpPr>
+            <a:spLocks noGrp="1"/>
+          </p:cNvSpPr>
+          <p:nvPr>
+            <p:ph type="body" sz="half" idx="2"/>
+          </p:nvPr>
+        </p:nvSpPr>
+        <p:spPr>
+          <a:xfrm>
+            <a:off x="1792288" y="4472782"/>
+            <a:ext cx="5486400" cy="670718"/>
+          </a:xfrm>
+        </p:spPr>
+        <p:txBody>
+          <a:bodyPr/>
+          <a:lstStyle>
+            <a:lvl1pPr marL="0" indent="0">
+              <a:buNone/>
+              <a:defRPr sz="1400"/>
+            </a:lvl1pPr>
+            <a:lvl2pPr marL="457200" indent="0">
+              <a:buNone/>
+              <a:defRPr sz="1200"/>
+            </a:lvl2pPr>
+            <a:lvl3pPr marL="914400" indent="0">
+              <a:buNone/>
+              <a:defRPr sz="1000"/>
+            </a:lvl3pPr>
+            <a:lvl4pPr marL="1371600" indent="0">
+              <a:buNone/>
+              <a:defRPr sz="900"/>
+            </a:lvl4pPr>
+            <a:lvl5pPr marL="1828800" indent="0">
+              <a:buNone/>
+              <a:defRPr sz="900"/>
+            </a:lvl5pPr>
+            <a:lvl6pPr marL="2286000" indent="0">
+              <a:buNone/>
+              <a:defRPr sz="900"/>
+            </a:lvl6pPr>
+            <a:lvl7pPr marL="2743200" indent="0">
+              <a:buNone/>
+              <a:defRPr sz="900"/>
+            </a:lvl7pPr>
+            <a:lvl8pPr marL="3200400" indent="0">
+              <a:buNone/>
+              <a:defRPr sz="900"/>
+            </a:lvl8pPr>
+            <a:lvl9pPr marL="3657600" indent="0">
+              <a:buNone/>
+              <a:defRPr sz="900"/>
+            </a:lvl9pPr>
+          </a:lstStyle>
+          <a:p>
+            <a:pPr lvl="0"/>
+            <a:r>
+              <a:rPr lang="de-DE" smtClean="0"/>
+              <a:t>Mastertextformat bearbeiten</a:t>
+            </a:r>
+          </a:p>
+        </p:txBody>
+      </p:sp>
+      <p:sp>
+        <p:nvSpPr>
+          <p:cNvPr id="5" name="Datumsplatzhalter 4"/>
+          <p:cNvSpPr>
+            <a:spLocks noGrp="1"/>
+          </p:cNvSpPr>
+          <p:nvPr>
+            <p:ph type="dt" sz="half" idx="10"/>
+          </p:nvPr>
+        </p:nvSpPr>
+        <p:spPr/>
+        <p:txBody>
+          <a:bodyPr/>
+          <a:lstStyle/>
+          <a:p>
+            <a:fld id="{907AEC89-51F8-8C49-8F5C-7B8970AE8955}" type="datetimeFigureOut">
+              <a:rPr lang="de-DE" smtClean="0"/>
+              <a:t>07.12.20</a:t>
+            </a:fld>
+            <a:endParaRPr lang="en-US"/>
+          </a:p>
+        </p:txBody>
+      </p:sp>
+      <p:sp>
+        <p:nvSpPr>
+          <p:cNvPr id="6" name="Fußzeilenplatzhalter 5"/>
+          <p:cNvSpPr>
+            <a:spLocks noGrp="1"/>
+          </p:cNvSpPr>
+          <p:nvPr>
+            <p:ph type="ftr" sz="quarter" idx="11"/>
+          </p:nvPr>
+        </p:nvSpPr>
+        <p:spPr/>
+        <p:txBody>
+          <a:bodyPr/>
+          <a:lstStyle/>
+          <a:p>
+            <a:endParaRPr lang="en-US"/>
+          </a:p>
+        </p:txBody>
+      </p:sp>
+      <p:sp>
+        <p:nvSpPr>
+          <p:cNvPr id="7" name="Foliennummernplatzhalter 6"/>
+          <p:cNvSpPr>
+            <a:spLocks noGrp="1"/>
+          </p:cNvSpPr>
+          <p:nvPr>
+            <p:ph type="sldNum" sz="quarter" idx="12"/>
+          </p:nvPr>
+        </p:nvSpPr>
+        <p:spPr/>
+        <p:txBody>
+          <a:bodyPr/>
+          <a:lstStyle/>
+          <a:p>
+            <a:fld id="{3353C365-EEDD-DA4A-9236-BDF11C6DF832}" type="slidenum">
+              <a:rPr lang="en-US" smtClean="0"/>
+              <a:t>‹Nr.›</a:t>
+            </a:fld>
+            <a:endParaRPr lang="en-US"/>
+          </a:p>
+        </p:txBody>
+      </p:sp>
+    </p:spTree>
+    <p:extLst>
+      <p:ext uri="{BB962C8B-B14F-4D97-AF65-F5344CB8AC3E}">
+        <p14:creationId xmlns:p14="http://schemas.microsoft.com/office/powerpoint/2010/main" val="837404562"/>
+      </p:ext>
+    </p:extLst>
+  </p:cSld>
+  <p:clrMapOvr>
+    <a:masterClrMapping/>
+  </p:clrMapOvr>
+</p:sldLayout>
+</file>
+
+<file path=ppt/slideLayouts/slideLayout11.xml><?xml version="1.0" encoding="utf-8"?>
 <p:sldLayout xmlns:a="http://schemas.openxmlformats.org/drawingml/2006/main" xmlns:r="http://schemas.openxmlformats.org/officeDocument/2006/relationships" xmlns:p="http://schemas.openxmlformats.org/presentationml/2006/main" type="vertTx" preserve="1">
   <p:cSld name="Titel und vertikaler Text">
     <p:spTree>
@@ -547,7 +801,7 @@
           <a:p>
             <a:fld id="{907AEC89-51F8-8C49-8F5C-7B8970AE8955}" type="datetimeFigureOut">
               <a:rPr lang="de-DE" smtClean="0"/>
-              <a:t>05.12.20</a:t>
+              <a:t>07.12.20</a:t>
             </a:fld>
             <a:endParaRPr lang="en-US"/>
           </a:p>
@@ -608,7 +862,7 @@
 </p:sldLayout>
 </file>
 
-<file path=ppt/slideLayouts/slideLayout11.xml><?xml version="1.0" encoding="utf-8"?>
+<file path=ppt/slideLayouts/slideLayout12.xml><?xml version="1.0" encoding="utf-8"?>
 <p:sldLayout xmlns:a="http://schemas.openxmlformats.org/drawingml/2006/main" xmlns:r="http://schemas.openxmlformats.org/officeDocument/2006/relationships" xmlns:p="http://schemas.openxmlformats.org/presentationml/2006/main" type="vertTitleAndTx" preserve="1">
   <p:cSld name="Vertikaler Titel und Text">
     <p:spTree>
@@ -727,7 +981,7 @@
           <a:p>
             <a:fld id="{907AEC89-51F8-8C49-8F5C-7B8970AE8955}" type="datetimeFigureOut">
               <a:rPr lang="de-DE" smtClean="0"/>
-              <a:t>05.12.20</a:t>
+              <a:t>07.12.20</a:t>
             </a:fld>
             <a:endParaRPr lang="en-US"/>
           </a:p>
@@ -789,6 +1043,202 @@
 </file>
 
 <file path=ppt/slideLayouts/slideLayout2.xml><?xml version="1.0" encoding="utf-8"?>
+<p:sldLayout xmlns:a="http://schemas.openxmlformats.org/drawingml/2006/main" xmlns:r="http://schemas.openxmlformats.org/officeDocument/2006/relationships" xmlns:p="http://schemas.openxmlformats.org/presentationml/2006/main" preserve="1" userDrawn="1">
+  <p:cSld name="Benutzerdefiniertes Layout">
+    <p:spTree>
+      <p:nvGrpSpPr>
+        <p:cNvPr id="1" name=""/>
+        <p:cNvGrpSpPr/>
+        <p:nvPr/>
+      </p:nvGrpSpPr>
+      <p:grpSpPr>
+        <a:xfrm>
+          <a:off x="0" y="0"/>
+          <a:ext cx="0" cy="0"/>
+          <a:chOff x="0" y="0"/>
+          <a:chExt cx="0" cy="0"/>
+        </a:xfrm>
+      </p:grpSpPr>
+      <p:sp>
+        <p:nvSpPr>
+          <p:cNvPr id="2" name="Titel 1"/>
+          <p:cNvSpPr>
+            <a:spLocks noGrp="1"/>
+          </p:cNvSpPr>
+          <p:nvPr>
+            <p:ph type="title"/>
+          </p:nvPr>
+        </p:nvSpPr>
+        <p:spPr/>
+        <p:txBody>
+          <a:bodyPr/>
+          <a:lstStyle/>
+          <a:p>
+            <a:r>
+              <a:rPr lang="de-DE" smtClean="0"/>
+              <a:t>Mastertitelformat bearbeiten</a:t>
+            </a:r>
+            <a:endParaRPr lang="en-US"/>
+          </a:p>
+        </p:txBody>
+      </p:sp>
+      <p:sp>
+        <p:nvSpPr>
+          <p:cNvPr id="3" name="Datumsplatzhalter 2"/>
+          <p:cNvSpPr>
+            <a:spLocks noGrp="1"/>
+          </p:cNvSpPr>
+          <p:nvPr>
+            <p:ph type="dt" sz="half" idx="10"/>
+          </p:nvPr>
+        </p:nvSpPr>
+        <p:spPr/>
+        <p:txBody>
+          <a:bodyPr/>
+          <a:lstStyle/>
+          <a:p>
+            <a:fld id="{907AEC89-51F8-8C49-8F5C-7B8970AE8955}" type="datetimeFigureOut">
+              <a:rPr lang="de-DE" smtClean="0"/>
+              <a:t>07.12.20</a:t>
+            </a:fld>
+            <a:endParaRPr lang="en-US"/>
+          </a:p>
+        </p:txBody>
+      </p:sp>
+      <p:sp>
+        <p:nvSpPr>
+          <p:cNvPr id="4" name="Fußzeilenplatzhalter 3"/>
+          <p:cNvSpPr>
+            <a:spLocks noGrp="1"/>
+          </p:cNvSpPr>
+          <p:nvPr>
+            <p:ph type="ftr" sz="quarter" idx="11"/>
+          </p:nvPr>
+        </p:nvSpPr>
+        <p:spPr/>
+        <p:txBody>
+          <a:bodyPr/>
+          <a:lstStyle/>
+          <a:p>
+            <a:endParaRPr lang="en-US"/>
+          </a:p>
+        </p:txBody>
+      </p:sp>
+      <p:sp>
+        <p:nvSpPr>
+          <p:cNvPr id="5" name="Foliennummernplatzhalter 4"/>
+          <p:cNvSpPr>
+            <a:spLocks noGrp="1"/>
+          </p:cNvSpPr>
+          <p:nvPr>
+            <p:ph type="sldNum" sz="quarter" idx="12"/>
+          </p:nvPr>
+        </p:nvSpPr>
+        <p:spPr/>
+        <p:txBody>
+          <a:bodyPr/>
+          <a:lstStyle/>
+          <a:p>
+            <a:fld id="{3353C365-EEDD-DA4A-9236-BDF11C6DF832}" type="slidenum">
+              <a:rPr lang="en-US" smtClean="0"/>
+              <a:t>‹Nr.›</a:t>
+            </a:fld>
+            <a:endParaRPr lang="en-US"/>
+          </a:p>
+        </p:txBody>
+      </p:sp>
+      <p:sp>
+        <p:nvSpPr>
+          <p:cNvPr id="6" name="Textplatzhalter 2"/>
+          <p:cNvSpPr>
+            <a:spLocks noGrp="1"/>
+          </p:cNvSpPr>
+          <p:nvPr>
+            <p:ph idx="1"/>
+          </p:nvPr>
+        </p:nvSpPr>
+        <p:spPr>
+          <a:xfrm>
+            <a:off x="457200" y="1333500"/>
+            <a:ext cx="8229600" cy="3771636"/>
+          </a:xfrm>
+          <a:prstGeom prst="rect">
+            <a:avLst/>
+          </a:prstGeom>
+        </p:spPr>
+        <p:txBody>
+          <a:bodyPr vert="horz" lIns="91440" tIns="45720" rIns="91440" bIns="45720" rtlCol="0">
+            <a:normAutofit/>
+          </a:bodyPr>
+          <a:lstStyle>
+            <a:lvl1pPr>
+              <a:defRPr sz="2400"/>
+            </a:lvl1pPr>
+            <a:lvl2pPr>
+              <a:defRPr sz="2000"/>
+            </a:lvl2pPr>
+            <a:lvl3pPr>
+              <a:defRPr sz="1800"/>
+            </a:lvl3pPr>
+            <a:lvl4pPr>
+              <a:defRPr sz="1600"/>
+            </a:lvl4pPr>
+            <a:lvl5pPr>
+              <a:defRPr sz="1600"/>
+            </a:lvl5pPr>
+          </a:lstStyle>
+          <a:p>
+            <a:pPr lvl="0"/>
+            <a:r>
+              <a:rPr lang="de-DE" smtClean="0"/>
+              <a:t>Mastertextformat bearbeiten</a:t>
+            </a:r>
+          </a:p>
+          <a:p>
+            <a:pPr lvl="1"/>
+            <a:r>
+              <a:rPr lang="de-DE" smtClean="0"/>
+              <a:t>Zweite Ebene</a:t>
+            </a:r>
+          </a:p>
+          <a:p>
+            <a:pPr lvl="2"/>
+            <a:r>
+              <a:rPr lang="de-DE" smtClean="0"/>
+              <a:t>Dritte Ebene</a:t>
+            </a:r>
+          </a:p>
+          <a:p>
+            <a:pPr lvl="3"/>
+            <a:r>
+              <a:rPr lang="de-DE" smtClean="0"/>
+              <a:t>Vierte Ebene</a:t>
+            </a:r>
+          </a:p>
+          <a:p>
+            <a:pPr lvl="4"/>
+            <a:r>
+              <a:rPr lang="de-DE" smtClean="0"/>
+              <a:t>Fünfte Ebene</a:t>
+            </a:r>
+            <a:endParaRPr lang="en-US"/>
+          </a:p>
+        </p:txBody>
+      </p:sp>
+    </p:spTree>
+    <p:extLst>
+      <p:ext uri="{BB962C8B-B14F-4D97-AF65-F5344CB8AC3E}">
+        <p14:creationId xmlns:p14="http://schemas.microsoft.com/office/powerpoint/2010/main" val="318044402"/>
+      </p:ext>
+    </p:extLst>
+  </p:cSld>
+  <p:clrMapOvr>
+    <a:masterClrMapping/>
+  </p:clrMapOvr>
+</p:sldLayout>
+</file>
+
+<file path=ppt/slideLayouts/slideLayout3.xml><?xml version="1.0" encoding="utf-8"?>
 <p:sldLayout xmlns:a="http://schemas.openxmlformats.org/drawingml/2006/main" xmlns:r="http://schemas.openxmlformats.org/officeDocument/2006/relationships" xmlns:p="http://schemas.openxmlformats.org/presentationml/2006/main" type="title" preserve="1">
   <p:cSld name="Titelfolie">
     <p:spTree>
@@ -969,7 +1419,7 @@
           <a:p>
             <a:fld id="{907AEC89-51F8-8C49-8F5C-7B8970AE8955}" type="datetimeFigureOut">
               <a:rPr lang="de-DE" smtClean="0"/>
-              <a:t>05.12.20</a:t>
+              <a:t>07.12.20</a:t>
             </a:fld>
             <a:endParaRPr lang="en-US"/>
           </a:p>
@@ -1030,7 +1480,7 @@
 </p:sldLayout>
 </file>
 
-<file path=ppt/slideLayouts/slideLayout3.xml><?xml version="1.0" encoding="utf-8"?>
+<file path=ppt/slideLayouts/slideLayout4.xml><?xml version="1.0" encoding="utf-8"?>
 <p:sldLayout xmlns:a="http://schemas.openxmlformats.org/drawingml/2006/main" xmlns:r="http://schemas.openxmlformats.org/officeDocument/2006/relationships" xmlns:p="http://schemas.openxmlformats.org/presentationml/2006/main" preserve="1" userDrawn="1">
   <p:cSld name="Titel und Inhalt">
     <p:spTree>
@@ -1336,7 +1786,7 @@
 </p:sldLayout>
 </file>
 
-<file path=ppt/slideLayouts/slideLayout4.xml><?xml version="1.0" encoding="utf-8"?>
+<file path=ppt/slideLayouts/slideLayout5.xml><?xml version="1.0" encoding="utf-8"?>
 <p:sldLayout xmlns:a="http://schemas.openxmlformats.org/drawingml/2006/main" xmlns:r="http://schemas.openxmlformats.org/officeDocument/2006/relationships" xmlns:p="http://schemas.openxmlformats.org/presentationml/2006/main" type="secHead" preserve="1">
   <p:cSld name="Abschnittsüberschrift">
     <p:spTree>
@@ -1521,7 +1971,7 @@
           <a:p>
             <a:fld id="{907AEC89-51F8-8C49-8F5C-7B8970AE8955}" type="datetimeFigureOut">
               <a:rPr lang="de-DE" smtClean="0"/>
-              <a:t>05.12.20</a:t>
+              <a:t>07.12.20</a:t>
             </a:fld>
             <a:endParaRPr lang="en-US"/>
           </a:p>
@@ -1582,7 +2032,7 @@
 </p:sldLayout>
 </file>
 
-<file path=ppt/slideLayouts/slideLayout5.xml><?xml version="1.0" encoding="utf-8"?>
+<file path=ppt/slideLayouts/slideLayout6.xml><?xml version="1.0" encoding="utf-8"?>
 <p:sldLayout xmlns:a="http://schemas.openxmlformats.org/drawingml/2006/main" xmlns:r="http://schemas.openxmlformats.org/officeDocument/2006/relationships" xmlns:p="http://schemas.openxmlformats.org/presentationml/2006/main" type="twoTxTwoObj" preserve="1">
   <p:cSld name="Vergleich">
     <p:spTree>
@@ -1943,7 +2393,7 @@
           <a:p>
             <a:fld id="{907AEC89-51F8-8C49-8F5C-7B8970AE8955}" type="datetimeFigureOut">
               <a:rPr lang="de-DE" smtClean="0"/>
-              <a:t>05.12.20</a:t>
+              <a:t>07.12.20</a:t>
             </a:fld>
             <a:endParaRPr lang="en-US"/>
           </a:p>
@@ -2004,7 +2454,7 @@
 </p:sldLayout>
 </file>
 
-<file path=ppt/slideLayouts/slideLayout6.xml><?xml version="1.0" encoding="utf-8"?>
+<file path=ppt/slideLayouts/slideLayout7.xml><?xml version="1.0" encoding="utf-8"?>
 <p:sldLayout xmlns:a="http://schemas.openxmlformats.org/drawingml/2006/main" xmlns:r="http://schemas.openxmlformats.org/officeDocument/2006/relationships" xmlns:p="http://schemas.openxmlformats.org/presentationml/2006/main" type="titleOnly" preserve="1">
   <p:cSld name="Nur Titel">
     <p:spTree>
@@ -2061,7 +2511,7 @@
           <a:p>
             <a:fld id="{907AEC89-51F8-8C49-8F5C-7B8970AE8955}" type="datetimeFigureOut">
               <a:rPr lang="de-DE" smtClean="0"/>
-              <a:t>05.12.20</a:t>
+              <a:t>07.12.20</a:t>
             </a:fld>
             <a:endParaRPr lang="en-US"/>
           </a:p>
@@ -2122,7 +2572,7 @@
 </p:sldLayout>
 </file>
 
-<file path=ppt/slideLayouts/slideLayout7.xml><?xml version="1.0" encoding="utf-8"?>
+<file path=ppt/slideLayouts/slideLayout8.xml><?xml version="1.0" encoding="utf-8"?>
 <p:sldLayout xmlns:a="http://schemas.openxmlformats.org/drawingml/2006/main" xmlns:r="http://schemas.openxmlformats.org/officeDocument/2006/relationships" xmlns:p="http://schemas.openxmlformats.org/presentationml/2006/main" type="blank" preserve="1">
   <p:cSld name="Leer">
     <p:spTree>
@@ -2156,7 +2606,7 @@
           <a:p>
             <a:fld id="{907AEC89-51F8-8C49-8F5C-7B8970AE8955}" type="datetimeFigureOut">
               <a:rPr lang="de-DE" smtClean="0"/>
-              <a:t>05.12.20</a:t>
+              <a:t>07.12.20</a:t>
             </a:fld>
             <a:endParaRPr lang="en-US"/>
           </a:p>
@@ -2217,7 +2667,7 @@
 </p:sldLayout>
 </file>
 
-<file path=ppt/slideLayouts/slideLayout8.xml><?xml version="1.0" encoding="utf-8"?>
+<file path=ppt/slideLayouts/slideLayout9.xml><?xml version="1.0" encoding="utf-8"?>
 <p:sldLayout xmlns:a="http://schemas.openxmlformats.org/drawingml/2006/main" xmlns:r="http://schemas.openxmlformats.org/officeDocument/2006/relationships" xmlns:p="http://schemas.openxmlformats.org/presentationml/2006/main" type="objTx" preserve="1">
   <p:cSld name="Inhalt mit Beschriftung">
     <p:spTree>
@@ -2433,7 +2883,7 @@
           <a:p>
             <a:fld id="{907AEC89-51F8-8C49-8F5C-7B8970AE8955}" type="datetimeFigureOut">
               <a:rPr lang="de-DE" smtClean="0"/>
-              <a:t>05.12.20</a:t>
+              <a:t>07.12.20</a:t>
             </a:fld>
             <a:endParaRPr lang="en-US"/>
           </a:p>
@@ -2485,259 +2935,6 @@
     <p:extLst>
       <p:ext uri="{BB962C8B-B14F-4D97-AF65-F5344CB8AC3E}">
         <p14:creationId xmlns:p14="http://schemas.microsoft.com/office/powerpoint/2010/main" val="327632669"/>
-      </p:ext>
-    </p:extLst>
-  </p:cSld>
-  <p:clrMapOvr>
-    <a:masterClrMapping/>
-  </p:clrMapOvr>
-</p:sldLayout>
-</file>
-
-<file path=ppt/slideLayouts/slideLayout9.xml><?xml version="1.0" encoding="utf-8"?>
-<p:sldLayout xmlns:a="http://schemas.openxmlformats.org/drawingml/2006/main" xmlns:r="http://schemas.openxmlformats.org/officeDocument/2006/relationships" xmlns:p="http://schemas.openxmlformats.org/presentationml/2006/main" type="picTx" preserve="1">
-  <p:cSld name="Bild mit Beschriftung">
-    <p:spTree>
-      <p:nvGrpSpPr>
-        <p:cNvPr id="1" name=""/>
-        <p:cNvGrpSpPr/>
-        <p:nvPr/>
-      </p:nvGrpSpPr>
-      <p:grpSpPr>
-        <a:xfrm>
-          <a:off x="0" y="0"/>
-          <a:ext cx="0" cy="0"/>
-          <a:chOff x="0" y="0"/>
-          <a:chExt cx="0" cy="0"/>
-        </a:xfrm>
-      </p:grpSpPr>
-      <p:sp>
-        <p:nvSpPr>
-          <p:cNvPr id="2" name="Titel 1"/>
-          <p:cNvSpPr>
-            <a:spLocks noGrp="1"/>
-          </p:cNvSpPr>
-          <p:nvPr>
-            <p:ph type="title"/>
-          </p:nvPr>
-        </p:nvSpPr>
-        <p:spPr>
-          <a:xfrm>
-            <a:off x="1792288" y="4000500"/>
-            <a:ext cx="5486400" cy="472282"/>
-          </a:xfrm>
-        </p:spPr>
-        <p:txBody>
-          <a:bodyPr anchor="b"/>
-          <a:lstStyle>
-            <a:lvl1pPr algn="l">
-              <a:defRPr sz="2000" b="1"/>
-            </a:lvl1pPr>
-          </a:lstStyle>
-          <a:p>
-            <a:r>
-              <a:rPr lang="de-DE" smtClean="0"/>
-              <a:t>Mastertitelformat bearbeiten</a:t>
-            </a:r>
-            <a:endParaRPr lang="en-US"/>
-          </a:p>
-        </p:txBody>
-      </p:sp>
-      <p:sp>
-        <p:nvSpPr>
-          <p:cNvPr id="3" name="Bildplatzhalter 2"/>
-          <p:cNvSpPr>
-            <a:spLocks noGrp="1"/>
-          </p:cNvSpPr>
-          <p:nvPr>
-            <p:ph type="pic" idx="1"/>
-          </p:nvPr>
-        </p:nvSpPr>
-        <p:spPr>
-          <a:xfrm>
-            <a:off x="1792288" y="510646"/>
-            <a:ext cx="5486400" cy="3429000"/>
-          </a:xfrm>
-        </p:spPr>
-        <p:txBody>
-          <a:bodyPr/>
-          <a:lstStyle>
-            <a:lvl1pPr marL="0" indent="0">
-              <a:buNone/>
-              <a:defRPr sz="3200"/>
-            </a:lvl1pPr>
-            <a:lvl2pPr marL="457200" indent="0">
-              <a:buNone/>
-              <a:defRPr sz="2800"/>
-            </a:lvl2pPr>
-            <a:lvl3pPr marL="914400" indent="0">
-              <a:buNone/>
-              <a:defRPr sz="2400"/>
-            </a:lvl3pPr>
-            <a:lvl4pPr marL="1371600" indent="0">
-              <a:buNone/>
-              <a:defRPr sz="2000"/>
-            </a:lvl4pPr>
-            <a:lvl5pPr marL="1828800" indent="0">
-              <a:buNone/>
-              <a:defRPr sz="2000"/>
-            </a:lvl5pPr>
-            <a:lvl6pPr marL="2286000" indent="0">
-              <a:buNone/>
-              <a:defRPr sz="2000"/>
-            </a:lvl6pPr>
-            <a:lvl7pPr marL="2743200" indent="0">
-              <a:buNone/>
-              <a:defRPr sz="2000"/>
-            </a:lvl7pPr>
-            <a:lvl8pPr marL="3200400" indent="0">
-              <a:buNone/>
-              <a:defRPr sz="2000"/>
-            </a:lvl8pPr>
-            <a:lvl9pPr marL="3657600" indent="0">
-              <a:buNone/>
-              <a:defRPr sz="2000"/>
-            </a:lvl9pPr>
-          </a:lstStyle>
-          <a:p>
-            <a:endParaRPr lang="en-US"/>
-          </a:p>
-        </p:txBody>
-      </p:sp>
-      <p:sp>
-        <p:nvSpPr>
-          <p:cNvPr id="4" name="Textplatzhalter 3"/>
-          <p:cNvSpPr>
-            <a:spLocks noGrp="1"/>
-          </p:cNvSpPr>
-          <p:nvPr>
-            <p:ph type="body" sz="half" idx="2"/>
-          </p:nvPr>
-        </p:nvSpPr>
-        <p:spPr>
-          <a:xfrm>
-            <a:off x="1792288" y="4472782"/>
-            <a:ext cx="5486400" cy="670718"/>
-          </a:xfrm>
-        </p:spPr>
-        <p:txBody>
-          <a:bodyPr/>
-          <a:lstStyle>
-            <a:lvl1pPr marL="0" indent="0">
-              <a:buNone/>
-              <a:defRPr sz="1400"/>
-            </a:lvl1pPr>
-            <a:lvl2pPr marL="457200" indent="0">
-              <a:buNone/>
-              <a:defRPr sz="1200"/>
-            </a:lvl2pPr>
-            <a:lvl3pPr marL="914400" indent="0">
-              <a:buNone/>
-              <a:defRPr sz="1000"/>
-            </a:lvl3pPr>
-            <a:lvl4pPr marL="1371600" indent="0">
-              <a:buNone/>
-              <a:defRPr sz="900"/>
-            </a:lvl4pPr>
-            <a:lvl5pPr marL="1828800" indent="0">
-              <a:buNone/>
-              <a:defRPr sz="900"/>
-            </a:lvl5pPr>
-            <a:lvl6pPr marL="2286000" indent="0">
-              <a:buNone/>
-              <a:defRPr sz="900"/>
-            </a:lvl6pPr>
-            <a:lvl7pPr marL="2743200" indent="0">
-              <a:buNone/>
-              <a:defRPr sz="900"/>
-            </a:lvl7pPr>
-            <a:lvl8pPr marL="3200400" indent="0">
-              <a:buNone/>
-              <a:defRPr sz="900"/>
-            </a:lvl8pPr>
-            <a:lvl9pPr marL="3657600" indent="0">
-              <a:buNone/>
-              <a:defRPr sz="900"/>
-            </a:lvl9pPr>
-          </a:lstStyle>
-          <a:p>
-            <a:pPr lvl="0"/>
-            <a:r>
-              <a:rPr lang="de-DE" smtClean="0"/>
-              <a:t>Mastertextformat bearbeiten</a:t>
-            </a:r>
-          </a:p>
-        </p:txBody>
-      </p:sp>
-      <p:sp>
-        <p:nvSpPr>
-          <p:cNvPr id="5" name="Datumsplatzhalter 4"/>
-          <p:cNvSpPr>
-            <a:spLocks noGrp="1"/>
-          </p:cNvSpPr>
-          <p:nvPr>
-            <p:ph type="dt" sz="half" idx="10"/>
-          </p:nvPr>
-        </p:nvSpPr>
-        <p:spPr/>
-        <p:txBody>
-          <a:bodyPr/>
-          <a:lstStyle/>
-          <a:p>
-            <a:fld id="{907AEC89-51F8-8C49-8F5C-7B8970AE8955}" type="datetimeFigureOut">
-              <a:rPr lang="de-DE" smtClean="0"/>
-              <a:t>05.12.20</a:t>
-            </a:fld>
-            <a:endParaRPr lang="en-US"/>
-          </a:p>
-        </p:txBody>
-      </p:sp>
-      <p:sp>
-        <p:nvSpPr>
-          <p:cNvPr id="6" name="Fußzeilenplatzhalter 5"/>
-          <p:cNvSpPr>
-            <a:spLocks noGrp="1"/>
-          </p:cNvSpPr>
-          <p:nvPr>
-            <p:ph type="ftr" sz="quarter" idx="11"/>
-          </p:nvPr>
-        </p:nvSpPr>
-        <p:spPr/>
-        <p:txBody>
-          <a:bodyPr/>
-          <a:lstStyle/>
-          <a:p>
-            <a:endParaRPr lang="en-US"/>
-          </a:p>
-        </p:txBody>
-      </p:sp>
-      <p:sp>
-        <p:nvSpPr>
-          <p:cNvPr id="7" name="Foliennummernplatzhalter 6"/>
-          <p:cNvSpPr>
-            <a:spLocks noGrp="1"/>
-          </p:cNvSpPr>
-          <p:nvPr>
-            <p:ph type="sldNum" sz="quarter" idx="12"/>
-          </p:nvPr>
-        </p:nvSpPr>
-        <p:spPr/>
-        <p:txBody>
-          <a:bodyPr/>
-          <a:lstStyle/>
-          <a:p>
-            <a:fld id="{3353C365-EEDD-DA4A-9236-BDF11C6DF832}" type="slidenum">
-              <a:rPr lang="en-US" smtClean="0"/>
-              <a:t>‹Nr.›</a:t>
-            </a:fld>
-            <a:endParaRPr lang="en-US"/>
-          </a:p>
-        </p:txBody>
-      </p:sp>
-    </p:spTree>
-    <p:extLst>
-      <p:ext uri="{BB962C8B-B14F-4D97-AF65-F5344CB8AC3E}">
-        <p14:creationId xmlns:p14="http://schemas.microsoft.com/office/powerpoint/2010/main" val="837404562"/>
       </p:ext>
     </p:extLst>
   </p:cSld>
@@ -2899,7 +3096,7 @@
           <a:p>
             <a:fld id="{907AEC89-51F8-8C49-8F5C-7B8970AE8955}" type="datetimeFigureOut">
               <a:rPr lang="de-DE" smtClean="0"/>
-              <a:t>05.12.20</a:t>
+              <a:t>07.12.20</a:t>
             </a:fld>
             <a:endParaRPr lang="en-US"/>
           </a:p>
@@ -2993,16 +3190,17 @@
   <p:clrMap bg1="lt1" tx1="dk1" bg2="lt2" tx2="dk2" accent1="accent1" accent2="accent2" accent3="accent3" accent4="accent4" accent5="accent5" accent6="accent6" hlink="hlink" folHlink="folHlink"/>
   <p:sldLayoutIdLst>
     <p:sldLayoutId id="2147483652" r:id="rId1"/>
-    <p:sldLayoutId id="2147483649" r:id="rId2"/>
-    <p:sldLayoutId id="2147483650" r:id="rId3"/>
-    <p:sldLayoutId id="2147483651" r:id="rId4"/>
-    <p:sldLayoutId id="2147483653" r:id="rId5"/>
-    <p:sldLayoutId id="2147483654" r:id="rId6"/>
-    <p:sldLayoutId id="2147483655" r:id="rId7"/>
-    <p:sldLayoutId id="2147483656" r:id="rId8"/>
-    <p:sldLayoutId id="2147483657" r:id="rId9"/>
-    <p:sldLayoutId id="2147483658" r:id="rId10"/>
-    <p:sldLayoutId id="2147483659" r:id="rId11"/>
+    <p:sldLayoutId id="2147483660" r:id="rId2"/>
+    <p:sldLayoutId id="2147483649" r:id="rId3"/>
+    <p:sldLayoutId id="2147483650" r:id="rId4"/>
+    <p:sldLayoutId id="2147483651" r:id="rId5"/>
+    <p:sldLayoutId id="2147483653" r:id="rId6"/>
+    <p:sldLayoutId id="2147483654" r:id="rId7"/>
+    <p:sldLayoutId id="2147483655" r:id="rId8"/>
+    <p:sldLayoutId id="2147483656" r:id="rId9"/>
+    <p:sldLayoutId id="2147483657" r:id="rId10"/>
+    <p:sldLayoutId id="2147483658" r:id="rId11"/>
+    <p:sldLayoutId id="2147483659" r:id="rId12"/>
   </p:sldLayoutIdLst>
   <p:txStyles>
     <p:titleStyle>
@@ -3668,8 +3866,12 @@
               <a:t> die </a:t>
             </a:r>
             <a:r>
-              <a:rPr lang="en-US" dirty="0" err="1" smtClean="0"/>
-              <a:t>causlität</a:t>
+              <a:rPr lang="en-US" dirty="0" err="1"/>
+              <a:t>K</a:t>
+            </a:r>
+            <a:r>
+              <a:rPr lang="en-US" dirty="0" err="1" smtClean="0"/>
+              <a:t>auslität</a:t>
             </a:r>
             <a:r>
               <a:rPr lang="en-US" dirty="0" smtClean="0"/>
@@ -3986,6 +4188,751 @@
     <p:extLst>
       <p:ext uri="{BB962C8B-B14F-4D97-AF65-F5344CB8AC3E}">
         <p14:creationId xmlns:p14="http://schemas.microsoft.com/office/powerpoint/2010/main" val="1594588149"/>
+      </p:ext>
+    </p:extLst>
+  </p:cSld>
+  <p:clrMapOvr>
+    <a:masterClrMapping/>
+  </p:clrMapOvr>
+</p:sld>
+</file>
+
+<file path=ppt/slides/slide3.xml><?xml version="1.0" encoding="utf-8"?>
+<p:sld xmlns:a="http://schemas.openxmlformats.org/drawingml/2006/main" xmlns:r="http://schemas.openxmlformats.org/officeDocument/2006/relationships" xmlns:p="http://schemas.openxmlformats.org/presentationml/2006/main">
+  <p:cSld>
+    <p:spTree>
+      <p:nvGrpSpPr>
+        <p:cNvPr id="1" name=""/>
+        <p:cNvGrpSpPr/>
+        <p:nvPr/>
+      </p:nvGrpSpPr>
+      <p:grpSpPr>
+        <a:xfrm>
+          <a:off x="0" y="0"/>
+          <a:ext cx="0" cy="0"/>
+          <a:chOff x="0" y="0"/>
+          <a:chExt cx="0" cy="0"/>
+        </a:xfrm>
+      </p:grpSpPr>
+      <p:sp>
+        <p:nvSpPr>
+          <p:cNvPr id="2" name="Titel 1"/>
+          <p:cNvSpPr>
+            <a:spLocks noGrp="1"/>
+          </p:cNvSpPr>
+          <p:nvPr>
+            <p:ph type="title"/>
+          </p:nvPr>
+        </p:nvSpPr>
+        <p:spPr/>
+        <p:txBody>
+          <a:bodyPr/>
+          <a:lstStyle/>
+          <a:p>
+            <a:r>
+              <a:rPr lang="en-US" dirty="0" smtClean="0"/>
+              <a:t>Meeting: 07.12.20</a:t>
+            </a:r>
+            <a:endParaRPr lang="en-US" dirty="0"/>
+          </a:p>
+        </p:txBody>
+      </p:sp>
+      <p:sp>
+        <p:nvSpPr>
+          <p:cNvPr id="5" name="Textfeld 4"/>
+          <p:cNvSpPr txBox="1"/>
+          <p:nvPr/>
+        </p:nvSpPr>
+        <p:spPr>
+          <a:xfrm>
+            <a:off x="457200" y="1181365"/>
+            <a:ext cx="8229600" cy="4524316"/>
+          </a:xfrm>
+          <a:prstGeom prst="rect">
+            <a:avLst/>
+          </a:prstGeom>
+          <a:noFill/>
+        </p:spPr>
+        <p:txBody>
+          <a:bodyPr wrap="square" rtlCol="0">
+            <a:spAutoFit/>
+          </a:bodyPr>
+          <a:lstStyle/>
+          <a:p>
+            <a:pPr marL="285750" indent="-285750">
+              <a:buFont typeface="Arial"/>
+              <a:buChar char="•"/>
+            </a:pPr>
+            <a:r>
+              <a:rPr lang="en-US" dirty="0" err="1" smtClean="0"/>
+              <a:t>Realistisch</a:t>
+            </a:r>
+            <a:r>
+              <a:rPr lang="en-US" dirty="0" smtClean="0"/>
+              <a:t>: </a:t>
+            </a:r>
+            <a:r>
+              <a:rPr lang="en-US" dirty="0" err="1" smtClean="0"/>
+              <a:t>nächsten</a:t>
+            </a:r>
+            <a:r>
+              <a:rPr lang="en-US" dirty="0" smtClean="0"/>
+              <a:t> 2 </a:t>
+            </a:r>
+            <a:r>
+              <a:rPr lang="en-US" dirty="0" err="1" smtClean="0"/>
+              <a:t>Wochen</a:t>
+            </a:r>
+            <a:r>
+              <a:rPr lang="en-US" dirty="0" smtClean="0"/>
+              <a:t> das </a:t>
+            </a:r>
+            <a:r>
+              <a:rPr lang="en-US" dirty="0" err="1" smtClean="0"/>
+              <a:t>Gespräch</a:t>
+            </a:r>
+            <a:r>
+              <a:rPr lang="en-US" dirty="0" smtClean="0"/>
+              <a:t> </a:t>
+            </a:r>
+            <a:r>
+              <a:rPr lang="en-US" dirty="0" err="1" smtClean="0"/>
+              <a:t>mit</a:t>
+            </a:r>
+            <a:r>
+              <a:rPr lang="en-US" dirty="0" smtClean="0"/>
+              <a:t> </a:t>
+            </a:r>
+            <a:r>
+              <a:rPr lang="en-US" dirty="0" err="1" smtClean="0"/>
+              <a:t>Diepold</a:t>
+            </a:r>
+            <a:r>
+              <a:rPr lang="en-US" dirty="0" smtClean="0"/>
+              <a:t>, </a:t>
+            </a:r>
+            <a:r>
+              <a:rPr lang="en-US" dirty="0" err="1" smtClean="0"/>
+              <a:t>sollte</a:t>
+            </a:r>
+            <a:r>
+              <a:rPr lang="en-US" dirty="0" smtClean="0"/>
+              <a:t> </a:t>
+            </a:r>
+            <a:r>
+              <a:rPr lang="en-US" dirty="0" err="1" smtClean="0"/>
+              <a:t>aber</a:t>
+            </a:r>
+            <a:r>
+              <a:rPr lang="en-US" dirty="0" smtClean="0"/>
+              <a:t> </a:t>
+            </a:r>
+            <a:r>
+              <a:rPr lang="en-US" dirty="0" err="1" smtClean="0"/>
+              <a:t>zu</a:t>
+            </a:r>
+            <a:r>
+              <a:rPr lang="en-US" dirty="0" smtClean="0"/>
+              <a:t> </a:t>
+            </a:r>
+            <a:r>
+              <a:rPr lang="en-US" dirty="0" err="1" smtClean="0"/>
+              <a:t>erkennen</a:t>
+            </a:r>
+            <a:r>
+              <a:rPr lang="en-US" dirty="0" smtClean="0"/>
+              <a:t> </a:t>
+            </a:r>
+            <a:r>
+              <a:rPr lang="en-US" dirty="0" err="1" smtClean="0"/>
+              <a:t>sein</a:t>
+            </a:r>
+            <a:r>
+              <a:rPr lang="en-US" dirty="0" smtClean="0"/>
+              <a:t> </a:t>
+            </a:r>
+            <a:r>
+              <a:rPr lang="en-US" dirty="0" err="1" smtClean="0"/>
+              <a:t>dass</a:t>
+            </a:r>
+            <a:r>
+              <a:rPr lang="en-US" dirty="0" smtClean="0"/>
+              <a:t> </a:t>
+            </a:r>
+            <a:r>
+              <a:rPr lang="en-US" dirty="0" err="1" smtClean="0"/>
+              <a:t>es</a:t>
+            </a:r>
+            <a:r>
+              <a:rPr lang="en-US" dirty="0" smtClean="0"/>
+              <a:t> </a:t>
+            </a:r>
+            <a:r>
+              <a:rPr lang="en-US" dirty="0" err="1" smtClean="0"/>
+              <a:t>nicht</a:t>
+            </a:r>
+            <a:r>
+              <a:rPr lang="en-US" dirty="0" smtClean="0"/>
+              <a:t> </a:t>
+            </a:r>
+            <a:r>
+              <a:rPr lang="en-US" dirty="0" err="1" smtClean="0"/>
+              <a:t>komplett</a:t>
+            </a:r>
+            <a:r>
+              <a:rPr lang="en-US" dirty="0" smtClean="0"/>
+              <a:t> </a:t>
+            </a:r>
+            <a:r>
+              <a:rPr lang="en-US" dirty="0" err="1" smtClean="0"/>
+              <a:t>offen</a:t>
+            </a:r>
+            <a:r>
+              <a:rPr lang="en-US" dirty="0" smtClean="0"/>
+              <a:t> </a:t>
+            </a:r>
+            <a:r>
+              <a:rPr lang="en-US" dirty="0" err="1" smtClean="0"/>
+              <a:t>ist</a:t>
+            </a:r>
+            <a:r>
+              <a:rPr lang="en-US" dirty="0" smtClean="0"/>
+              <a:t> -&gt; </a:t>
+            </a:r>
+            <a:r>
+              <a:rPr lang="en-US" dirty="0" err="1" smtClean="0"/>
+              <a:t>methode</a:t>
+            </a:r>
+            <a:r>
+              <a:rPr lang="en-US" dirty="0" smtClean="0"/>
+              <a:t> </a:t>
+            </a:r>
+            <a:r>
+              <a:rPr lang="en-US" dirty="0" err="1" smtClean="0"/>
+              <a:t>aus</a:t>
+            </a:r>
+            <a:r>
+              <a:rPr lang="en-US" dirty="0" smtClean="0"/>
+              <a:t> </a:t>
+            </a:r>
+            <a:r>
+              <a:rPr lang="en-US" dirty="0" err="1" smtClean="0"/>
+              <a:t>Bereich</a:t>
+            </a:r>
+            <a:r>
+              <a:rPr lang="en-US" dirty="0" smtClean="0"/>
+              <a:t> X die man </a:t>
+            </a:r>
+            <a:r>
+              <a:rPr lang="en-US" dirty="0" err="1" smtClean="0"/>
+              <a:t>nutzen</a:t>
+            </a:r>
+            <a:r>
+              <a:rPr lang="en-US" dirty="0" smtClean="0"/>
+              <a:t> </a:t>
+            </a:r>
+            <a:r>
+              <a:rPr lang="en-US" dirty="0" err="1" smtClean="0"/>
+              <a:t>könnte</a:t>
+            </a:r>
+            <a:endParaRPr lang="en-US" dirty="0" smtClean="0"/>
+          </a:p>
+          <a:p>
+            <a:pPr marL="285750" indent="-285750">
+              <a:buFont typeface="Arial"/>
+              <a:buChar char="•"/>
+            </a:pPr>
+            <a:r>
+              <a:rPr lang="en-US" dirty="0" smtClean="0"/>
+              <a:t>Causal  Attention in Regression </a:t>
+            </a:r>
+          </a:p>
+          <a:p>
+            <a:pPr marL="285750" indent="-285750">
+              <a:buFont typeface="Arial"/>
+              <a:buChar char="•"/>
+            </a:pPr>
+            <a:r>
+              <a:rPr lang="en-US" dirty="0" smtClean="0"/>
+              <a:t>Analog auf regression und attention </a:t>
+            </a:r>
+            <a:r>
+              <a:rPr lang="en-US" dirty="0" err="1" smtClean="0"/>
+              <a:t>substituieren</a:t>
+            </a:r>
+            <a:r>
+              <a:rPr lang="en-US" dirty="0" smtClean="0"/>
+              <a:t> (</a:t>
+            </a:r>
+            <a:r>
+              <a:rPr lang="en-US" dirty="0" err="1" smtClean="0"/>
+              <a:t>schauen</a:t>
+            </a:r>
+            <a:r>
+              <a:rPr lang="en-US" dirty="0" smtClean="0"/>
+              <a:t> was </a:t>
+            </a:r>
+            <a:r>
+              <a:rPr lang="en-US" dirty="0" err="1" smtClean="0"/>
+              <a:t>sich</a:t>
+            </a:r>
+            <a:r>
+              <a:rPr lang="en-US" dirty="0" smtClean="0"/>
+              <a:t> am </a:t>
+            </a:r>
+            <a:r>
+              <a:rPr lang="en-US" dirty="0" err="1" smtClean="0"/>
+              <a:t>besten</a:t>
+            </a:r>
+            <a:r>
+              <a:rPr lang="en-US" dirty="0" smtClean="0"/>
+              <a:t> </a:t>
+            </a:r>
+            <a:r>
+              <a:rPr lang="en-US" dirty="0" err="1" smtClean="0"/>
+              <a:t>eignet</a:t>
+            </a:r>
+            <a:r>
+              <a:rPr lang="en-US" dirty="0" smtClean="0"/>
+              <a:t>)</a:t>
+            </a:r>
+          </a:p>
+          <a:p>
+            <a:pPr marL="285750" indent="-285750">
+              <a:buFont typeface="Arial"/>
+              <a:buChar char="•"/>
+            </a:pPr>
+            <a:r>
+              <a:rPr lang="en-US" dirty="0" smtClean="0"/>
+              <a:t>Approach: paper </a:t>
+            </a:r>
+            <a:r>
+              <a:rPr lang="en-US" dirty="0" err="1" smtClean="0"/>
+              <a:t>nachimplementieren</a:t>
+            </a:r>
+            <a:r>
+              <a:rPr lang="en-US" dirty="0" smtClean="0"/>
+              <a:t> </a:t>
+            </a:r>
+            <a:r>
+              <a:rPr lang="en-US" dirty="0" err="1" smtClean="0"/>
+              <a:t>aber</a:t>
+            </a:r>
+            <a:r>
+              <a:rPr lang="en-US" dirty="0" smtClean="0"/>
+              <a:t> auf </a:t>
+            </a:r>
+            <a:r>
+              <a:rPr lang="en-US" dirty="0" err="1" smtClean="0"/>
+              <a:t>eine</a:t>
+            </a:r>
+            <a:r>
+              <a:rPr lang="en-US" dirty="0" smtClean="0"/>
+              <a:t> </a:t>
+            </a:r>
+            <a:r>
+              <a:rPr lang="en-US" dirty="0" err="1" smtClean="0"/>
+              <a:t>andere</a:t>
+            </a:r>
+            <a:r>
+              <a:rPr lang="en-US" dirty="0" smtClean="0"/>
+              <a:t> </a:t>
+            </a:r>
+            <a:r>
+              <a:rPr lang="en-US" dirty="0" err="1" smtClean="0"/>
+              <a:t>Methodik</a:t>
+            </a:r>
+            <a:r>
+              <a:rPr lang="en-US" dirty="0" smtClean="0"/>
+              <a:t> </a:t>
+            </a:r>
+          </a:p>
+          <a:p>
+            <a:pPr marL="285750" indent="-285750">
+              <a:buFont typeface="Arial"/>
+              <a:buChar char="•"/>
+            </a:pPr>
+            <a:r>
+              <a:rPr lang="en-US" dirty="0" err="1" smtClean="0"/>
+              <a:t>Wie</a:t>
+            </a:r>
+            <a:r>
+              <a:rPr lang="en-US" dirty="0" smtClean="0"/>
+              <a:t> </a:t>
+            </a:r>
+            <a:r>
+              <a:rPr lang="en-US" dirty="0" err="1" smtClean="0"/>
+              <a:t>subtiuieren</a:t>
+            </a:r>
+            <a:r>
+              <a:rPr lang="en-US" dirty="0" smtClean="0"/>
+              <a:t> </a:t>
+            </a:r>
+            <a:r>
+              <a:rPr lang="en-US" dirty="0" err="1" smtClean="0"/>
+              <a:t>wir</a:t>
+            </a:r>
+            <a:r>
+              <a:rPr lang="en-US" dirty="0" smtClean="0"/>
+              <a:t> den attention </a:t>
+            </a:r>
+            <a:r>
+              <a:rPr lang="en-US" dirty="0" err="1" smtClean="0"/>
+              <a:t>teil</a:t>
+            </a:r>
+            <a:r>
+              <a:rPr lang="en-US" dirty="0" smtClean="0"/>
+              <a:t> </a:t>
+            </a:r>
+          </a:p>
+          <a:p>
+            <a:pPr marL="285750" indent="-285750">
+              <a:buFont typeface="Arial"/>
+              <a:buChar char="•"/>
+            </a:pPr>
+            <a:r>
+              <a:rPr lang="en-US" dirty="0" err="1" smtClean="0"/>
+              <a:t>Wir</a:t>
+            </a:r>
+            <a:r>
+              <a:rPr lang="en-US" dirty="0" smtClean="0"/>
+              <a:t> </a:t>
+            </a:r>
+            <a:r>
+              <a:rPr lang="en-US" dirty="0" err="1" smtClean="0"/>
+              <a:t>schauen</a:t>
+            </a:r>
+            <a:r>
+              <a:rPr lang="en-US" dirty="0" smtClean="0"/>
+              <a:t> </a:t>
+            </a:r>
+            <a:r>
+              <a:rPr lang="en-US" dirty="0" err="1" smtClean="0"/>
+              <a:t>ob</a:t>
+            </a:r>
+            <a:r>
+              <a:rPr lang="en-US" dirty="0" smtClean="0"/>
+              <a:t> </a:t>
+            </a:r>
+            <a:r>
+              <a:rPr lang="en-US" dirty="0" err="1" smtClean="0"/>
+              <a:t>es</a:t>
+            </a:r>
+            <a:r>
+              <a:rPr lang="en-US" dirty="0" smtClean="0"/>
+              <a:t> </a:t>
+            </a:r>
+            <a:r>
+              <a:rPr lang="en-US" dirty="0" err="1" smtClean="0"/>
+              <a:t>eine</a:t>
+            </a:r>
+            <a:r>
+              <a:rPr lang="en-US" dirty="0" smtClean="0"/>
+              <a:t> </a:t>
+            </a:r>
+            <a:r>
+              <a:rPr lang="en-US" dirty="0" err="1" smtClean="0"/>
+              <a:t>euqivalente</a:t>
+            </a:r>
+            <a:r>
+              <a:rPr lang="en-US" dirty="0" smtClean="0"/>
+              <a:t> </a:t>
+            </a:r>
+            <a:r>
+              <a:rPr lang="en-US" dirty="0" err="1" smtClean="0"/>
+              <a:t>Sache</a:t>
+            </a:r>
+            <a:r>
+              <a:rPr lang="en-US" dirty="0" smtClean="0"/>
+              <a:t> </a:t>
+            </a:r>
+            <a:r>
+              <a:rPr lang="en-US" dirty="0" err="1" smtClean="0"/>
+              <a:t>gibt</a:t>
+            </a:r>
+            <a:r>
+              <a:rPr lang="en-US" dirty="0" smtClean="0"/>
+              <a:t> und </a:t>
+            </a:r>
+            <a:r>
+              <a:rPr lang="en-US" dirty="0" err="1" smtClean="0"/>
+              <a:t>wir</a:t>
+            </a:r>
+            <a:r>
+              <a:rPr lang="en-US" dirty="0" smtClean="0"/>
+              <a:t> </a:t>
+            </a:r>
+            <a:r>
+              <a:rPr lang="en-US" dirty="0" err="1" smtClean="0"/>
+              <a:t>haben</a:t>
+            </a:r>
+            <a:r>
+              <a:rPr lang="en-US" dirty="0" smtClean="0"/>
+              <a:t> </a:t>
+            </a:r>
+            <a:r>
+              <a:rPr lang="en-US" dirty="0" err="1" smtClean="0"/>
+              <a:t>aber</a:t>
+            </a:r>
+            <a:r>
+              <a:rPr lang="en-US" dirty="0" smtClean="0"/>
+              <a:t> was was </a:t>
+            </a:r>
+            <a:r>
+              <a:rPr lang="en-US" dirty="0" err="1" smtClean="0"/>
+              <a:t>es</a:t>
+            </a:r>
+            <a:r>
+              <a:rPr lang="en-US" dirty="0" smtClean="0"/>
+              <a:t> </a:t>
+            </a:r>
+          </a:p>
+          <a:p>
+            <a:pPr marL="285750" indent="-285750">
+              <a:buFont typeface="Arial"/>
+              <a:buChar char="•"/>
+            </a:pPr>
+            <a:r>
+              <a:rPr lang="en-US" dirty="0" err="1" smtClean="0"/>
+              <a:t>Gradientenschritte</a:t>
+            </a:r>
+            <a:r>
+              <a:rPr lang="en-US" dirty="0" smtClean="0"/>
+              <a:t> </a:t>
+            </a:r>
+            <a:r>
+              <a:rPr lang="en-US" dirty="0" err="1" smtClean="0"/>
+              <a:t>interpretieren</a:t>
+            </a:r>
+            <a:r>
+              <a:rPr lang="en-US" dirty="0" smtClean="0"/>
+              <a:t> auf was </a:t>
+            </a:r>
+            <a:r>
+              <a:rPr lang="en-US" dirty="0" err="1" smtClean="0"/>
+              <a:t>sie</a:t>
+            </a:r>
+            <a:r>
+              <a:rPr lang="en-US" dirty="0" smtClean="0"/>
+              <a:t> </a:t>
+            </a:r>
+            <a:r>
+              <a:rPr lang="en-US" dirty="0" err="1" smtClean="0"/>
+              <a:t>sich</a:t>
+            </a:r>
+            <a:r>
+              <a:rPr lang="en-US" dirty="0" smtClean="0"/>
+              <a:t> </a:t>
+            </a:r>
+            <a:r>
+              <a:rPr lang="en-US" dirty="0" err="1" smtClean="0"/>
+              <a:t>beziehen</a:t>
+            </a:r>
+            <a:r>
+              <a:rPr lang="en-US" dirty="0" smtClean="0"/>
+              <a:t> und </a:t>
+            </a:r>
+            <a:r>
+              <a:rPr lang="en-US" dirty="0" err="1" smtClean="0"/>
+              <a:t>dann</a:t>
+            </a:r>
+            <a:r>
+              <a:rPr lang="en-US" dirty="0" smtClean="0"/>
+              <a:t> die </a:t>
+            </a:r>
+            <a:r>
+              <a:rPr lang="en-US" dirty="0" err="1" smtClean="0"/>
+              <a:t>maskieren</a:t>
+            </a:r>
+            <a:endParaRPr lang="en-US" dirty="0"/>
+          </a:p>
+          <a:p>
+            <a:pPr marL="285750" indent="-285750">
+              <a:buFont typeface="Arial"/>
+              <a:buChar char="•"/>
+            </a:pPr>
+            <a:r>
+              <a:rPr lang="en-US" dirty="0" smtClean="0"/>
+              <a:t>Attention and Regression</a:t>
+            </a:r>
+          </a:p>
+          <a:p>
+            <a:pPr marL="285750" indent="-285750">
+              <a:buFont typeface="Arial"/>
+              <a:buChar char="•"/>
+            </a:pPr>
+            <a:r>
+              <a:rPr lang="en-US" dirty="0" err="1" smtClean="0"/>
+              <a:t>Bis</a:t>
+            </a:r>
+            <a:r>
+              <a:rPr lang="en-US" dirty="0" smtClean="0"/>
+              <a:t> </a:t>
+            </a:r>
+            <a:r>
+              <a:rPr lang="en-US" dirty="0" err="1" smtClean="0"/>
+              <a:t>Ende</a:t>
+            </a:r>
+            <a:r>
+              <a:rPr lang="en-US" dirty="0" smtClean="0"/>
+              <a:t> der </a:t>
+            </a:r>
+            <a:r>
+              <a:rPr lang="en-US" dirty="0" err="1" smtClean="0"/>
+              <a:t>Woche</a:t>
+            </a:r>
+            <a:r>
+              <a:rPr lang="en-US" dirty="0" smtClean="0"/>
+              <a:t> </a:t>
+            </a:r>
+            <a:r>
+              <a:rPr lang="en-US" dirty="0" err="1" smtClean="0"/>
+              <a:t>schicken</a:t>
+            </a:r>
+            <a:r>
+              <a:rPr lang="en-US" dirty="0" smtClean="0"/>
+              <a:t> </a:t>
+            </a:r>
+            <a:r>
+              <a:rPr lang="en-US" dirty="0" err="1" smtClean="0"/>
+              <a:t>er</a:t>
+            </a:r>
+            <a:r>
+              <a:rPr lang="en-US" dirty="0" smtClean="0"/>
+              <a:t> </a:t>
+            </a:r>
+            <a:r>
+              <a:rPr lang="en-US" dirty="0" err="1" smtClean="0"/>
+              <a:t>schaut</a:t>
+            </a:r>
+            <a:r>
+              <a:rPr lang="en-US" dirty="0" smtClean="0"/>
+              <a:t> </a:t>
+            </a:r>
+            <a:r>
+              <a:rPr lang="en-US" dirty="0" err="1" smtClean="0"/>
+              <a:t>drüber</a:t>
+            </a:r>
+            <a:r>
+              <a:rPr lang="en-US" dirty="0" smtClean="0"/>
+              <a:t> </a:t>
+            </a:r>
+          </a:p>
+          <a:p>
+            <a:pPr marL="285750" indent="-285750">
+              <a:buFont typeface="Arial"/>
+              <a:buChar char="•"/>
+            </a:pPr>
+            <a:r>
+              <a:rPr lang="en-US" dirty="0" err="1" smtClean="0"/>
+              <a:t>Projektgespräch</a:t>
+            </a:r>
+            <a:r>
+              <a:rPr lang="en-US" dirty="0" smtClean="0"/>
+              <a:t> </a:t>
+            </a:r>
+            <a:r>
+              <a:rPr lang="en-US" dirty="0" err="1" smtClean="0"/>
+              <a:t>Thema</a:t>
+            </a:r>
+            <a:r>
+              <a:rPr lang="en-US" dirty="0" smtClean="0"/>
+              <a:t> in 5 min </a:t>
+            </a:r>
+            <a:r>
+              <a:rPr lang="en-US" dirty="0" err="1" smtClean="0"/>
+              <a:t>vorstellen</a:t>
+            </a:r>
+            <a:r>
+              <a:rPr lang="en-US" dirty="0" smtClean="0"/>
+              <a:t>: </a:t>
+            </a:r>
+            <a:r>
+              <a:rPr lang="en-US" dirty="0" err="1" smtClean="0"/>
+              <a:t>nur</a:t>
+            </a:r>
+            <a:r>
+              <a:rPr lang="en-US" dirty="0" smtClean="0"/>
+              <a:t> oral, </a:t>
+            </a:r>
+            <a:r>
+              <a:rPr lang="en-US" dirty="0" err="1"/>
+              <a:t>S</a:t>
+            </a:r>
+            <a:r>
+              <a:rPr lang="en-US" dirty="0" err="1" smtClean="0"/>
+              <a:t>agen</a:t>
+            </a:r>
+            <a:r>
+              <a:rPr lang="en-US" dirty="0" smtClean="0"/>
+              <a:t> was </a:t>
+            </a:r>
+            <a:r>
+              <a:rPr lang="en-US" dirty="0" err="1" smtClean="0"/>
+              <a:t>ich</a:t>
+            </a:r>
+            <a:r>
+              <a:rPr lang="en-US" dirty="0" smtClean="0"/>
+              <a:t> </a:t>
+            </a:r>
+            <a:r>
+              <a:rPr lang="en-US" dirty="0" err="1" smtClean="0"/>
+              <a:t>vor</a:t>
+            </a:r>
+            <a:r>
+              <a:rPr lang="en-US" dirty="0" smtClean="0"/>
+              <a:t> </a:t>
+            </a:r>
+            <a:r>
+              <a:rPr lang="en-US" dirty="0" err="1" smtClean="0"/>
+              <a:t>habe</a:t>
+            </a:r>
+            <a:r>
+              <a:rPr lang="en-US" dirty="0" smtClean="0"/>
+              <a:t>, 30min, </a:t>
+            </a:r>
+            <a:r>
+              <a:rPr lang="en-US" dirty="0" err="1" smtClean="0"/>
+              <a:t>Masterarbeit</a:t>
+            </a:r>
+            <a:r>
+              <a:rPr lang="en-US" dirty="0" smtClean="0"/>
+              <a:t> </a:t>
+            </a:r>
+            <a:r>
+              <a:rPr lang="en-US" dirty="0" err="1" smtClean="0"/>
+              <a:t>anmelden</a:t>
+            </a:r>
+            <a:r>
+              <a:rPr lang="en-US" dirty="0" smtClean="0"/>
+              <a:t> </a:t>
+            </a:r>
+            <a:r>
+              <a:rPr lang="en-US" dirty="0" err="1"/>
+              <a:t>F</a:t>
+            </a:r>
+            <a:r>
+              <a:rPr lang="en-US" dirty="0" err="1" smtClean="0"/>
+              <a:t>ormular</a:t>
+            </a:r>
+            <a:r>
+              <a:rPr lang="en-US" dirty="0" smtClean="0"/>
+              <a:t> </a:t>
+            </a:r>
+          </a:p>
+          <a:p>
+            <a:pPr marL="285750" indent="-285750">
+              <a:buFont typeface="Arial"/>
+              <a:buChar char="•"/>
+            </a:pPr>
+            <a:endParaRPr lang="en-US" dirty="0"/>
+          </a:p>
+        </p:txBody>
+      </p:sp>
+    </p:spTree>
+    <p:extLst>
+      <p:ext uri="{BB962C8B-B14F-4D97-AF65-F5344CB8AC3E}">
+        <p14:creationId xmlns:p14="http://schemas.microsoft.com/office/powerpoint/2010/main" val="1813254590"/>
       </p:ext>
     </p:extLst>
   </p:cSld>

--- a/MeetingNotes.pptx
+++ b/MeetingNotes.pptx
@@ -8,6 +8,8 @@
     <p:sldId id="256" r:id="rId2"/>
     <p:sldId id="257" r:id="rId3"/>
     <p:sldId id="258" r:id="rId4"/>
+    <p:sldId id="259" r:id="rId5"/>
+    <p:sldId id="260" r:id="rId6"/>
   </p:sldIdLst>
   <p:sldSz cx="9144000" cy="5715000" type="screen16x10"/>
   <p:notesSz cx="6858000" cy="9144000"/>
@@ -631,7 +633,7 @@
           <a:p>
             <a:fld id="{907AEC89-51F8-8C49-8F5C-7B8970AE8955}" type="datetimeFigureOut">
               <a:rPr lang="de-DE" smtClean="0"/>
-              <a:t>07.12.20</a:t>
+              <a:t>11.01.21</a:t>
             </a:fld>
             <a:endParaRPr lang="en-US"/>
           </a:p>
@@ -801,7 +803,7 @@
           <a:p>
             <a:fld id="{907AEC89-51F8-8C49-8F5C-7B8970AE8955}" type="datetimeFigureOut">
               <a:rPr lang="de-DE" smtClean="0"/>
-              <a:t>07.12.20</a:t>
+              <a:t>11.01.21</a:t>
             </a:fld>
             <a:endParaRPr lang="en-US"/>
           </a:p>
@@ -981,7 +983,7 @@
           <a:p>
             <a:fld id="{907AEC89-51F8-8C49-8F5C-7B8970AE8955}" type="datetimeFigureOut">
               <a:rPr lang="de-DE" smtClean="0"/>
-              <a:t>07.12.20</a:t>
+              <a:t>11.01.21</a:t>
             </a:fld>
             <a:endParaRPr lang="en-US"/>
           </a:p>
@@ -1099,7 +1101,7 @@
           <a:p>
             <a:fld id="{907AEC89-51F8-8C49-8F5C-7B8970AE8955}" type="datetimeFigureOut">
               <a:rPr lang="de-DE" smtClean="0"/>
-              <a:t>07.12.20</a:t>
+              <a:t>11.01.21</a:t>
             </a:fld>
             <a:endParaRPr lang="en-US"/>
           </a:p>
@@ -1419,7 +1421,7 @@
           <a:p>
             <a:fld id="{907AEC89-51F8-8C49-8F5C-7B8970AE8955}" type="datetimeFigureOut">
               <a:rPr lang="de-DE" smtClean="0"/>
-              <a:t>07.12.20</a:t>
+              <a:t>11.01.21</a:t>
             </a:fld>
             <a:endParaRPr lang="en-US"/>
           </a:p>
@@ -1971,7 +1973,7 @@
           <a:p>
             <a:fld id="{907AEC89-51F8-8C49-8F5C-7B8970AE8955}" type="datetimeFigureOut">
               <a:rPr lang="de-DE" smtClean="0"/>
-              <a:t>07.12.20</a:t>
+              <a:t>11.01.21</a:t>
             </a:fld>
             <a:endParaRPr lang="en-US"/>
           </a:p>
@@ -2393,7 +2395,7 @@
           <a:p>
             <a:fld id="{907AEC89-51F8-8C49-8F5C-7B8970AE8955}" type="datetimeFigureOut">
               <a:rPr lang="de-DE" smtClean="0"/>
-              <a:t>07.12.20</a:t>
+              <a:t>11.01.21</a:t>
             </a:fld>
             <a:endParaRPr lang="en-US"/>
           </a:p>
@@ -2511,7 +2513,7 @@
           <a:p>
             <a:fld id="{907AEC89-51F8-8C49-8F5C-7B8970AE8955}" type="datetimeFigureOut">
               <a:rPr lang="de-DE" smtClean="0"/>
-              <a:t>07.12.20</a:t>
+              <a:t>11.01.21</a:t>
             </a:fld>
             <a:endParaRPr lang="en-US"/>
           </a:p>
@@ -2606,7 +2608,7 @@
           <a:p>
             <a:fld id="{907AEC89-51F8-8C49-8F5C-7B8970AE8955}" type="datetimeFigureOut">
               <a:rPr lang="de-DE" smtClean="0"/>
-              <a:t>07.12.20</a:t>
+              <a:t>11.01.21</a:t>
             </a:fld>
             <a:endParaRPr lang="en-US"/>
           </a:p>
@@ -2883,7 +2885,7 @@
           <a:p>
             <a:fld id="{907AEC89-51F8-8C49-8F5C-7B8970AE8955}" type="datetimeFigureOut">
               <a:rPr lang="de-DE" smtClean="0"/>
-              <a:t>07.12.20</a:t>
+              <a:t>11.01.21</a:t>
             </a:fld>
             <a:endParaRPr lang="en-US"/>
           </a:p>
@@ -3096,7 +3098,7 @@
           <a:p>
             <a:fld id="{907AEC89-51F8-8C49-8F5C-7B8970AE8955}" type="datetimeFigureOut">
               <a:rPr lang="de-DE" smtClean="0"/>
-              <a:t>07.12.20</a:t>
+              <a:t>11.01.21</a:t>
             </a:fld>
             <a:endParaRPr lang="en-US"/>
           </a:p>
@@ -4933,6 +4935,766 @@
     <p:extLst>
       <p:ext uri="{BB962C8B-B14F-4D97-AF65-F5344CB8AC3E}">
         <p14:creationId xmlns:p14="http://schemas.microsoft.com/office/powerpoint/2010/main" val="1813254590"/>
+      </p:ext>
+    </p:extLst>
+  </p:cSld>
+  <p:clrMapOvr>
+    <a:masterClrMapping/>
+  </p:clrMapOvr>
+</p:sld>
+</file>
+
+<file path=ppt/slides/slide4.xml><?xml version="1.0" encoding="utf-8"?>
+<p:sld xmlns:a="http://schemas.openxmlformats.org/drawingml/2006/main" xmlns:r="http://schemas.openxmlformats.org/officeDocument/2006/relationships" xmlns:p="http://schemas.openxmlformats.org/presentationml/2006/main">
+  <p:cSld>
+    <p:spTree>
+      <p:nvGrpSpPr>
+        <p:cNvPr id="1" name=""/>
+        <p:cNvGrpSpPr/>
+        <p:nvPr/>
+      </p:nvGrpSpPr>
+      <p:grpSpPr>
+        <a:xfrm>
+          <a:off x="0" y="0"/>
+          <a:ext cx="0" cy="0"/>
+          <a:chOff x="0" y="0"/>
+          <a:chExt cx="0" cy="0"/>
+        </a:xfrm>
+      </p:grpSpPr>
+      <p:sp>
+        <p:nvSpPr>
+          <p:cNvPr id="2" name="Inhaltsplatzhalter 1"/>
+          <p:cNvSpPr>
+            <a:spLocks noGrp="1"/>
+          </p:cNvSpPr>
+          <p:nvPr>
+            <p:ph sz="half" idx="1"/>
+          </p:nvPr>
+        </p:nvSpPr>
+        <p:spPr/>
+        <p:txBody>
+          <a:bodyPr/>
+          <a:lstStyle/>
+          <a:p>
+            <a:r>
+              <a:rPr lang="en-US" dirty="0" smtClean="0"/>
+              <a:t>Bin </a:t>
+            </a:r>
+            <a:r>
+              <a:rPr lang="en-US" dirty="0" err="1" smtClean="0"/>
+              <a:t>dabei</a:t>
+            </a:r>
+            <a:r>
+              <a:rPr lang="en-US" dirty="0" smtClean="0"/>
+              <a:t> lit review </a:t>
+            </a:r>
+            <a:r>
+              <a:rPr lang="en-US" dirty="0" err="1" smtClean="0"/>
+              <a:t>zu</a:t>
+            </a:r>
+            <a:r>
+              <a:rPr lang="en-US" dirty="0" smtClean="0"/>
+              <a:t> </a:t>
+            </a:r>
+            <a:r>
+              <a:rPr lang="en-US" dirty="0" err="1" smtClean="0"/>
+              <a:t>schreiben</a:t>
+            </a:r>
+            <a:r>
+              <a:rPr lang="en-US" dirty="0" smtClean="0"/>
+              <a:t> </a:t>
+            </a:r>
+          </a:p>
+          <a:p>
+            <a:r>
+              <a:rPr lang="en-US" dirty="0" smtClean="0"/>
+              <a:t>Next step: mal </a:t>
+            </a:r>
+            <a:r>
+              <a:rPr lang="en-US" dirty="0" err="1" smtClean="0"/>
+              <a:t>ein</a:t>
+            </a:r>
+            <a:r>
+              <a:rPr lang="en-US" dirty="0" smtClean="0"/>
+              <a:t> </a:t>
+            </a:r>
+            <a:r>
+              <a:rPr lang="en-US" dirty="0" err="1" smtClean="0"/>
+              <a:t>paar</a:t>
+            </a:r>
+            <a:r>
+              <a:rPr lang="en-US" dirty="0" smtClean="0"/>
+              <a:t> </a:t>
+            </a:r>
+            <a:r>
+              <a:rPr lang="en-US" dirty="0" err="1" smtClean="0"/>
+              <a:t>framworks</a:t>
+            </a:r>
+            <a:r>
+              <a:rPr lang="en-US" dirty="0" smtClean="0"/>
+              <a:t>/flow charts </a:t>
+            </a:r>
+            <a:r>
+              <a:rPr lang="en-US" dirty="0" err="1" smtClean="0"/>
+              <a:t>entwerfe</a:t>
+            </a:r>
+            <a:r>
+              <a:rPr lang="en-US" dirty="0" err="1" smtClean="0"/>
+              <a:t>n</a:t>
+            </a:r>
+            <a:r>
+              <a:rPr lang="en-US" dirty="0" smtClean="0"/>
+              <a:t> </a:t>
+            </a:r>
+            <a:r>
+              <a:rPr lang="en-US" dirty="0" err="1" smtClean="0"/>
+              <a:t>wie</a:t>
+            </a:r>
+            <a:r>
+              <a:rPr lang="en-US" dirty="0" smtClean="0"/>
+              <a:t> man was </a:t>
+            </a:r>
+            <a:r>
+              <a:rPr lang="en-US" dirty="0" err="1" smtClean="0"/>
+              <a:t>zusammen</a:t>
+            </a:r>
+            <a:r>
+              <a:rPr lang="en-US" dirty="0" smtClean="0"/>
+              <a:t> </a:t>
+            </a:r>
+            <a:r>
+              <a:rPr lang="en-US" dirty="0" err="1" smtClean="0"/>
+              <a:t>packen</a:t>
+            </a:r>
+            <a:r>
+              <a:rPr lang="en-US" dirty="0" smtClean="0"/>
+              <a:t> </a:t>
+            </a:r>
+            <a:r>
+              <a:rPr lang="en-US" dirty="0" err="1" smtClean="0"/>
+              <a:t>könnte</a:t>
+            </a:r>
+            <a:r>
+              <a:rPr lang="en-US" dirty="0" smtClean="0"/>
+              <a:t> </a:t>
+            </a:r>
+            <a:r>
+              <a:rPr lang="en-US" dirty="0" err="1" smtClean="0"/>
+              <a:t>etc</a:t>
+            </a:r>
+            <a:r>
+              <a:rPr lang="en-US" dirty="0" smtClean="0"/>
+              <a:t>, lit review </a:t>
+            </a:r>
+            <a:r>
+              <a:rPr lang="en-US" dirty="0" err="1" smtClean="0"/>
+              <a:t>noch</a:t>
+            </a:r>
+            <a:r>
+              <a:rPr lang="en-US" dirty="0" smtClean="0"/>
+              <a:t> mal </a:t>
+            </a:r>
+            <a:r>
+              <a:rPr lang="en-US" dirty="0" err="1" smtClean="0"/>
+              <a:t>überarbeiten</a:t>
+            </a:r>
+            <a:endParaRPr lang="en-US" dirty="0" smtClean="0"/>
+          </a:p>
+          <a:p>
+            <a:pPr lvl="1"/>
+            <a:r>
+              <a:rPr lang="en-US" dirty="0"/>
+              <a:t>die </a:t>
+            </a:r>
+            <a:r>
+              <a:rPr lang="en-US" dirty="0" err="1"/>
+              <a:t>methoden</a:t>
+            </a:r>
+            <a:r>
+              <a:rPr lang="en-US" dirty="0"/>
+              <a:t> </a:t>
+            </a:r>
+            <a:r>
+              <a:rPr lang="en-US" dirty="0" err="1"/>
+              <a:t>ausschauen</a:t>
+            </a:r>
+            <a:r>
+              <a:rPr lang="en-US" dirty="0"/>
+              <a:t> </a:t>
+            </a:r>
+            <a:r>
+              <a:rPr lang="en-US" dirty="0" err="1"/>
+              <a:t>würden</a:t>
+            </a:r>
+            <a:r>
+              <a:rPr lang="en-US" dirty="0"/>
+              <a:t> und </a:t>
+            </a:r>
+            <a:r>
+              <a:rPr lang="en-US" dirty="0" err="1"/>
+              <a:t>dann</a:t>
+            </a:r>
+            <a:r>
+              <a:rPr lang="en-US" dirty="0"/>
+              <a:t> das </a:t>
+            </a:r>
+            <a:r>
+              <a:rPr lang="en-US" dirty="0" err="1"/>
+              <a:t>coden</a:t>
+            </a:r>
+            <a:r>
+              <a:rPr lang="en-US" dirty="0"/>
+              <a:t> </a:t>
+            </a:r>
+            <a:r>
+              <a:rPr lang="en-US" dirty="0" err="1"/>
+              <a:t>anfangen</a:t>
+            </a:r>
+            <a:endParaRPr lang="en-US" dirty="0" smtClean="0"/>
+          </a:p>
+          <a:p>
+            <a:pPr lvl="1"/>
+            <a:endParaRPr lang="en-US" dirty="0" smtClean="0"/>
+          </a:p>
+          <a:p>
+            <a:pPr lvl="1"/>
+            <a:endParaRPr lang="en-US" dirty="0" smtClean="0"/>
+          </a:p>
+        </p:txBody>
+      </p:sp>
+      <p:sp>
+        <p:nvSpPr>
+          <p:cNvPr id="3" name="Titel 2"/>
+          <p:cNvSpPr>
+            <a:spLocks noGrp="1"/>
+          </p:cNvSpPr>
+          <p:nvPr>
+            <p:ph type="title"/>
+          </p:nvPr>
+        </p:nvSpPr>
+        <p:spPr/>
+        <p:txBody>
+          <a:bodyPr/>
+          <a:lstStyle/>
+          <a:p>
+            <a:pPr algn="l"/>
+            <a:r>
+              <a:rPr lang="en-US" dirty="0" smtClean="0"/>
+              <a:t>11.01.21</a:t>
+            </a:r>
+            <a:endParaRPr lang="en-US" dirty="0"/>
+          </a:p>
+        </p:txBody>
+      </p:sp>
+      <p:sp>
+        <p:nvSpPr>
+          <p:cNvPr id="4" name="Inhaltsplatzhalter 3"/>
+          <p:cNvSpPr>
+            <a:spLocks noGrp="1"/>
+          </p:cNvSpPr>
+          <p:nvPr>
+            <p:ph sz="half" idx="10"/>
+          </p:nvPr>
+        </p:nvSpPr>
+        <p:spPr/>
+        <p:txBody>
+          <a:bodyPr/>
+          <a:lstStyle/>
+          <a:p>
+            <a:endParaRPr lang="en-US" dirty="0"/>
+          </a:p>
+          <a:p>
+            <a:pPr lvl="1"/>
+            <a:r>
+              <a:rPr lang="en-US" dirty="0" err="1"/>
+              <a:t>nähe</a:t>
+            </a:r>
+            <a:r>
+              <a:rPr lang="en-US" dirty="0"/>
+              <a:t> </a:t>
+            </a:r>
+            <a:r>
+              <a:rPr lang="en-US" dirty="0" err="1"/>
+              <a:t>zum</a:t>
+            </a:r>
+            <a:r>
+              <a:rPr lang="en-US" dirty="0"/>
+              <a:t> problem und </a:t>
+            </a:r>
+            <a:r>
+              <a:rPr lang="en-US" dirty="0" err="1"/>
+              <a:t>nähe</a:t>
+            </a:r>
+            <a:r>
+              <a:rPr lang="en-US" dirty="0"/>
+              <a:t> </a:t>
+            </a:r>
+            <a:r>
+              <a:rPr lang="en-US" dirty="0" err="1"/>
+              <a:t>zur</a:t>
+            </a:r>
+            <a:r>
+              <a:rPr lang="en-US" dirty="0"/>
+              <a:t> </a:t>
+            </a:r>
+            <a:r>
+              <a:rPr lang="en-US" dirty="0" err="1"/>
+              <a:t>methode</a:t>
+            </a:r>
+            <a:r>
+              <a:rPr lang="en-US" dirty="0"/>
+              <a:t>: </a:t>
+            </a:r>
+            <a:r>
+              <a:rPr lang="en-US" dirty="0" err="1"/>
+              <a:t>finde</a:t>
+            </a:r>
+            <a:r>
+              <a:rPr lang="en-US" dirty="0"/>
+              <a:t> </a:t>
+            </a:r>
+            <a:r>
+              <a:rPr lang="en-US" dirty="0" err="1"/>
+              <a:t>nicht</a:t>
+            </a:r>
+            <a:r>
+              <a:rPr lang="en-US" dirty="0"/>
+              <a:t> </a:t>
+            </a:r>
+            <a:r>
+              <a:rPr lang="en-US" dirty="0" err="1"/>
+              <a:t>wirklich</a:t>
+            </a:r>
+            <a:r>
+              <a:rPr lang="en-US" dirty="0"/>
+              <a:t> was </a:t>
+            </a:r>
+            <a:r>
+              <a:rPr lang="en-US" dirty="0" err="1"/>
+              <a:t>zur</a:t>
+            </a:r>
+            <a:r>
+              <a:rPr lang="en-US" dirty="0"/>
+              <a:t> </a:t>
+            </a:r>
+            <a:r>
+              <a:rPr lang="en-US" dirty="0" err="1"/>
+              <a:t>Nähe</a:t>
+            </a:r>
+            <a:r>
+              <a:rPr lang="en-US" dirty="0"/>
+              <a:t> </a:t>
+            </a:r>
+            <a:r>
+              <a:rPr lang="en-US" dirty="0" err="1"/>
+              <a:t>zum</a:t>
+            </a:r>
+            <a:r>
+              <a:rPr lang="en-US" dirty="0"/>
+              <a:t> </a:t>
+            </a:r>
+            <a:r>
+              <a:rPr lang="en-US" dirty="0" smtClean="0"/>
+              <a:t>Problem (da Regression und </a:t>
+            </a:r>
+            <a:r>
+              <a:rPr lang="en-US" dirty="0" err="1" smtClean="0"/>
+              <a:t>alles</a:t>
+            </a:r>
+            <a:r>
+              <a:rPr lang="en-US" dirty="0" smtClean="0"/>
+              <a:t> </a:t>
+            </a:r>
+            <a:r>
+              <a:rPr lang="en-US" dirty="0" err="1" smtClean="0"/>
+              <a:t>ist</a:t>
+            </a:r>
+            <a:r>
+              <a:rPr lang="en-US" dirty="0" smtClean="0"/>
+              <a:t> </a:t>
+            </a:r>
+            <a:r>
+              <a:rPr lang="en-US" dirty="0" err="1" smtClean="0"/>
+              <a:t>eig</a:t>
+            </a:r>
+            <a:r>
+              <a:rPr lang="en-US" dirty="0" smtClean="0"/>
+              <a:t> classification </a:t>
+            </a:r>
+            <a:r>
+              <a:rPr lang="en-US" dirty="0" err="1" smtClean="0"/>
+              <a:t>oder</a:t>
+            </a:r>
+            <a:r>
+              <a:rPr lang="en-US" dirty="0" smtClean="0"/>
+              <a:t> decision trees/</a:t>
+            </a:r>
+            <a:r>
+              <a:rPr lang="en-US" dirty="0" err="1" smtClean="0"/>
+              <a:t>bayesians</a:t>
+            </a:r>
+            <a:r>
+              <a:rPr lang="en-US" dirty="0" smtClean="0"/>
+              <a:t>) </a:t>
+            </a:r>
+            <a:r>
+              <a:rPr lang="en-US" dirty="0"/>
+              <a:t>-&gt; </a:t>
+            </a:r>
+            <a:r>
+              <a:rPr lang="en-US" dirty="0" err="1"/>
+              <a:t>wie</a:t>
+            </a:r>
+            <a:r>
+              <a:rPr lang="en-US" dirty="0"/>
+              <a:t> </a:t>
+            </a:r>
+            <a:r>
+              <a:rPr lang="en-US" dirty="0" err="1"/>
+              <a:t>gehe</a:t>
+            </a:r>
+            <a:r>
+              <a:rPr lang="en-US" dirty="0"/>
+              <a:t> </a:t>
+            </a:r>
+            <a:r>
+              <a:rPr lang="en-US" dirty="0" err="1"/>
+              <a:t>ich</a:t>
+            </a:r>
+            <a:r>
+              <a:rPr lang="en-US" dirty="0"/>
+              <a:t> da am </a:t>
+            </a:r>
+            <a:r>
+              <a:rPr lang="en-US" dirty="0" err="1"/>
+              <a:t>besten</a:t>
+            </a:r>
+            <a:r>
+              <a:rPr lang="en-US" dirty="0"/>
+              <a:t> </a:t>
+            </a:r>
+            <a:r>
+              <a:rPr lang="en-US" dirty="0" err="1"/>
+              <a:t>vor</a:t>
+            </a:r>
+            <a:r>
+              <a:rPr lang="en-US" dirty="0"/>
+              <a:t>, </a:t>
+            </a:r>
+            <a:r>
+              <a:rPr lang="en-US" dirty="0" err="1"/>
+              <a:t>wie</a:t>
+            </a:r>
+            <a:r>
+              <a:rPr lang="en-US" dirty="0"/>
+              <a:t> </a:t>
+            </a:r>
+            <a:r>
+              <a:rPr lang="en-US" dirty="0" err="1"/>
+              <a:t>grenze</a:t>
+            </a:r>
+            <a:r>
+              <a:rPr lang="en-US" dirty="0"/>
+              <a:t> </a:t>
+            </a:r>
+            <a:r>
+              <a:rPr lang="en-US" dirty="0" err="1"/>
+              <a:t>ich</a:t>
+            </a:r>
+            <a:r>
+              <a:rPr lang="en-US" dirty="0"/>
+              <a:t> </a:t>
+            </a:r>
+            <a:r>
+              <a:rPr lang="en-US" dirty="0" err="1"/>
+              <a:t>hier</a:t>
+            </a:r>
+            <a:r>
+              <a:rPr lang="en-US" dirty="0"/>
+              <a:t> </a:t>
+            </a:r>
+            <a:r>
+              <a:rPr lang="en-US" dirty="0" err="1" smtClean="0"/>
+              <a:t>ein</a:t>
+            </a:r>
+            <a:endParaRPr lang="en-US" dirty="0" smtClean="0"/>
+          </a:p>
+          <a:p>
+            <a:pPr lvl="1"/>
+            <a:r>
+              <a:rPr lang="en-US" dirty="0" err="1"/>
+              <a:t>Runterschreiben</a:t>
+            </a:r>
+            <a:r>
+              <a:rPr lang="en-US" dirty="0"/>
+              <a:t>: </a:t>
+            </a:r>
+            <a:r>
+              <a:rPr lang="en-US" dirty="0" err="1"/>
+              <a:t>bekomme</a:t>
+            </a:r>
+            <a:r>
+              <a:rPr lang="en-US" dirty="0"/>
+              <a:t> </a:t>
+            </a:r>
+            <a:r>
+              <a:rPr lang="en-US" dirty="0" err="1"/>
+              <a:t>immer</a:t>
+            </a:r>
+            <a:r>
+              <a:rPr lang="en-US" dirty="0"/>
+              <a:t> das feedback </a:t>
+            </a:r>
+            <a:r>
+              <a:rPr lang="en-US" dirty="0" err="1"/>
+              <a:t>dass</a:t>
+            </a:r>
+            <a:r>
+              <a:rPr lang="en-US" dirty="0"/>
+              <a:t> </a:t>
+            </a:r>
+            <a:r>
+              <a:rPr lang="en-US" dirty="0" err="1"/>
+              <a:t>ich</a:t>
+            </a:r>
+            <a:r>
+              <a:rPr lang="en-US" dirty="0"/>
+              <a:t> das </a:t>
+            </a:r>
+            <a:r>
+              <a:rPr lang="en-US" dirty="0" err="1"/>
+              <a:t>nicht</a:t>
+            </a:r>
+            <a:r>
+              <a:rPr lang="en-US" dirty="0"/>
+              <a:t> </a:t>
+            </a:r>
+            <a:r>
+              <a:rPr lang="en-US" dirty="0" err="1"/>
+              <a:t>richtig</a:t>
+            </a:r>
+            <a:r>
+              <a:rPr lang="en-US" dirty="0"/>
+              <a:t> </a:t>
+            </a:r>
+            <a:r>
+              <a:rPr lang="en-US" dirty="0" err="1"/>
+              <a:t>groupe</a:t>
+            </a:r>
+            <a:r>
+              <a:rPr lang="en-US" dirty="0"/>
+              <a:t> </a:t>
+            </a:r>
+            <a:r>
+              <a:rPr lang="en-US" dirty="0" err="1"/>
+              <a:t>bzw</a:t>
+            </a:r>
+            <a:r>
+              <a:rPr lang="en-US" dirty="0"/>
+              <a:t> der rote </a:t>
+            </a:r>
+            <a:r>
+              <a:rPr lang="en-US" dirty="0" err="1"/>
+              <a:t>faden</a:t>
+            </a:r>
+            <a:r>
+              <a:rPr lang="en-US" dirty="0"/>
+              <a:t> </a:t>
+            </a:r>
+            <a:r>
+              <a:rPr lang="en-US" dirty="0" err="1"/>
+              <a:t>fehlt</a:t>
+            </a:r>
+            <a:r>
+              <a:rPr lang="en-US" dirty="0"/>
+              <a:t>, hast du da </a:t>
+            </a:r>
+            <a:r>
+              <a:rPr lang="en-US" dirty="0" err="1"/>
+              <a:t>einen</a:t>
+            </a:r>
+            <a:r>
+              <a:rPr lang="en-US" dirty="0"/>
+              <a:t> Tipp </a:t>
+            </a:r>
+            <a:r>
+              <a:rPr lang="en-US" dirty="0" err="1"/>
+              <a:t>für</a:t>
+            </a:r>
+            <a:r>
+              <a:rPr lang="en-US" dirty="0"/>
+              <a:t> </a:t>
+            </a:r>
+            <a:r>
+              <a:rPr lang="en-US" dirty="0" err="1"/>
+              <a:t>mcih</a:t>
+            </a:r>
+            <a:r>
+              <a:rPr lang="en-US" dirty="0"/>
+              <a:t> </a:t>
+            </a:r>
+            <a:r>
+              <a:rPr lang="en-US" dirty="0" err="1"/>
+              <a:t>wie</a:t>
+            </a:r>
+            <a:r>
+              <a:rPr lang="en-US" dirty="0"/>
+              <a:t> du das </a:t>
+            </a:r>
+            <a:r>
+              <a:rPr lang="en-US" dirty="0" err="1"/>
+              <a:t>strukturierst</a:t>
+            </a:r>
+            <a:r>
+              <a:rPr lang="en-US" dirty="0"/>
+              <a:t>?</a:t>
+            </a:r>
+          </a:p>
+          <a:p>
+            <a:pPr lvl="1"/>
+            <a:r>
+              <a:rPr lang="en-US" dirty="0" err="1"/>
+              <a:t>zwischenpräsi</a:t>
+            </a:r>
+            <a:r>
+              <a:rPr lang="en-US" dirty="0"/>
+              <a:t>?</a:t>
+            </a:r>
+            <a:endParaRPr lang="en-US" dirty="0" smtClean="0"/>
+          </a:p>
+          <a:p>
+            <a:pPr lvl="1"/>
+            <a:r>
+              <a:rPr lang="en-US" dirty="0" err="1" smtClean="0"/>
+              <a:t>wie</a:t>
+            </a:r>
+            <a:r>
+              <a:rPr lang="en-US" dirty="0" smtClean="0"/>
+              <a:t> </a:t>
+            </a:r>
+            <a:r>
+              <a:rPr lang="en-US" dirty="0" err="1"/>
+              <a:t>wichtig</a:t>
+            </a:r>
+            <a:r>
+              <a:rPr lang="en-US" dirty="0"/>
+              <a:t> </a:t>
+            </a:r>
+            <a:r>
+              <a:rPr lang="en-US" dirty="0" err="1"/>
+              <a:t>ist</a:t>
+            </a:r>
+            <a:r>
+              <a:rPr lang="en-US" dirty="0"/>
+              <a:t> der </a:t>
+            </a:r>
+            <a:r>
+              <a:rPr lang="en-US" dirty="0" err="1" smtClean="0"/>
+              <a:t>Zeitplan</a:t>
+            </a:r>
+            <a:r>
+              <a:rPr lang="en-US" dirty="0" smtClean="0"/>
+              <a:t>?</a:t>
+            </a:r>
+            <a:endParaRPr lang="en-US" dirty="0"/>
+          </a:p>
+        </p:txBody>
+      </p:sp>
+    </p:spTree>
+    <p:extLst>
+      <p:ext uri="{BB962C8B-B14F-4D97-AF65-F5344CB8AC3E}">
+        <p14:creationId xmlns:p14="http://schemas.microsoft.com/office/powerpoint/2010/main" val="3469810693"/>
+      </p:ext>
+    </p:extLst>
+  </p:cSld>
+  <p:clrMapOvr>
+    <a:masterClrMapping/>
+  </p:clrMapOvr>
+</p:sld>
+</file>
+
+<file path=ppt/slides/slide5.xml><?xml version="1.0" encoding="utf-8"?>
+<p:sld xmlns:a="http://schemas.openxmlformats.org/drawingml/2006/main" xmlns:r="http://schemas.openxmlformats.org/officeDocument/2006/relationships" xmlns:p="http://schemas.openxmlformats.org/presentationml/2006/main">
+  <p:cSld>
+    <p:spTree>
+      <p:nvGrpSpPr>
+        <p:cNvPr id="1" name=""/>
+        <p:cNvGrpSpPr/>
+        <p:nvPr/>
+      </p:nvGrpSpPr>
+      <p:grpSpPr>
+        <a:xfrm>
+          <a:off x="0" y="0"/>
+          <a:ext cx="0" cy="0"/>
+          <a:chOff x="0" y="0"/>
+          <a:chExt cx="0" cy="0"/>
+        </a:xfrm>
+      </p:grpSpPr>
+      <p:sp>
+        <p:nvSpPr>
+          <p:cNvPr id="2" name="Titel 1"/>
+          <p:cNvSpPr>
+            <a:spLocks noGrp="1"/>
+          </p:cNvSpPr>
+          <p:nvPr>
+            <p:ph type="title"/>
+          </p:nvPr>
+        </p:nvSpPr>
+        <p:spPr/>
+        <p:txBody>
+          <a:bodyPr/>
+          <a:lstStyle/>
+          <a:p>
+            <a:r>
+              <a:rPr lang="en-US" dirty="0" smtClean="0"/>
+              <a:t>Meeting: </a:t>
+            </a:r>
+            <a:r>
+              <a:rPr lang="en-US" dirty="0" smtClean="0"/>
+              <a:t>11</a:t>
+            </a:r>
+            <a:r>
+              <a:rPr lang="en-US" dirty="0" smtClean="0"/>
+              <a:t>.01.21</a:t>
+            </a:r>
+            <a:endParaRPr lang="en-US" dirty="0"/>
+          </a:p>
+        </p:txBody>
+      </p:sp>
+      <p:sp>
+        <p:nvSpPr>
+          <p:cNvPr id="5" name="Textfeld 4"/>
+          <p:cNvSpPr txBox="1"/>
+          <p:nvPr/>
+        </p:nvSpPr>
+        <p:spPr>
+          <a:xfrm>
+            <a:off x="457200" y="1181365"/>
+            <a:ext cx="8229600" cy="369332"/>
+          </a:xfrm>
+          <a:prstGeom prst="rect">
+            <a:avLst/>
+          </a:prstGeom>
+          <a:noFill/>
+        </p:spPr>
+        <p:txBody>
+          <a:bodyPr wrap="square" rtlCol="0">
+            <a:spAutoFit/>
+          </a:bodyPr>
+          <a:lstStyle/>
+          <a:p>
+            <a:pPr marL="285750" indent="-285750">
+              <a:buFont typeface="Arial"/>
+              <a:buChar char="•"/>
+            </a:pPr>
+            <a:endParaRPr lang="en-US" dirty="0"/>
+          </a:p>
+        </p:txBody>
+      </p:sp>
+    </p:spTree>
+    <p:extLst>
+      <p:ext uri="{BB962C8B-B14F-4D97-AF65-F5344CB8AC3E}">
+        <p14:creationId xmlns:p14="http://schemas.microsoft.com/office/powerpoint/2010/main" val="3647875010"/>
       </p:ext>
     </p:extLst>
   </p:cSld>

--- a/MeetingNotes.pptx
+++ b/MeetingNotes.pptx
@@ -5036,11 +5036,7 @@
             </a:r>
             <a:r>
               <a:rPr lang="en-US" dirty="0" err="1" smtClean="0"/>
-              <a:t>entwerfe</a:t>
-            </a:r>
-            <a:r>
-              <a:rPr lang="en-US" dirty="0" err="1" smtClean="0"/>
-              <a:t>n</a:t>
+              <a:t>entwerfen</a:t>
             </a:r>
             <a:r>
               <a:rPr lang="en-US" dirty="0" smtClean="0"/>
@@ -5647,15 +5643,7 @@
           <a:p>
             <a:r>
               <a:rPr lang="en-US" dirty="0" smtClean="0"/>
-              <a:t>Meeting: </a:t>
-            </a:r>
-            <a:r>
-              <a:rPr lang="en-US" dirty="0" smtClean="0"/>
-              <a:t>11</a:t>
-            </a:r>
-            <a:r>
-              <a:rPr lang="en-US" dirty="0" smtClean="0"/>
-              <a:t>.01.21</a:t>
+              <a:t>Meeting: 11.01.21</a:t>
             </a:r>
             <a:endParaRPr lang="en-US" dirty="0"/>
           </a:p>
@@ -5663,14 +5651,14 @@
       </p:sp>
       <p:sp>
         <p:nvSpPr>
-          <p:cNvPr id="5" name="Textfeld 4"/>
+          <p:cNvPr id="3" name="Textfeld 2"/>
           <p:cNvSpPr txBox="1"/>
           <p:nvPr/>
         </p:nvSpPr>
         <p:spPr>
           <a:xfrm>
             <a:off x="457200" y="1181365"/>
-            <a:ext cx="8229600" cy="369332"/>
+            <a:ext cx="8229600" cy="4801315"/>
           </a:xfrm>
           <a:prstGeom prst="rect">
             <a:avLst/>
@@ -5682,6 +5670,667 @@
             <a:spAutoFit/>
           </a:bodyPr>
           <a:lstStyle/>
+          <a:p>
+            <a:pPr marL="285750" indent="-285750">
+              <a:buFont typeface="Arial"/>
+              <a:buChar char="•"/>
+            </a:pPr>
+            <a:r>
+              <a:rPr lang="en-US" dirty="0" smtClean="0"/>
+              <a:t>Classification </a:t>
+            </a:r>
+            <a:r>
+              <a:rPr lang="en-US" dirty="0" err="1" smtClean="0"/>
+              <a:t>nur</a:t>
+            </a:r>
+            <a:r>
+              <a:rPr lang="en-US" dirty="0" smtClean="0"/>
+              <a:t> 2 </a:t>
+            </a:r>
+            <a:r>
+              <a:rPr lang="en-US" dirty="0" err="1" smtClean="0"/>
+              <a:t>oder</a:t>
+            </a:r>
+            <a:r>
+              <a:rPr lang="en-US" dirty="0" smtClean="0"/>
+              <a:t> 3 </a:t>
+            </a:r>
+            <a:r>
+              <a:rPr lang="en-US" dirty="0" err="1" smtClean="0"/>
+              <a:t>erwähnen</a:t>
+            </a:r>
+            <a:r>
+              <a:rPr lang="en-US" dirty="0" smtClean="0"/>
+              <a:t> </a:t>
+            </a:r>
+          </a:p>
+          <a:p>
+            <a:pPr marL="285750" indent="-285750">
+              <a:buFont typeface="Arial"/>
+              <a:buChar char="•"/>
+            </a:pPr>
+            <a:r>
+              <a:rPr lang="en-US" dirty="0" err="1" smtClean="0"/>
+              <a:t>Nicht</a:t>
+            </a:r>
+            <a:r>
+              <a:rPr lang="en-US" dirty="0" smtClean="0"/>
+              <a:t> deep learning </a:t>
+            </a:r>
+            <a:r>
+              <a:rPr lang="en-US" dirty="0" err="1" smtClean="0"/>
+              <a:t>nur</a:t>
+            </a:r>
+            <a:r>
+              <a:rPr lang="en-US" dirty="0" smtClean="0"/>
+              <a:t> </a:t>
+            </a:r>
+            <a:r>
+              <a:rPr lang="en-US" dirty="0" err="1"/>
+              <a:t>B</a:t>
+            </a:r>
+            <a:r>
+              <a:rPr lang="en-US" dirty="0" err="1" smtClean="0"/>
+              <a:t>eispielhaft</a:t>
+            </a:r>
+            <a:r>
+              <a:rPr lang="en-US" dirty="0" smtClean="0"/>
+              <a:t> </a:t>
+            </a:r>
+            <a:r>
+              <a:rPr lang="en-US" dirty="0" err="1" smtClean="0"/>
+              <a:t>erwähnen</a:t>
+            </a:r>
+            <a:r>
+              <a:rPr lang="en-US" dirty="0" smtClean="0"/>
+              <a:t>  </a:t>
+            </a:r>
+          </a:p>
+          <a:p>
+            <a:pPr marL="285750" indent="-285750">
+              <a:buFont typeface="Arial"/>
+              <a:buChar char="•"/>
+            </a:pPr>
+            <a:r>
+              <a:rPr lang="en-US" dirty="0" err="1" smtClean="0"/>
+              <a:t>Sachen</a:t>
+            </a:r>
+            <a:r>
+              <a:rPr lang="en-US" dirty="0" smtClean="0"/>
+              <a:t> </a:t>
+            </a:r>
+            <a:r>
+              <a:rPr lang="en-US" dirty="0" smtClean="0"/>
+              <a:t>die linear </a:t>
+            </a:r>
+            <a:r>
+              <a:rPr lang="en-US" dirty="0" err="1" smtClean="0"/>
+              <a:t>zu</a:t>
+            </a:r>
+            <a:r>
+              <a:rPr lang="en-US" dirty="0" smtClean="0"/>
+              <a:t> </a:t>
+            </a:r>
+            <a:r>
+              <a:rPr lang="en-US" dirty="0" err="1" smtClean="0"/>
+              <a:t>dem</a:t>
+            </a:r>
+            <a:r>
+              <a:rPr lang="en-US" dirty="0" smtClean="0"/>
+              <a:t> </a:t>
+            </a:r>
+            <a:r>
+              <a:rPr lang="en-US" dirty="0" err="1" smtClean="0"/>
+              <a:t>führen</a:t>
+            </a:r>
+            <a:r>
+              <a:rPr lang="en-US" dirty="0" smtClean="0"/>
+              <a:t> was </a:t>
+            </a:r>
+            <a:r>
+              <a:rPr lang="en-US" dirty="0" err="1" smtClean="0"/>
+              <a:t>weitergeführt</a:t>
+            </a:r>
+            <a:r>
+              <a:rPr lang="en-US" dirty="0" smtClean="0"/>
+              <a:t> </a:t>
+            </a:r>
+            <a:r>
+              <a:rPr lang="en-US" dirty="0" err="1" smtClean="0"/>
+              <a:t>wird</a:t>
+            </a:r>
+            <a:r>
+              <a:rPr lang="en-US" dirty="0" smtClean="0"/>
+              <a:t> </a:t>
+            </a:r>
+          </a:p>
+          <a:p>
+            <a:pPr marL="285750" indent="-285750">
+              <a:buFont typeface="Arial"/>
+              <a:buChar char="•"/>
+            </a:pPr>
+            <a:r>
+              <a:rPr lang="en-US" dirty="0" err="1" smtClean="0"/>
+              <a:t>Zuschicken</a:t>
+            </a:r>
+            <a:r>
+              <a:rPr lang="en-US" dirty="0" smtClean="0"/>
+              <a:t>, </a:t>
+            </a:r>
+            <a:r>
+              <a:rPr lang="en-US" dirty="0" err="1" smtClean="0"/>
+              <a:t>gibt</a:t>
+            </a:r>
+            <a:r>
+              <a:rPr lang="en-US" dirty="0" smtClean="0"/>
+              <a:t> super </a:t>
+            </a:r>
+            <a:r>
+              <a:rPr lang="en-US" dirty="0" err="1" smtClean="0"/>
+              <a:t>viele</a:t>
+            </a:r>
+            <a:r>
+              <a:rPr lang="en-US" dirty="0" smtClean="0"/>
+              <a:t> </a:t>
+            </a:r>
+            <a:r>
+              <a:rPr lang="en-US" dirty="0" err="1" smtClean="0"/>
+              <a:t>ansätze</a:t>
+            </a:r>
+            <a:r>
+              <a:rPr lang="en-US" dirty="0" smtClean="0"/>
+              <a:t> </a:t>
+            </a:r>
+            <a:r>
+              <a:rPr lang="en-US" dirty="0" err="1" smtClean="0"/>
+              <a:t>wie</a:t>
+            </a:r>
+            <a:r>
+              <a:rPr lang="en-US" dirty="0" smtClean="0"/>
+              <a:t> man das </a:t>
+            </a:r>
+            <a:r>
+              <a:rPr lang="en-US" dirty="0" err="1" smtClean="0"/>
+              <a:t>runterschreibt</a:t>
+            </a:r>
+            <a:r>
+              <a:rPr lang="en-US" dirty="0" smtClean="0"/>
+              <a:t> </a:t>
+            </a:r>
+          </a:p>
+          <a:p>
+            <a:pPr marL="285750" indent="-285750">
+              <a:buFont typeface="Arial"/>
+              <a:buChar char="•"/>
+            </a:pPr>
+            <a:r>
+              <a:rPr lang="en-US" dirty="0" err="1" smtClean="0"/>
+              <a:t>Einfach</a:t>
+            </a:r>
+            <a:r>
+              <a:rPr lang="en-US" dirty="0" smtClean="0"/>
+              <a:t> in </a:t>
+            </a:r>
+            <a:r>
+              <a:rPr lang="en-US" dirty="0" err="1" smtClean="0"/>
+              <a:t>meinem</a:t>
+            </a:r>
+            <a:r>
+              <a:rPr lang="en-US" dirty="0" smtClean="0"/>
+              <a:t> </a:t>
+            </a:r>
+            <a:r>
+              <a:rPr lang="en-US" dirty="0" err="1" smtClean="0"/>
+              <a:t>Stil</a:t>
+            </a:r>
+            <a:r>
+              <a:rPr lang="en-US" dirty="0" smtClean="0"/>
+              <a:t>, early draft </a:t>
+            </a:r>
+            <a:r>
+              <a:rPr lang="en-US" dirty="0" err="1" smtClean="0"/>
+              <a:t>ruhig</a:t>
+            </a:r>
+            <a:r>
+              <a:rPr lang="en-US" dirty="0" smtClean="0"/>
+              <a:t> </a:t>
+            </a:r>
+            <a:r>
+              <a:rPr lang="en-US" dirty="0" err="1" smtClean="0"/>
+              <a:t>schicken</a:t>
+            </a:r>
+            <a:r>
+              <a:rPr lang="en-US" dirty="0" smtClean="0"/>
+              <a:t> </a:t>
+            </a:r>
+          </a:p>
+          <a:p>
+            <a:pPr marL="285750" indent="-285750">
+              <a:buFont typeface="Arial"/>
+              <a:buChar char="•"/>
+            </a:pPr>
+            <a:r>
+              <a:rPr lang="en-US" dirty="0" smtClean="0"/>
+              <a:t>2 </a:t>
+            </a:r>
+            <a:r>
+              <a:rPr lang="en-US" dirty="0" err="1" smtClean="0"/>
+              <a:t>versch</a:t>
+            </a:r>
+            <a:r>
+              <a:rPr lang="en-US" dirty="0" smtClean="0"/>
+              <a:t> </a:t>
+            </a:r>
+            <a:r>
+              <a:rPr lang="en-US" dirty="0" err="1" smtClean="0"/>
+              <a:t>Seiten</a:t>
+            </a:r>
+            <a:r>
+              <a:rPr lang="en-US" dirty="0" smtClean="0"/>
+              <a:t>: </a:t>
+            </a:r>
+          </a:p>
+          <a:p>
+            <a:pPr marL="742950" lvl="1" indent="-285750">
+              <a:buFont typeface="Arial"/>
+              <a:buChar char="•"/>
+            </a:pPr>
+            <a:r>
+              <a:rPr lang="en-US" dirty="0" err="1" smtClean="0"/>
+              <a:t>starte</a:t>
+            </a:r>
+            <a:r>
+              <a:rPr lang="en-US" dirty="0" smtClean="0"/>
+              <a:t> </a:t>
+            </a:r>
+            <a:r>
+              <a:rPr lang="en-US" dirty="0" err="1" smtClean="0"/>
+              <a:t>mit</a:t>
+            </a:r>
+            <a:r>
+              <a:rPr lang="en-US" dirty="0" smtClean="0"/>
+              <a:t> </a:t>
+            </a:r>
+            <a:r>
+              <a:rPr lang="en-US" dirty="0" err="1" smtClean="0"/>
+              <a:t>einem</a:t>
+            </a:r>
+            <a:r>
+              <a:rPr lang="en-US" dirty="0" smtClean="0"/>
+              <a:t> NN und </a:t>
+            </a:r>
+            <a:r>
+              <a:rPr lang="en-US" dirty="0" err="1" smtClean="0"/>
+              <a:t>versuche</a:t>
+            </a:r>
+            <a:r>
+              <a:rPr lang="en-US" dirty="0" smtClean="0"/>
+              <a:t> </a:t>
+            </a:r>
+            <a:r>
+              <a:rPr lang="en-US" dirty="0" err="1" smtClean="0"/>
+              <a:t>nur</a:t>
+            </a:r>
+            <a:r>
+              <a:rPr lang="en-US" dirty="0" smtClean="0"/>
+              <a:t> Updates </a:t>
+            </a:r>
+            <a:r>
+              <a:rPr lang="en-US" dirty="0" err="1" smtClean="0"/>
+              <a:t>zu</a:t>
+            </a:r>
+            <a:r>
+              <a:rPr lang="en-US" dirty="0" smtClean="0"/>
+              <a:t> </a:t>
+            </a:r>
+            <a:r>
+              <a:rPr lang="en-US" dirty="0" err="1" smtClean="0"/>
+              <a:t>machen</a:t>
+            </a:r>
+            <a:r>
+              <a:rPr lang="en-US" dirty="0" smtClean="0"/>
+              <a:t> die ins </a:t>
+            </a:r>
+            <a:r>
+              <a:rPr lang="en-US" dirty="0" err="1" smtClean="0"/>
+              <a:t>ich</a:t>
+            </a:r>
+            <a:r>
+              <a:rPr lang="en-US" dirty="0" smtClean="0"/>
+              <a:t> </a:t>
+            </a:r>
+            <a:r>
+              <a:rPr lang="en-US" dirty="0" err="1" smtClean="0"/>
+              <a:t>Kausal</a:t>
+            </a:r>
+            <a:r>
+              <a:rPr lang="en-US" dirty="0" smtClean="0"/>
+              <a:t> </a:t>
+            </a:r>
+            <a:r>
+              <a:rPr lang="en-US" dirty="0" err="1" smtClean="0"/>
+              <a:t>sind</a:t>
+            </a:r>
+            <a:r>
+              <a:rPr lang="en-US" dirty="0" smtClean="0"/>
+              <a:t> -&gt; </a:t>
+            </a:r>
+            <a:r>
+              <a:rPr lang="en-US" dirty="0" err="1" smtClean="0"/>
+              <a:t>kausales</a:t>
+            </a:r>
+            <a:r>
+              <a:rPr lang="en-US" dirty="0" smtClean="0"/>
+              <a:t> mapping </a:t>
+            </a:r>
+            <a:r>
+              <a:rPr lang="en-US" dirty="0" err="1" smtClean="0"/>
+              <a:t>baue</a:t>
+            </a:r>
+            <a:r>
+              <a:rPr lang="en-US" dirty="0" smtClean="0"/>
+              <a:t> </a:t>
+            </a:r>
+            <a:r>
+              <a:rPr lang="en-US" dirty="0" err="1" smtClean="0"/>
+              <a:t>es</a:t>
+            </a:r>
+            <a:r>
+              <a:rPr lang="en-US" dirty="0" smtClean="0"/>
+              <a:t> </a:t>
+            </a:r>
+            <a:r>
+              <a:rPr lang="en-US" dirty="0" err="1" smtClean="0"/>
+              <a:t>Kausal</a:t>
+            </a:r>
+            <a:r>
+              <a:rPr lang="en-US" dirty="0" smtClean="0"/>
+              <a:t> also das </a:t>
+            </a:r>
+            <a:r>
+              <a:rPr lang="en-US" dirty="0" err="1" smtClean="0"/>
+              <a:t>Netz</a:t>
+            </a:r>
+            <a:r>
+              <a:rPr lang="en-US" dirty="0" smtClean="0"/>
+              <a:t> </a:t>
+            </a:r>
+            <a:r>
+              <a:rPr lang="en-US" dirty="0" err="1" smtClean="0"/>
+              <a:t>wird</a:t>
+            </a:r>
+            <a:r>
+              <a:rPr lang="en-US" dirty="0" smtClean="0"/>
+              <a:t> </a:t>
+            </a:r>
+            <a:r>
+              <a:rPr lang="en-US" dirty="0" err="1" smtClean="0"/>
+              <a:t>kausal</a:t>
+            </a:r>
+            <a:r>
+              <a:rPr lang="en-US" dirty="0" smtClean="0"/>
+              <a:t> </a:t>
+            </a:r>
+            <a:r>
+              <a:rPr lang="en-US" dirty="0" err="1" smtClean="0"/>
+              <a:t>gebaut</a:t>
+            </a:r>
+            <a:r>
+              <a:rPr lang="en-US" dirty="0" smtClean="0"/>
+              <a:t> </a:t>
+            </a:r>
+          </a:p>
+          <a:p>
+            <a:pPr marL="1200150" lvl="2" indent="-285750">
+              <a:buFont typeface="Arial"/>
+              <a:buChar char="•"/>
+            </a:pPr>
+            <a:r>
+              <a:rPr lang="en-US" dirty="0" smtClean="0"/>
+              <a:t>Das </a:t>
+            </a:r>
+            <a:r>
+              <a:rPr lang="en-US" dirty="0" err="1" smtClean="0"/>
+              <a:t>ist</a:t>
+            </a:r>
+            <a:r>
+              <a:rPr lang="en-US" dirty="0" smtClean="0"/>
+              <a:t> </a:t>
+            </a:r>
+            <a:r>
+              <a:rPr lang="en-US" dirty="0" err="1" smtClean="0"/>
+              <a:t>vllt</a:t>
+            </a:r>
+            <a:r>
+              <a:rPr lang="en-US" dirty="0" smtClean="0"/>
+              <a:t> </a:t>
+            </a:r>
+            <a:r>
+              <a:rPr lang="en-US" dirty="0" err="1" smtClean="0"/>
+              <a:t>sinnvoll</a:t>
+            </a:r>
+            <a:r>
+              <a:rPr lang="en-US" dirty="0" smtClean="0"/>
+              <a:t> </a:t>
+            </a:r>
+            <a:r>
+              <a:rPr lang="en-US" dirty="0" err="1" smtClean="0"/>
+              <a:t>fürs</a:t>
+            </a:r>
+            <a:r>
+              <a:rPr lang="en-US" dirty="0" smtClean="0"/>
+              <a:t> understanding </a:t>
+            </a:r>
+            <a:r>
+              <a:rPr lang="en-US" dirty="0" err="1" smtClean="0"/>
+              <a:t>es</a:t>
+            </a:r>
+            <a:r>
+              <a:rPr lang="en-US" dirty="0" smtClean="0"/>
+              <a:t> so </a:t>
+            </a:r>
+            <a:r>
+              <a:rPr lang="en-US" dirty="0" err="1" smtClean="0"/>
+              <a:t>zu</a:t>
+            </a:r>
+            <a:r>
+              <a:rPr lang="en-US" dirty="0" smtClean="0"/>
+              <a:t> </a:t>
+            </a:r>
+            <a:r>
+              <a:rPr lang="en-US" smtClean="0"/>
+              <a:t>erklären </a:t>
+            </a:r>
+            <a:endParaRPr lang="en-US" dirty="0" smtClean="0"/>
+          </a:p>
+          <a:p>
+            <a:pPr marL="742950" lvl="1" indent="-285750">
+              <a:buFont typeface="Arial"/>
+              <a:buChar char="•"/>
+            </a:pPr>
+            <a:r>
+              <a:rPr lang="en-US" dirty="0" err="1" smtClean="0"/>
+              <a:t>Habe</a:t>
+            </a:r>
+            <a:r>
+              <a:rPr lang="en-US" dirty="0" smtClean="0"/>
+              <a:t> </a:t>
+            </a:r>
+            <a:r>
+              <a:rPr lang="en-US" dirty="0" err="1" smtClean="0"/>
+              <a:t>zusatz</a:t>
+            </a:r>
+            <a:r>
+              <a:rPr lang="en-US" dirty="0" smtClean="0"/>
+              <a:t> </a:t>
+            </a:r>
+            <a:r>
+              <a:rPr lang="en-US" dirty="0" err="1" smtClean="0"/>
+              <a:t>infos</a:t>
+            </a:r>
+            <a:r>
+              <a:rPr lang="en-US" dirty="0" smtClean="0"/>
+              <a:t>: und </a:t>
+            </a:r>
+            <a:r>
+              <a:rPr lang="en-US" dirty="0" err="1" smtClean="0"/>
+              <a:t>schaue</a:t>
+            </a:r>
+            <a:r>
+              <a:rPr lang="en-US" dirty="0" smtClean="0"/>
+              <a:t> </a:t>
+            </a:r>
+            <a:r>
+              <a:rPr lang="en-US" dirty="0" err="1" smtClean="0"/>
+              <a:t>ob</a:t>
+            </a:r>
+            <a:r>
+              <a:rPr lang="en-US" dirty="0" smtClean="0"/>
+              <a:t> das </a:t>
+            </a:r>
+            <a:r>
+              <a:rPr lang="en-US" dirty="0" err="1" smtClean="0"/>
+              <a:t>verhalten</a:t>
+            </a:r>
+            <a:r>
+              <a:rPr lang="en-US" dirty="0" smtClean="0"/>
+              <a:t> </a:t>
+            </a:r>
+            <a:r>
+              <a:rPr lang="en-US" dirty="0" err="1" smtClean="0"/>
+              <a:t>Kausal</a:t>
+            </a:r>
+            <a:r>
+              <a:rPr lang="en-US" dirty="0" smtClean="0"/>
+              <a:t> </a:t>
+            </a:r>
+            <a:r>
+              <a:rPr lang="en-US" dirty="0" err="1" smtClean="0"/>
+              <a:t>ist</a:t>
+            </a:r>
+            <a:r>
+              <a:rPr lang="en-US" dirty="0" smtClean="0"/>
+              <a:t> (</a:t>
+            </a:r>
+            <a:r>
+              <a:rPr lang="en-US" dirty="0" err="1" smtClean="0"/>
+              <a:t>sind</a:t>
+            </a:r>
+            <a:r>
+              <a:rPr lang="en-US" dirty="0" smtClean="0"/>
+              <a:t> die Outputs </a:t>
+            </a:r>
+            <a:r>
+              <a:rPr lang="en-US" dirty="0" err="1" smtClean="0"/>
+              <a:t>richtig</a:t>
+            </a:r>
+            <a:r>
+              <a:rPr lang="en-US" dirty="0" smtClean="0"/>
+              <a:t> “</a:t>
+            </a:r>
+            <a:r>
+              <a:rPr lang="en-US" dirty="0" err="1" smtClean="0"/>
+              <a:t>Kausal</a:t>
+            </a:r>
+            <a:r>
+              <a:rPr lang="en-US" dirty="0" smtClean="0"/>
+              <a:t>”)</a:t>
+            </a:r>
+          </a:p>
+          <a:p>
+            <a:pPr marL="285750" indent="-285750">
+              <a:buFont typeface="Arial"/>
+              <a:buChar char="•"/>
+            </a:pPr>
+            <a:r>
+              <a:rPr lang="en-US" dirty="0" err="1" smtClean="0"/>
+              <a:t>Zeit</a:t>
+            </a:r>
+            <a:r>
+              <a:rPr lang="en-US" dirty="0" smtClean="0"/>
+              <a:t> </a:t>
+            </a:r>
+            <a:r>
+              <a:rPr lang="en-US" dirty="0" err="1" smtClean="0"/>
+              <a:t>wirkt</a:t>
+            </a:r>
+            <a:r>
+              <a:rPr lang="en-US" dirty="0" smtClean="0"/>
+              <a:t> </a:t>
+            </a:r>
+            <a:r>
+              <a:rPr lang="en-US" dirty="0" err="1" smtClean="0"/>
+              <a:t>sich</a:t>
+            </a:r>
+            <a:r>
+              <a:rPr lang="en-US" dirty="0" smtClean="0"/>
+              <a:t> </a:t>
+            </a:r>
+            <a:r>
+              <a:rPr lang="en-US" dirty="0" err="1" smtClean="0"/>
+              <a:t>nicht</a:t>
+            </a:r>
+            <a:r>
+              <a:rPr lang="en-US" dirty="0" smtClean="0"/>
+              <a:t> </a:t>
+            </a:r>
+            <a:r>
+              <a:rPr lang="en-US" dirty="0" err="1" smtClean="0"/>
+              <a:t>wirklich</a:t>
+            </a:r>
+            <a:r>
+              <a:rPr lang="en-US" dirty="0" smtClean="0"/>
+              <a:t> auf die Note </a:t>
+            </a:r>
+            <a:r>
+              <a:rPr lang="en-US" dirty="0" err="1" smtClean="0"/>
+              <a:t>aus</a:t>
+            </a:r>
+            <a:r>
+              <a:rPr lang="en-US" dirty="0" smtClean="0"/>
+              <a:t> </a:t>
+            </a:r>
+          </a:p>
+          <a:p>
+            <a:pPr marL="285750" indent="-285750">
+              <a:buFont typeface="Arial"/>
+              <a:buChar char="•"/>
+            </a:pPr>
+            <a:r>
+              <a:rPr lang="en-US" dirty="0" err="1" smtClean="0"/>
+              <a:t>Keine</a:t>
+            </a:r>
+            <a:r>
+              <a:rPr lang="en-US" dirty="0" smtClean="0"/>
+              <a:t> </a:t>
+            </a:r>
+            <a:r>
+              <a:rPr lang="en-US" dirty="0" err="1" smtClean="0"/>
+              <a:t>zwischenpräsi</a:t>
+            </a:r>
+            <a:endParaRPr lang="en-US" dirty="0" smtClean="0"/>
+          </a:p>
+          <a:p>
+            <a:pPr marL="742950" lvl="1" indent="-285750">
+              <a:buFont typeface="Arial"/>
+              <a:buChar char="•"/>
+            </a:pPr>
+            <a:endParaRPr lang="en-US" dirty="0" smtClean="0"/>
+          </a:p>
+          <a:p>
+            <a:pPr marL="742950" lvl="1" indent="-285750">
+              <a:buFont typeface="Arial"/>
+              <a:buChar char="•"/>
+            </a:pPr>
+            <a:endParaRPr lang="en-US" dirty="0" smtClean="0"/>
+          </a:p>
+          <a:p>
+            <a:pPr marL="285750" indent="-285750">
+              <a:buFont typeface="Arial"/>
+              <a:buChar char="•"/>
+            </a:pPr>
+            <a:endParaRPr lang="en-US" dirty="0" smtClean="0"/>
+          </a:p>
           <a:p>
             <a:pPr marL="285750" indent="-285750">
               <a:buFont typeface="Arial"/>

--- a/MeetingNotes.pptx
+++ b/MeetingNotes.pptx
@@ -10,6 +10,9 @@
     <p:sldId id="258" r:id="rId4"/>
     <p:sldId id="259" r:id="rId5"/>
     <p:sldId id="260" r:id="rId6"/>
+    <p:sldId id="261" r:id="rId7"/>
+    <p:sldId id="262" r:id="rId8"/>
+    <p:sldId id="263" r:id="rId9"/>
   </p:sldIdLst>
   <p:sldSz cx="9144000" cy="5715000" type="screen16x10"/>
   <p:notesSz cx="6858000" cy="9144000"/>
@@ -633,7 +636,7 @@
           <a:p>
             <a:fld id="{907AEC89-51F8-8C49-8F5C-7B8970AE8955}" type="datetimeFigureOut">
               <a:rPr lang="de-DE" smtClean="0"/>
-              <a:t>11.01.21</a:t>
+              <a:t>25.01.21</a:t>
             </a:fld>
             <a:endParaRPr lang="en-US"/>
           </a:p>
@@ -803,7 +806,7 @@
           <a:p>
             <a:fld id="{907AEC89-51F8-8C49-8F5C-7B8970AE8955}" type="datetimeFigureOut">
               <a:rPr lang="de-DE" smtClean="0"/>
-              <a:t>11.01.21</a:t>
+              <a:t>25.01.21</a:t>
             </a:fld>
             <a:endParaRPr lang="en-US"/>
           </a:p>
@@ -983,7 +986,7 @@
           <a:p>
             <a:fld id="{907AEC89-51F8-8C49-8F5C-7B8970AE8955}" type="datetimeFigureOut">
               <a:rPr lang="de-DE" smtClean="0"/>
-              <a:t>11.01.21</a:t>
+              <a:t>25.01.21</a:t>
             </a:fld>
             <a:endParaRPr lang="en-US"/>
           </a:p>
@@ -1101,7 +1104,7 @@
           <a:p>
             <a:fld id="{907AEC89-51F8-8C49-8F5C-7B8970AE8955}" type="datetimeFigureOut">
               <a:rPr lang="de-DE" smtClean="0"/>
-              <a:t>11.01.21</a:t>
+              <a:t>25.01.21</a:t>
             </a:fld>
             <a:endParaRPr lang="en-US"/>
           </a:p>
@@ -1421,7 +1424,7 @@
           <a:p>
             <a:fld id="{907AEC89-51F8-8C49-8F5C-7B8970AE8955}" type="datetimeFigureOut">
               <a:rPr lang="de-DE" smtClean="0"/>
-              <a:t>11.01.21</a:t>
+              <a:t>25.01.21</a:t>
             </a:fld>
             <a:endParaRPr lang="en-US"/>
           </a:p>
@@ -1973,7 +1976,7 @@
           <a:p>
             <a:fld id="{907AEC89-51F8-8C49-8F5C-7B8970AE8955}" type="datetimeFigureOut">
               <a:rPr lang="de-DE" smtClean="0"/>
-              <a:t>11.01.21</a:t>
+              <a:t>25.01.21</a:t>
             </a:fld>
             <a:endParaRPr lang="en-US"/>
           </a:p>
@@ -2395,7 +2398,7 @@
           <a:p>
             <a:fld id="{907AEC89-51F8-8C49-8F5C-7B8970AE8955}" type="datetimeFigureOut">
               <a:rPr lang="de-DE" smtClean="0"/>
-              <a:t>11.01.21</a:t>
+              <a:t>25.01.21</a:t>
             </a:fld>
             <a:endParaRPr lang="en-US"/>
           </a:p>
@@ -2513,7 +2516,7 @@
           <a:p>
             <a:fld id="{907AEC89-51F8-8C49-8F5C-7B8970AE8955}" type="datetimeFigureOut">
               <a:rPr lang="de-DE" smtClean="0"/>
-              <a:t>11.01.21</a:t>
+              <a:t>25.01.21</a:t>
             </a:fld>
             <a:endParaRPr lang="en-US"/>
           </a:p>
@@ -2608,7 +2611,7 @@
           <a:p>
             <a:fld id="{907AEC89-51F8-8C49-8F5C-7B8970AE8955}" type="datetimeFigureOut">
               <a:rPr lang="de-DE" smtClean="0"/>
-              <a:t>11.01.21</a:t>
+              <a:t>25.01.21</a:t>
             </a:fld>
             <a:endParaRPr lang="en-US"/>
           </a:p>
@@ -2885,7 +2888,7 @@
           <a:p>
             <a:fld id="{907AEC89-51F8-8C49-8F5C-7B8970AE8955}" type="datetimeFigureOut">
               <a:rPr lang="de-DE" smtClean="0"/>
-              <a:t>11.01.21</a:t>
+              <a:t>25.01.21</a:t>
             </a:fld>
             <a:endParaRPr lang="en-US"/>
           </a:p>
@@ -3098,7 +3101,7 @@
           <a:p>
             <a:fld id="{907AEC89-51F8-8C49-8F5C-7B8970AE8955}" type="datetimeFigureOut">
               <a:rPr lang="de-DE" smtClean="0"/>
-              <a:t>11.01.21</a:t>
+              <a:t>25.01.21</a:t>
             </a:fld>
             <a:endParaRPr lang="en-US"/>
           </a:p>
@@ -5757,11 +5760,7 @@
             </a:r>
             <a:r>
               <a:rPr lang="en-US" dirty="0" smtClean="0"/>
-              <a:t> </a:t>
-            </a:r>
-            <a:r>
-              <a:rPr lang="en-US" dirty="0" smtClean="0"/>
-              <a:t>die linear </a:t>
+              <a:t> die linear </a:t>
             </a:r>
             <a:r>
               <a:rPr lang="en-US" dirty="0" err="1" smtClean="0"/>
@@ -6344,6 +6343,1749 @@
     <p:extLst>
       <p:ext uri="{BB962C8B-B14F-4D97-AF65-F5344CB8AC3E}">
         <p14:creationId xmlns:p14="http://schemas.microsoft.com/office/powerpoint/2010/main" val="3647875010"/>
+      </p:ext>
+    </p:extLst>
+  </p:cSld>
+  <p:clrMapOvr>
+    <a:masterClrMapping/>
+  </p:clrMapOvr>
+</p:sld>
+</file>
+
+<file path=ppt/slides/slide6.xml><?xml version="1.0" encoding="utf-8"?>
+<p:sld xmlns:a="http://schemas.openxmlformats.org/drawingml/2006/main" xmlns:r="http://schemas.openxmlformats.org/officeDocument/2006/relationships" xmlns:p="http://schemas.openxmlformats.org/presentationml/2006/main">
+  <p:cSld>
+    <p:spTree>
+      <p:nvGrpSpPr>
+        <p:cNvPr id="1" name=""/>
+        <p:cNvGrpSpPr/>
+        <p:nvPr/>
+      </p:nvGrpSpPr>
+      <p:grpSpPr>
+        <a:xfrm>
+          <a:off x="0" y="0"/>
+          <a:ext cx="0" cy="0"/>
+          <a:chOff x="0" y="0"/>
+          <a:chExt cx="0" cy="0"/>
+        </a:xfrm>
+      </p:grpSpPr>
+      <p:sp>
+        <p:nvSpPr>
+          <p:cNvPr id="2" name="Inhaltsplatzhalter 1"/>
+          <p:cNvSpPr>
+            <a:spLocks noGrp="1"/>
+          </p:cNvSpPr>
+          <p:nvPr>
+            <p:ph sz="half" idx="1"/>
+          </p:nvPr>
+        </p:nvSpPr>
+        <p:spPr/>
+        <p:txBody>
+          <a:bodyPr/>
+          <a:lstStyle/>
+          <a:p>
+            <a:r>
+              <a:rPr lang="en-US" dirty="0" smtClean="0"/>
+              <a:t>Lit review </a:t>
+            </a:r>
+            <a:r>
+              <a:rPr lang="en-US" dirty="0" err="1" smtClean="0"/>
+              <a:t>dauert</a:t>
+            </a:r>
+            <a:r>
+              <a:rPr lang="en-US" dirty="0" smtClean="0"/>
+              <a:t> </a:t>
+            </a:r>
+            <a:r>
+              <a:rPr lang="en-US" dirty="0" err="1" smtClean="0"/>
+              <a:t>noch</a:t>
+            </a:r>
+            <a:r>
+              <a:rPr lang="en-US" dirty="0" smtClean="0"/>
+              <a:t> </a:t>
+            </a:r>
+            <a:r>
+              <a:rPr lang="en-US" dirty="0" err="1" smtClean="0"/>
+              <a:t>ein</a:t>
+            </a:r>
+            <a:r>
+              <a:rPr lang="en-US" dirty="0" smtClean="0"/>
+              <a:t> </a:t>
+            </a:r>
+            <a:r>
+              <a:rPr lang="en-US" dirty="0" err="1" smtClean="0"/>
+              <a:t>bisschen</a:t>
+            </a:r>
+            <a:r>
+              <a:rPr lang="en-US" dirty="0" smtClean="0"/>
+              <a:t> (</a:t>
+            </a:r>
+            <a:r>
+              <a:rPr lang="en-US" dirty="0" err="1" smtClean="0"/>
+              <a:t>mache</a:t>
+            </a:r>
+            <a:r>
+              <a:rPr lang="en-US" dirty="0" smtClean="0"/>
+              <a:t> das parallel </a:t>
+            </a:r>
+            <a:r>
+              <a:rPr lang="en-US" dirty="0" err="1" smtClean="0"/>
+              <a:t>zum</a:t>
+            </a:r>
+            <a:r>
+              <a:rPr lang="en-US" dirty="0" smtClean="0"/>
+              <a:t> </a:t>
+            </a:r>
+            <a:r>
+              <a:rPr lang="en-US" dirty="0" err="1" smtClean="0"/>
+              <a:t>Methoden</a:t>
+            </a:r>
+            <a:r>
+              <a:rPr lang="en-US" dirty="0" smtClean="0"/>
+              <a:t> </a:t>
+            </a:r>
+            <a:r>
+              <a:rPr lang="en-US" dirty="0" err="1" smtClean="0"/>
+              <a:t>ausdenken</a:t>
+            </a:r>
+            <a:r>
+              <a:rPr lang="en-US" dirty="0" smtClean="0"/>
+              <a:t>): </a:t>
+            </a:r>
+            <a:r>
+              <a:rPr lang="en-US" dirty="0" err="1" smtClean="0"/>
+              <a:t>sollte</a:t>
+            </a:r>
+            <a:r>
+              <a:rPr lang="en-US" dirty="0" smtClean="0"/>
+              <a:t> </a:t>
+            </a:r>
+            <a:r>
+              <a:rPr lang="en-US" dirty="0" err="1" smtClean="0"/>
+              <a:t>aber</a:t>
+            </a:r>
+            <a:r>
+              <a:rPr lang="en-US" dirty="0" smtClean="0"/>
+              <a:t> </a:t>
+            </a:r>
+            <a:r>
+              <a:rPr lang="en-US" dirty="0" err="1" smtClean="0"/>
+              <a:t>diese</a:t>
+            </a:r>
+            <a:r>
+              <a:rPr lang="en-US" dirty="0" smtClean="0"/>
+              <a:t> </a:t>
+            </a:r>
+            <a:r>
+              <a:rPr lang="en-US" dirty="0" err="1" smtClean="0"/>
+              <a:t>Woche</a:t>
+            </a:r>
+            <a:r>
+              <a:rPr lang="en-US" dirty="0" smtClean="0"/>
+              <a:t> </a:t>
+            </a:r>
+            <a:r>
+              <a:rPr lang="en-US" dirty="0" err="1" smtClean="0"/>
+              <a:t>fertig</a:t>
+            </a:r>
+            <a:r>
+              <a:rPr lang="en-US" dirty="0" smtClean="0"/>
+              <a:t> </a:t>
+            </a:r>
+            <a:r>
+              <a:rPr lang="en-US" dirty="0" err="1" smtClean="0"/>
+              <a:t>werden</a:t>
+            </a:r>
+            <a:r>
+              <a:rPr lang="en-US" dirty="0" smtClean="0"/>
+              <a:t> </a:t>
+            </a:r>
+          </a:p>
+          <a:p>
+            <a:r>
+              <a:rPr lang="en-US" dirty="0" err="1" smtClean="0"/>
+              <a:t>Hab</a:t>
+            </a:r>
+            <a:r>
+              <a:rPr lang="en-US" dirty="0" smtClean="0"/>
+              <a:t> </a:t>
+            </a:r>
+            <a:r>
+              <a:rPr lang="en-US" dirty="0" err="1" smtClean="0"/>
+              <a:t>jetzt</a:t>
+            </a:r>
+            <a:r>
+              <a:rPr lang="en-US" dirty="0" smtClean="0"/>
+              <a:t> 3 </a:t>
+            </a:r>
+            <a:r>
+              <a:rPr lang="en-US" dirty="0" err="1" smtClean="0"/>
+              <a:t>spannende</a:t>
+            </a:r>
+            <a:r>
+              <a:rPr lang="en-US" dirty="0" smtClean="0"/>
+              <a:t> </a:t>
+            </a:r>
+            <a:r>
+              <a:rPr lang="en-US" dirty="0" err="1" smtClean="0"/>
+              <a:t>Methoden</a:t>
+            </a:r>
+            <a:r>
+              <a:rPr lang="en-US" dirty="0" smtClean="0"/>
+              <a:t>: </a:t>
+            </a:r>
+            <a:r>
+              <a:rPr lang="en-US" dirty="0" err="1" smtClean="0"/>
+              <a:t>vorstellen</a:t>
+            </a:r>
+            <a:endParaRPr lang="en-US" dirty="0" smtClean="0"/>
+          </a:p>
+          <a:p>
+            <a:r>
+              <a:rPr lang="en-US" dirty="0" err="1" smtClean="0"/>
+              <a:t>Wir</a:t>
+            </a:r>
+            <a:r>
+              <a:rPr lang="en-US" dirty="0" smtClean="0"/>
+              <a:t> </a:t>
+            </a:r>
+            <a:r>
+              <a:rPr lang="en-US" dirty="0" err="1" smtClean="0"/>
+              <a:t>müssen</a:t>
+            </a:r>
+            <a:r>
+              <a:rPr lang="en-US" dirty="0" smtClean="0"/>
+              <a:t> </a:t>
+            </a:r>
+            <a:r>
+              <a:rPr lang="en-US" dirty="0" err="1" smtClean="0"/>
+              <a:t>uns</a:t>
+            </a:r>
+            <a:r>
+              <a:rPr lang="en-US" dirty="0" smtClean="0"/>
+              <a:t> </a:t>
+            </a:r>
+            <a:r>
+              <a:rPr lang="en-US" dirty="0" err="1" smtClean="0"/>
+              <a:t>auch</a:t>
+            </a:r>
+            <a:r>
+              <a:rPr lang="en-US" dirty="0" smtClean="0"/>
+              <a:t> </a:t>
+            </a:r>
+            <a:r>
+              <a:rPr lang="en-US" dirty="0" err="1" smtClean="0"/>
+              <a:t>überlegen</a:t>
+            </a:r>
+            <a:r>
+              <a:rPr lang="en-US" dirty="0" smtClean="0"/>
+              <a:t> </a:t>
+            </a:r>
+            <a:r>
+              <a:rPr lang="en-US" dirty="0" err="1" smtClean="0"/>
+              <a:t>wie</a:t>
+            </a:r>
+            <a:r>
+              <a:rPr lang="en-US" dirty="0" smtClean="0"/>
+              <a:t> </a:t>
+            </a:r>
+            <a:r>
+              <a:rPr lang="en-US" dirty="0" err="1" smtClean="0"/>
+              <a:t>wir</a:t>
+            </a:r>
+            <a:r>
+              <a:rPr lang="en-US" dirty="0" smtClean="0"/>
+              <a:t> </a:t>
+            </a:r>
+            <a:r>
+              <a:rPr lang="en-US" dirty="0" err="1" smtClean="0"/>
+              <a:t>Kausalität</a:t>
+            </a:r>
+            <a:r>
+              <a:rPr lang="en-US" dirty="0" smtClean="0"/>
+              <a:t> </a:t>
+            </a:r>
+            <a:r>
+              <a:rPr lang="en-US" dirty="0" err="1" smtClean="0"/>
+              <a:t>denken</a:t>
+            </a:r>
+            <a:r>
+              <a:rPr lang="en-US" dirty="0" smtClean="0"/>
+              <a:t>: </a:t>
+            </a:r>
+            <a:r>
+              <a:rPr lang="en-US" dirty="0" err="1" smtClean="0"/>
+              <a:t>im</a:t>
+            </a:r>
+            <a:r>
+              <a:rPr lang="en-US" dirty="0" smtClean="0"/>
+              <a:t> causal attention context </a:t>
+            </a:r>
+            <a:r>
+              <a:rPr lang="en-US" dirty="0" err="1" smtClean="0"/>
+              <a:t>ist</a:t>
+            </a:r>
+            <a:r>
+              <a:rPr lang="en-US" dirty="0" smtClean="0"/>
+              <a:t> </a:t>
+            </a:r>
+            <a:r>
+              <a:rPr lang="en-US" dirty="0" err="1" smtClean="0"/>
+              <a:t>es</a:t>
+            </a:r>
+            <a:r>
+              <a:rPr lang="en-US" dirty="0" smtClean="0"/>
+              <a:t> </a:t>
+            </a:r>
+            <a:r>
+              <a:rPr lang="en-US" dirty="0" err="1" smtClean="0"/>
+              <a:t>ja</a:t>
+            </a:r>
+            <a:r>
+              <a:rPr lang="en-US" dirty="0" smtClean="0"/>
+              <a:t> </a:t>
+            </a:r>
+            <a:r>
+              <a:rPr lang="en-US" dirty="0" err="1" smtClean="0"/>
+              <a:t>vor</a:t>
+            </a:r>
+            <a:r>
+              <a:rPr lang="en-US" dirty="0" smtClean="0"/>
+              <a:t> </a:t>
+            </a:r>
+            <a:r>
+              <a:rPr lang="en-US" dirty="0" err="1" smtClean="0"/>
+              <a:t>allem</a:t>
+            </a:r>
+            <a:r>
+              <a:rPr lang="en-US" dirty="0" smtClean="0"/>
+              <a:t> influence </a:t>
+            </a:r>
+            <a:r>
+              <a:rPr lang="en-US" dirty="0" err="1" smtClean="0"/>
+              <a:t>soweit</a:t>
+            </a:r>
+            <a:r>
+              <a:rPr lang="en-US" dirty="0" smtClean="0"/>
+              <a:t> </a:t>
+            </a:r>
+            <a:r>
+              <a:rPr lang="en-US" dirty="0" err="1" smtClean="0"/>
+              <a:t>ich</a:t>
+            </a:r>
+            <a:r>
+              <a:rPr lang="en-US" dirty="0" smtClean="0"/>
+              <a:t> das </a:t>
+            </a:r>
+            <a:r>
+              <a:rPr lang="en-US" dirty="0" err="1" smtClean="0"/>
+              <a:t>verstanden</a:t>
+            </a:r>
+            <a:r>
+              <a:rPr lang="en-US" dirty="0" smtClean="0"/>
+              <a:t> </a:t>
+            </a:r>
+            <a:r>
+              <a:rPr lang="en-US" dirty="0" err="1" smtClean="0"/>
+              <a:t>habe</a:t>
+            </a:r>
+            <a:r>
+              <a:rPr lang="en-US" dirty="0" smtClean="0"/>
+              <a:t>?</a:t>
+            </a:r>
+            <a:r>
+              <a:rPr lang="en-US" dirty="0" smtClean="0"/>
+              <a:t> </a:t>
+            </a:r>
+          </a:p>
+          <a:p>
+            <a:endParaRPr lang="en-US" dirty="0" smtClean="0"/>
+          </a:p>
+          <a:p>
+            <a:pPr lvl="1"/>
+            <a:endParaRPr lang="en-US" dirty="0" smtClean="0"/>
+          </a:p>
+          <a:p>
+            <a:pPr lvl="1"/>
+            <a:endParaRPr lang="en-US" dirty="0" smtClean="0"/>
+          </a:p>
+        </p:txBody>
+      </p:sp>
+      <p:sp>
+        <p:nvSpPr>
+          <p:cNvPr id="3" name="Titel 2"/>
+          <p:cNvSpPr>
+            <a:spLocks noGrp="1"/>
+          </p:cNvSpPr>
+          <p:nvPr>
+            <p:ph type="title"/>
+          </p:nvPr>
+        </p:nvSpPr>
+        <p:spPr/>
+        <p:txBody>
+          <a:bodyPr/>
+          <a:lstStyle/>
+          <a:p>
+            <a:pPr algn="l"/>
+            <a:r>
+              <a:rPr lang="en-US" dirty="0" smtClean="0"/>
+              <a:t>11.01.21</a:t>
+            </a:r>
+            <a:endParaRPr lang="en-US" dirty="0"/>
+          </a:p>
+        </p:txBody>
+      </p:sp>
+      <p:sp>
+        <p:nvSpPr>
+          <p:cNvPr id="4" name="Inhaltsplatzhalter 3"/>
+          <p:cNvSpPr>
+            <a:spLocks noGrp="1"/>
+          </p:cNvSpPr>
+          <p:nvPr>
+            <p:ph sz="half" idx="10"/>
+          </p:nvPr>
+        </p:nvSpPr>
+        <p:spPr/>
+        <p:txBody>
+          <a:bodyPr/>
+          <a:lstStyle/>
+          <a:p>
+            <a:endParaRPr lang="en-US" dirty="0"/>
+          </a:p>
+          <a:p>
+            <a:pPr lvl="1"/>
+            <a:r>
+              <a:rPr lang="en-US" dirty="0" smtClean="0"/>
+              <a:t>Feedback </a:t>
+            </a:r>
+            <a:r>
+              <a:rPr lang="en-US" dirty="0" err="1" smtClean="0"/>
+              <a:t>zu</a:t>
+            </a:r>
+            <a:r>
+              <a:rPr lang="en-US" dirty="0" smtClean="0"/>
+              <a:t> den </a:t>
+            </a:r>
+            <a:r>
+              <a:rPr lang="en-US" dirty="0" err="1" smtClean="0"/>
+              <a:t>Ideen</a:t>
+            </a:r>
+            <a:r>
+              <a:rPr lang="en-US" dirty="0" smtClean="0"/>
+              <a:t> die </a:t>
+            </a:r>
+            <a:r>
+              <a:rPr lang="en-US" dirty="0" err="1" smtClean="0"/>
+              <a:t>ich</a:t>
+            </a:r>
+            <a:r>
+              <a:rPr lang="en-US" dirty="0" smtClean="0"/>
+              <a:t> </a:t>
+            </a:r>
+            <a:r>
+              <a:rPr lang="en-US" dirty="0" err="1" smtClean="0"/>
+              <a:t>entwickelt</a:t>
+            </a:r>
+            <a:r>
+              <a:rPr lang="en-US" dirty="0" smtClean="0"/>
+              <a:t> </a:t>
+            </a:r>
+            <a:r>
+              <a:rPr lang="en-US" dirty="0" err="1" smtClean="0"/>
+              <a:t>habe</a:t>
+            </a:r>
+            <a:r>
+              <a:rPr lang="en-US" dirty="0" smtClean="0"/>
+              <a:t> </a:t>
+            </a:r>
+          </a:p>
+          <a:p>
+            <a:pPr lvl="1"/>
+            <a:r>
+              <a:rPr lang="en-US" dirty="0" err="1" smtClean="0"/>
+              <a:t>Sieht</a:t>
+            </a:r>
+            <a:r>
+              <a:rPr lang="en-US" dirty="0" smtClean="0"/>
+              <a:t> </a:t>
+            </a:r>
+            <a:r>
+              <a:rPr lang="en-US" dirty="0" err="1" smtClean="0"/>
+              <a:t>er</a:t>
+            </a:r>
+            <a:r>
+              <a:rPr lang="en-US" dirty="0" smtClean="0"/>
+              <a:t> </a:t>
+            </a:r>
+            <a:r>
+              <a:rPr lang="en-US" dirty="0" err="1" smtClean="0"/>
+              <a:t>irgendwo</a:t>
+            </a:r>
+            <a:r>
+              <a:rPr lang="en-US" dirty="0" smtClean="0"/>
+              <a:t> was was </a:t>
+            </a:r>
+            <a:r>
+              <a:rPr lang="en-US" dirty="0" err="1" smtClean="0"/>
+              <a:t>keinen</a:t>
+            </a:r>
+            <a:r>
+              <a:rPr lang="en-US" dirty="0" smtClean="0"/>
+              <a:t> Sinn </a:t>
+            </a:r>
+            <a:r>
+              <a:rPr lang="en-US" dirty="0" err="1" smtClean="0"/>
+              <a:t>macht</a:t>
+            </a:r>
+            <a:r>
+              <a:rPr lang="en-US" dirty="0" smtClean="0"/>
+              <a:t>?/die </a:t>
+            </a:r>
+            <a:r>
+              <a:rPr lang="en-US" dirty="0" err="1" smtClean="0"/>
+              <a:t>Logik</a:t>
+            </a:r>
+            <a:r>
+              <a:rPr lang="en-US" dirty="0" smtClean="0"/>
+              <a:t> </a:t>
+            </a:r>
+            <a:r>
+              <a:rPr lang="en-US" dirty="0" err="1" smtClean="0"/>
+              <a:t>nicht</a:t>
+            </a:r>
+            <a:r>
+              <a:rPr lang="en-US" dirty="0" smtClean="0"/>
+              <a:t> </a:t>
+            </a:r>
+            <a:r>
+              <a:rPr lang="en-US" dirty="0" err="1" smtClean="0"/>
+              <a:t>stimmt</a:t>
+            </a:r>
+            <a:r>
+              <a:rPr lang="en-US" dirty="0" smtClean="0"/>
+              <a:t>?</a:t>
+            </a:r>
+          </a:p>
+          <a:p>
+            <a:pPr lvl="1"/>
+            <a:r>
+              <a:rPr lang="en-US" dirty="0" err="1" smtClean="0"/>
+              <a:t>Sieht</a:t>
+            </a:r>
+            <a:r>
+              <a:rPr lang="en-US" dirty="0" smtClean="0"/>
+              <a:t> </a:t>
+            </a:r>
+            <a:r>
+              <a:rPr lang="en-US" dirty="0" err="1" smtClean="0"/>
+              <a:t>er</a:t>
+            </a:r>
+            <a:r>
+              <a:rPr lang="en-US" dirty="0" smtClean="0"/>
+              <a:t> </a:t>
+            </a:r>
+            <a:r>
+              <a:rPr lang="en-US" dirty="0" err="1" smtClean="0"/>
+              <a:t>Fehler</a:t>
+            </a:r>
+            <a:endParaRPr lang="en-US" dirty="0" smtClean="0"/>
+          </a:p>
+          <a:p>
+            <a:pPr lvl="1"/>
+            <a:r>
+              <a:rPr lang="en-US" dirty="0" smtClean="0"/>
+              <a:t>Hat </a:t>
+            </a:r>
+            <a:r>
+              <a:rPr lang="en-US" dirty="0" err="1" smtClean="0"/>
+              <a:t>er</a:t>
+            </a:r>
+            <a:r>
+              <a:rPr lang="en-US" dirty="0" smtClean="0"/>
+              <a:t> </a:t>
+            </a:r>
+            <a:r>
+              <a:rPr lang="en-US" dirty="0" err="1" smtClean="0"/>
+              <a:t>noch</a:t>
+            </a:r>
+            <a:r>
+              <a:rPr lang="en-US" dirty="0" smtClean="0"/>
+              <a:t> </a:t>
+            </a:r>
+            <a:r>
+              <a:rPr lang="en-US" dirty="0" err="1" smtClean="0"/>
+              <a:t>ideen</a:t>
+            </a:r>
+            <a:r>
+              <a:rPr lang="en-US" dirty="0" smtClean="0"/>
+              <a:t> </a:t>
+            </a:r>
+            <a:r>
+              <a:rPr lang="en-US" dirty="0" err="1" smtClean="0"/>
+              <a:t>wie</a:t>
+            </a:r>
+            <a:r>
+              <a:rPr lang="en-US" dirty="0" smtClean="0"/>
+              <a:t> man was </a:t>
+            </a:r>
+            <a:r>
+              <a:rPr lang="en-US" dirty="0" err="1" smtClean="0"/>
+              <a:t>anders</a:t>
+            </a:r>
+            <a:r>
+              <a:rPr lang="en-US" dirty="0" smtClean="0"/>
+              <a:t> </a:t>
+            </a:r>
+            <a:r>
+              <a:rPr lang="en-US" dirty="0" err="1" smtClean="0"/>
+              <a:t>machen</a:t>
+            </a:r>
+            <a:r>
+              <a:rPr lang="en-US" dirty="0" smtClean="0"/>
+              <a:t> </a:t>
+            </a:r>
+            <a:r>
+              <a:rPr lang="en-US" dirty="0" err="1" smtClean="0"/>
+              <a:t>könnte</a:t>
+            </a:r>
+            <a:r>
+              <a:rPr lang="en-US" dirty="0" smtClean="0"/>
+              <a:t>?</a:t>
+            </a:r>
+            <a:endParaRPr lang="en-US" dirty="0"/>
+          </a:p>
+        </p:txBody>
+      </p:sp>
+    </p:spTree>
+    <p:extLst>
+      <p:ext uri="{BB962C8B-B14F-4D97-AF65-F5344CB8AC3E}">
+        <p14:creationId xmlns:p14="http://schemas.microsoft.com/office/powerpoint/2010/main" val="3302882041"/>
+      </p:ext>
+    </p:extLst>
+  </p:cSld>
+  <p:clrMapOvr>
+    <a:masterClrMapping/>
+  </p:clrMapOvr>
+</p:sld>
+</file>
+
+<file path=ppt/slides/slide7.xml><?xml version="1.0" encoding="utf-8"?>
+<p:sld xmlns:a="http://schemas.openxmlformats.org/drawingml/2006/main" xmlns:r="http://schemas.openxmlformats.org/officeDocument/2006/relationships" xmlns:p="http://schemas.openxmlformats.org/presentationml/2006/main">
+  <p:cSld>
+    <p:spTree>
+      <p:nvGrpSpPr>
+        <p:cNvPr id="1" name=""/>
+        <p:cNvGrpSpPr/>
+        <p:nvPr/>
+      </p:nvGrpSpPr>
+      <p:grpSpPr>
+        <a:xfrm>
+          <a:off x="0" y="0"/>
+          <a:ext cx="0" cy="0"/>
+          <a:chOff x="0" y="0"/>
+          <a:chExt cx="0" cy="0"/>
+        </a:xfrm>
+      </p:grpSpPr>
+      <p:sp>
+        <p:nvSpPr>
+          <p:cNvPr id="2" name="Titel 1"/>
+          <p:cNvSpPr>
+            <a:spLocks noGrp="1"/>
+          </p:cNvSpPr>
+          <p:nvPr>
+            <p:ph type="title"/>
+          </p:nvPr>
+        </p:nvSpPr>
+        <p:spPr/>
+        <p:txBody>
+          <a:bodyPr/>
+          <a:lstStyle/>
+          <a:p>
+            <a:r>
+              <a:rPr lang="en-US" dirty="0" smtClean="0"/>
+              <a:t>Meeting: 11.01.21</a:t>
+            </a:r>
+            <a:endParaRPr lang="en-US" dirty="0"/>
+          </a:p>
+        </p:txBody>
+      </p:sp>
+      <p:sp>
+        <p:nvSpPr>
+          <p:cNvPr id="3" name="Textfeld 2"/>
+          <p:cNvSpPr txBox="1"/>
+          <p:nvPr/>
+        </p:nvSpPr>
+        <p:spPr>
+          <a:xfrm>
+            <a:off x="457200" y="1181365"/>
+            <a:ext cx="8229600" cy="3416320"/>
+          </a:xfrm>
+          <a:prstGeom prst="rect">
+            <a:avLst/>
+          </a:prstGeom>
+          <a:noFill/>
+        </p:spPr>
+        <p:txBody>
+          <a:bodyPr wrap="square" rtlCol="0">
+            <a:spAutoFit/>
+          </a:bodyPr>
+          <a:lstStyle/>
+          <a:p>
+            <a:pPr marL="285750" indent="-285750">
+              <a:buFont typeface="Arial"/>
+              <a:buChar char="•"/>
+            </a:pPr>
+            <a:r>
+              <a:rPr lang="en-US" dirty="0" err="1" smtClean="0"/>
+              <a:t>Geht</a:t>
+            </a:r>
+            <a:r>
+              <a:rPr lang="en-US" dirty="0" smtClean="0"/>
+              <a:t> </a:t>
+            </a:r>
+            <a:r>
+              <a:rPr lang="en-US" dirty="0" err="1" smtClean="0"/>
+              <a:t>schon</a:t>
+            </a:r>
+            <a:r>
+              <a:rPr lang="en-US" dirty="0" smtClean="0"/>
+              <a:t> um den </a:t>
+            </a:r>
+            <a:r>
+              <a:rPr lang="en-US" dirty="0" err="1" smtClean="0"/>
+              <a:t>Sachverhalt</a:t>
+            </a:r>
+            <a:r>
+              <a:rPr lang="en-US" dirty="0" smtClean="0"/>
+              <a:t>: also </a:t>
+            </a:r>
+            <a:r>
+              <a:rPr lang="en-US" dirty="0" err="1" smtClean="0"/>
+              <a:t>nicht</a:t>
+            </a:r>
+            <a:r>
+              <a:rPr lang="en-US" dirty="0" smtClean="0"/>
+              <a:t> </a:t>
+            </a:r>
+            <a:r>
+              <a:rPr lang="en-US" dirty="0" err="1" smtClean="0"/>
+              <a:t>nur</a:t>
+            </a:r>
+            <a:r>
+              <a:rPr lang="en-US" dirty="0" smtClean="0"/>
+              <a:t> um die accuracy -&gt; </a:t>
+            </a:r>
+            <a:r>
+              <a:rPr lang="en-US" dirty="0" err="1" smtClean="0"/>
+              <a:t>macht</a:t>
+            </a:r>
+            <a:r>
+              <a:rPr lang="en-US" dirty="0" smtClean="0"/>
+              <a:t> </a:t>
+            </a:r>
+            <a:r>
+              <a:rPr lang="en-US" dirty="0" err="1" smtClean="0"/>
+              <a:t>für</a:t>
+            </a:r>
+            <a:r>
+              <a:rPr lang="en-US" dirty="0" smtClean="0"/>
+              <a:t> </a:t>
+            </a:r>
+            <a:r>
+              <a:rPr lang="en-US" dirty="0" err="1" smtClean="0"/>
+              <a:t>keinen</a:t>
+            </a:r>
+            <a:r>
+              <a:rPr lang="en-US" dirty="0" smtClean="0"/>
+              <a:t> Sinn </a:t>
+            </a:r>
+          </a:p>
+          <a:p>
+            <a:pPr marL="285750" indent="-285750">
+              <a:buFont typeface="Arial"/>
+              <a:buChar char="•"/>
+            </a:pPr>
+            <a:r>
+              <a:rPr lang="en-US" dirty="0" err="1" smtClean="0"/>
+              <a:t>Grundproblem</a:t>
+            </a:r>
+            <a:r>
+              <a:rPr lang="en-US" dirty="0" smtClean="0"/>
+              <a:t>: </a:t>
+            </a:r>
+            <a:r>
+              <a:rPr lang="en-US" dirty="0" err="1" smtClean="0"/>
+              <a:t>Daten</a:t>
+            </a:r>
+            <a:r>
+              <a:rPr lang="en-US" dirty="0" smtClean="0"/>
+              <a:t> </a:t>
+            </a:r>
+            <a:r>
+              <a:rPr lang="en-US" dirty="0" err="1" smtClean="0"/>
+              <a:t>sind</a:t>
+            </a:r>
+            <a:r>
+              <a:rPr lang="en-US" dirty="0" smtClean="0"/>
+              <a:t> </a:t>
+            </a:r>
+            <a:r>
+              <a:rPr lang="en-US" dirty="0" err="1" smtClean="0"/>
+              <a:t>schon</a:t>
+            </a:r>
+            <a:r>
+              <a:rPr lang="en-US" dirty="0" smtClean="0"/>
+              <a:t> da -&gt; </a:t>
+            </a:r>
+            <a:r>
+              <a:rPr lang="en-US" dirty="0" err="1" smtClean="0"/>
+              <a:t>nicht</a:t>
+            </a:r>
+            <a:r>
+              <a:rPr lang="en-US" dirty="0" smtClean="0"/>
+              <a:t> so </a:t>
+            </a:r>
+            <a:r>
+              <a:rPr lang="en-US" dirty="0" err="1" smtClean="0"/>
+              <a:t>einfach</a:t>
+            </a:r>
+            <a:r>
+              <a:rPr lang="en-US" dirty="0" smtClean="0"/>
+              <a:t> </a:t>
+            </a:r>
+            <a:r>
+              <a:rPr lang="en-US" dirty="0" err="1" smtClean="0"/>
+              <a:t>Kausalität</a:t>
+            </a:r>
+            <a:r>
+              <a:rPr lang="en-US" dirty="0" smtClean="0"/>
+              <a:t> </a:t>
+            </a:r>
+            <a:r>
+              <a:rPr lang="en-US" dirty="0" err="1" smtClean="0"/>
+              <a:t>zu</a:t>
+            </a:r>
+            <a:r>
+              <a:rPr lang="en-US" dirty="0" smtClean="0"/>
+              <a:t> </a:t>
+            </a:r>
+            <a:r>
+              <a:rPr lang="en-US" dirty="0" err="1" smtClean="0"/>
+              <a:t>machen</a:t>
+            </a:r>
+            <a:r>
+              <a:rPr lang="en-US" dirty="0" smtClean="0"/>
+              <a:t> </a:t>
+            </a:r>
+          </a:p>
+          <a:p>
+            <a:pPr marL="285750" indent="-285750">
+              <a:buFont typeface="Arial"/>
+              <a:buChar char="•"/>
+            </a:pPr>
+            <a:r>
+              <a:rPr lang="en-US" dirty="0" err="1" smtClean="0"/>
+              <a:t>Methodik</a:t>
+            </a:r>
+            <a:r>
+              <a:rPr lang="en-US" dirty="0" smtClean="0"/>
+              <a:t> </a:t>
+            </a:r>
+            <a:r>
+              <a:rPr lang="en-US" dirty="0" err="1" smtClean="0"/>
+              <a:t>ist</a:t>
+            </a:r>
+            <a:r>
+              <a:rPr lang="en-US" dirty="0" smtClean="0"/>
+              <a:t> </a:t>
+            </a:r>
+            <a:r>
+              <a:rPr lang="en-US" dirty="0" err="1" smtClean="0"/>
+              <a:t>im</a:t>
+            </a:r>
+            <a:r>
+              <a:rPr lang="en-US" dirty="0" smtClean="0"/>
+              <a:t> </a:t>
+            </a:r>
+            <a:r>
+              <a:rPr lang="en-US" dirty="0" err="1" smtClean="0"/>
+              <a:t>vordergrund</a:t>
+            </a:r>
+            <a:r>
+              <a:rPr lang="en-US" dirty="0" smtClean="0"/>
+              <a:t> und am </a:t>
+            </a:r>
+            <a:r>
+              <a:rPr lang="en-US" dirty="0" err="1" smtClean="0"/>
+              <a:t>ende</a:t>
+            </a:r>
+            <a:r>
+              <a:rPr lang="en-US" dirty="0" smtClean="0"/>
+              <a:t> </a:t>
+            </a:r>
+            <a:r>
+              <a:rPr lang="en-US" dirty="0" err="1" smtClean="0"/>
+              <a:t>vergleicht</a:t>
+            </a:r>
+            <a:r>
+              <a:rPr lang="en-US" dirty="0" smtClean="0"/>
+              <a:t> man </a:t>
+            </a:r>
+            <a:r>
+              <a:rPr lang="en-US" dirty="0" err="1"/>
+              <a:t>v</a:t>
+            </a:r>
+            <a:r>
+              <a:rPr lang="en-US" dirty="0" err="1" smtClean="0"/>
+              <a:t>llt</a:t>
+            </a:r>
+            <a:r>
+              <a:rPr lang="en-US" dirty="0" smtClean="0"/>
+              <a:t> die accuracy </a:t>
+            </a:r>
+          </a:p>
+          <a:p>
+            <a:pPr marL="285750" indent="-285750">
+              <a:buFont typeface="Arial"/>
+              <a:buChar char="•"/>
+            </a:pPr>
+            <a:endParaRPr lang="en-US" dirty="0"/>
+          </a:p>
+          <a:p>
+            <a:pPr marL="285750" indent="-285750">
+              <a:buFont typeface="Arial"/>
+              <a:buChar char="•"/>
+            </a:pPr>
+            <a:endParaRPr lang="en-US" dirty="0" smtClean="0"/>
+          </a:p>
+          <a:p>
+            <a:pPr marL="285750" indent="-285750">
+              <a:buFont typeface="Arial"/>
+              <a:buChar char="•"/>
+            </a:pPr>
+            <a:r>
+              <a:rPr lang="en-US" dirty="0" smtClean="0"/>
+              <a:t>Die </a:t>
+            </a:r>
+            <a:r>
+              <a:rPr lang="en-US" dirty="0" err="1"/>
+              <a:t>G</a:t>
+            </a:r>
+            <a:r>
+              <a:rPr lang="en-US" dirty="0" err="1" smtClean="0"/>
+              <a:t>radienten</a:t>
+            </a:r>
+            <a:r>
+              <a:rPr lang="en-US" dirty="0" smtClean="0"/>
+              <a:t> </a:t>
+            </a:r>
+            <a:r>
+              <a:rPr lang="en-US" dirty="0" err="1" smtClean="0"/>
+              <a:t>rauszusieben</a:t>
+            </a:r>
+            <a:r>
+              <a:rPr lang="en-US" dirty="0" smtClean="0"/>
+              <a:t> </a:t>
+            </a:r>
+            <a:r>
+              <a:rPr lang="en-US" dirty="0" err="1" smtClean="0"/>
+              <a:t>etc</a:t>
+            </a:r>
+            <a:r>
+              <a:rPr lang="en-US" dirty="0" smtClean="0"/>
+              <a:t> </a:t>
+            </a:r>
+            <a:r>
+              <a:rPr lang="en-US" dirty="0" err="1" smtClean="0"/>
+              <a:t>lassen</a:t>
+            </a:r>
+            <a:r>
+              <a:rPr lang="en-US" dirty="0" smtClean="0"/>
+              <a:t> </a:t>
+            </a:r>
+            <a:r>
+              <a:rPr lang="en-US" dirty="0" err="1" smtClean="0"/>
+              <a:t>wir</a:t>
+            </a:r>
+            <a:r>
+              <a:rPr lang="en-US" dirty="0" smtClean="0"/>
+              <a:t> </a:t>
+            </a:r>
+            <a:r>
+              <a:rPr lang="en-US" dirty="0" err="1" smtClean="0"/>
+              <a:t>weg</a:t>
+            </a:r>
+            <a:r>
+              <a:rPr lang="en-US" dirty="0" smtClean="0"/>
+              <a:t>: </a:t>
+            </a:r>
+            <a:r>
+              <a:rPr lang="en-US" dirty="0" err="1" smtClean="0"/>
+              <a:t>eher</a:t>
+            </a:r>
+            <a:r>
+              <a:rPr lang="en-US" dirty="0" smtClean="0"/>
+              <a:t> die </a:t>
+            </a:r>
+            <a:r>
+              <a:rPr lang="en-US" dirty="0" err="1" smtClean="0"/>
+              <a:t>einzelnen</a:t>
+            </a:r>
+            <a:r>
+              <a:rPr lang="en-US" dirty="0" smtClean="0"/>
+              <a:t> Inputs </a:t>
+            </a:r>
+            <a:r>
+              <a:rPr lang="en-US" dirty="0" err="1" smtClean="0"/>
+              <a:t>verändern</a:t>
+            </a:r>
+            <a:r>
+              <a:rPr lang="en-US" dirty="0" smtClean="0"/>
+              <a:t> (</a:t>
+            </a:r>
+            <a:r>
+              <a:rPr lang="en-US" dirty="0" err="1" smtClean="0"/>
+              <a:t>linke</a:t>
+            </a:r>
+            <a:r>
+              <a:rPr lang="en-US" dirty="0" smtClean="0"/>
+              <a:t> </a:t>
+            </a:r>
+            <a:r>
+              <a:rPr lang="en-US" dirty="0" err="1" smtClean="0"/>
+              <a:t>Seite</a:t>
+            </a:r>
+            <a:r>
+              <a:rPr lang="en-US" dirty="0" smtClean="0"/>
+              <a:t> auf </a:t>
+            </a:r>
+            <a:r>
+              <a:rPr lang="en-US" dirty="0" err="1" smtClean="0"/>
+              <a:t>dem</a:t>
+            </a:r>
+            <a:r>
+              <a:rPr lang="en-US" dirty="0" smtClean="0"/>
+              <a:t> </a:t>
+            </a:r>
+            <a:r>
+              <a:rPr lang="en-US" dirty="0" err="1" smtClean="0"/>
+              <a:t>Miro</a:t>
+            </a:r>
+            <a:r>
+              <a:rPr lang="en-US" dirty="0" smtClean="0"/>
+              <a:t> board) </a:t>
+            </a:r>
+          </a:p>
+          <a:p>
+            <a:pPr marL="742950" lvl="1" indent="-285750">
+              <a:buFont typeface="Arial"/>
+              <a:buChar char="•"/>
+            </a:pPr>
+            <a:r>
+              <a:rPr lang="en-US" dirty="0" err="1" smtClean="0"/>
+              <a:t>Bei</a:t>
+            </a:r>
+            <a:r>
+              <a:rPr lang="en-US" dirty="0" smtClean="0"/>
+              <a:t> Inputs: </a:t>
+            </a:r>
+            <a:r>
+              <a:rPr lang="en-US" dirty="0" err="1" smtClean="0"/>
+              <a:t>schaue</a:t>
+            </a:r>
+            <a:r>
+              <a:rPr lang="en-US" dirty="0" smtClean="0"/>
+              <a:t> </a:t>
+            </a:r>
+            <a:r>
+              <a:rPr lang="en-US" dirty="0" err="1" smtClean="0"/>
+              <a:t>ich</a:t>
+            </a:r>
+            <a:r>
+              <a:rPr lang="en-US" dirty="0" smtClean="0"/>
+              <a:t> </a:t>
+            </a:r>
+            <a:r>
+              <a:rPr lang="en-US" dirty="0" err="1" smtClean="0"/>
+              <a:t>welche</a:t>
+            </a:r>
+            <a:r>
+              <a:rPr lang="en-US" dirty="0" smtClean="0"/>
+              <a:t> </a:t>
+            </a:r>
+            <a:r>
+              <a:rPr lang="en-US" dirty="0" err="1" smtClean="0"/>
+              <a:t>teile</a:t>
+            </a:r>
+            <a:r>
+              <a:rPr lang="en-US" dirty="0" smtClean="0"/>
+              <a:t> des </a:t>
+            </a:r>
+            <a:r>
+              <a:rPr lang="en-US" dirty="0" err="1" smtClean="0"/>
+              <a:t>gradienten</a:t>
+            </a:r>
+            <a:r>
+              <a:rPr lang="en-US" dirty="0" smtClean="0"/>
+              <a:t> Sinn </a:t>
+            </a:r>
+            <a:r>
+              <a:rPr lang="en-US" dirty="0" err="1" smtClean="0"/>
+              <a:t>gemacht</a:t>
+            </a:r>
+            <a:r>
+              <a:rPr lang="en-US" dirty="0" smtClean="0"/>
+              <a:t> </a:t>
+            </a:r>
+            <a:r>
+              <a:rPr lang="en-US" dirty="0" err="1" smtClean="0"/>
+              <a:t>haben</a:t>
+            </a:r>
+            <a:r>
+              <a:rPr lang="en-US" dirty="0" smtClean="0"/>
+              <a:t> </a:t>
+            </a:r>
+          </a:p>
+          <a:p>
+            <a:pPr marL="742950" lvl="1" indent="-285750">
+              <a:buFont typeface="Arial"/>
+              <a:buChar char="•"/>
+            </a:pPr>
+            <a:r>
+              <a:rPr lang="en-US" dirty="0" err="1" smtClean="0"/>
+              <a:t>Bei</a:t>
+            </a:r>
+            <a:r>
+              <a:rPr lang="en-US" dirty="0" smtClean="0"/>
+              <a:t> gradient: </a:t>
+            </a:r>
+            <a:r>
+              <a:rPr lang="en-US" dirty="0" err="1" smtClean="0"/>
+              <a:t>bewerte</a:t>
+            </a:r>
+            <a:r>
+              <a:rPr lang="en-US" dirty="0" smtClean="0"/>
+              <a:t> </a:t>
+            </a:r>
+            <a:r>
+              <a:rPr lang="en-US" dirty="0" err="1" smtClean="0"/>
+              <a:t>ich</a:t>
+            </a:r>
+            <a:r>
+              <a:rPr lang="en-US" dirty="0" smtClean="0"/>
+              <a:t> </a:t>
+            </a:r>
+            <a:r>
+              <a:rPr lang="en-US" dirty="0" err="1" smtClean="0"/>
+              <a:t>ganze</a:t>
+            </a:r>
+            <a:r>
+              <a:rPr lang="en-US" dirty="0" smtClean="0"/>
+              <a:t> samples (</a:t>
+            </a:r>
+            <a:r>
+              <a:rPr lang="en-US" dirty="0" err="1" smtClean="0"/>
+              <a:t>weniger</a:t>
+            </a:r>
+            <a:r>
+              <a:rPr lang="en-US" dirty="0" smtClean="0"/>
+              <a:t> relevant)</a:t>
+            </a:r>
+          </a:p>
+          <a:p>
+            <a:pPr marL="742950" lvl="1" indent="-285750">
+              <a:buFont typeface="Arial"/>
+              <a:buChar char="•"/>
+            </a:pPr>
+            <a:endParaRPr lang="en-US" dirty="0"/>
+          </a:p>
+          <a:p>
+            <a:endParaRPr lang="en-US" dirty="0"/>
+          </a:p>
+        </p:txBody>
+      </p:sp>
+    </p:spTree>
+    <p:extLst>
+      <p:ext uri="{BB962C8B-B14F-4D97-AF65-F5344CB8AC3E}">
+        <p14:creationId xmlns:p14="http://schemas.microsoft.com/office/powerpoint/2010/main" val="714071043"/>
+      </p:ext>
+    </p:extLst>
+  </p:cSld>
+  <p:clrMapOvr>
+    <a:masterClrMapping/>
+  </p:clrMapOvr>
+</p:sld>
+</file>
+
+<file path=ppt/slides/slide8.xml><?xml version="1.0" encoding="utf-8"?>
+<p:sld xmlns:a="http://schemas.openxmlformats.org/drawingml/2006/main" xmlns:r="http://schemas.openxmlformats.org/officeDocument/2006/relationships" xmlns:p="http://schemas.openxmlformats.org/presentationml/2006/main">
+  <p:cSld>
+    <p:spTree>
+      <p:nvGrpSpPr>
+        <p:cNvPr id="1" name=""/>
+        <p:cNvGrpSpPr/>
+        <p:nvPr/>
+      </p:nvGrpSpPr>
+      <p:grpSpPr>
+        <a:xfrm>
+          <a:off x="0" y="0"/>
+          <a:ext cx="0" cy="0"/>
+          <a:chOff x="0" y="0"/>
+          <a:chExt cx="0" cy="0"/>
+        </a:xfrm>
+      </p:grpSpPr>
+      <p:sp>
+        <p:nvSpPr>
+          <p:cNvPr id="2" name="Titel 1"/>
+          <p:cNvSpPr>
+            <a:spLocks noGrp="1"/>
+          </p:cNvSpPr>
+          <p:nvPr>
+            <p:ph type="title"/>
+          </p:nvPr>
+        </p:nvSpPr>
+        <p:spPr/>
+        <p:txBody>
+          <a:bodyPr/>
+          <a:lstStyle/>
+          <a:p>
+            <a:r>
+              <a:rPr lang="en-US" dirty="0" smtClean="0"/>
+              <a:t>Meeting: 11.01.21</a:t>
+            </a:r>
+            <a:endParaRPr lang="en-US" dirty="0"/>
+          </a:p>
+        </p:txBody>
+      </p:sp>
+      <p:sp>
+        <p:nvSpPr>
+          <p:cNvPr id="3" name="Textfeld 2"/>
+          <p:cNvSpPr txBox="1"/>
+          <p:nvPr/>
+        </p:nvSpPr>
+        <p:spPr>
+          <a:xfrm>
+            <a:off x="457200" y="1181365"/>
+            <a:ext cx="8229600" cy="3416320"/>
+          </a:xfrm>
+          <a:prstGeom prst="rect">
+            <a:avLst/>
+          </a:prstGeom>
+          <a:noFill/>
+        </p:spPr>
+        <p:txBody>
+          <a:bodyPr wrap="square" rtlCol="0">
+            <a:spAutoFit/>
+          </a:bodyPr>
+          <a:lstStyle/>
+          <a:p>
+            <a:pPr marL="285750" indent="-285750">
+              <a:buFont typeface="Arial"/>
+              <a:buChar char="•"/>
+            </a:pPr>
+            <a:r>
+              <a:rPr lang="en-US" dirty="0" smtClean="0"/>
+              <a:t>Man </a:t>
+            </a:r>
+            <a:r>
+              <a:rPr lang="en-US" dirty="0" err="1"/>
+              <a:t>müsste</a:t>
+            </a:r>
+            <a:r>
+              <a:rPr lang="en-US" dirty="0"/>
+              <a:t> </a:t>
+            </a:r>
+            <a:r>
+              <a:rPr lang="en-US" dirty="0" err="1"/>
+              <a:t>sich</a:t>
+            </a:r>
+            <a:r>
+              <a:rPr lang="en-US" dirty="0"/>
+              <a:t> die counterfactuals </a:t>
+            </a:r>
+            <a:r>
+              <a:rPr lang="en-US" dirty="0" err="1"/>
+              <a:t>testen</a:t>
+            </a:r>
+            <a:r>
+              <a:rPr lang="en-US" dirty="0"/>
+              <a:t> </a:t>
+            </a:r>
+            <a:r>
+              <a:rPr lang="en-US" dirty="0" err="1"/>
+              <a:t>indem</a:t>
+            </a:r>
+            <a:r>
+              <a:rPr lang="en-US" dirty="0"/>
+              <a:t> man </a:t>
+            </a:r>
+            <a:r>
+              <a:rPr lang="en-US" dirty="0" err="1"/>
+              <a:t>versteht</a:t>
+            </a:r>
+            <a:r>
+              <a:rPr lang="en-US" dirty="0"/>
+              <a:t> was </a:t>
+            </a:r>
+            <a:r>
+              <a:rPr lang="en-US" dirty="0" err="1"/>
+              <a:t>eigentlich</a:t>
+            </a:r>
+            <a:r>
+              <a:rPr lang="en-US" dirty="0"/>
+              <a:t> </a:t>
+            </a:r>
+            <a:r>
+              <a:rPr lang="en-US" dirty="0" err="1"/>
+              <a:t>bei</a:t>
+            </a:r>
+            <a:r>
+              <a:rPr lang="en-US" dirty="0"/>
+              <a:t> den counterfactuals </a:t>
+            </a:r>
+            <a:r>
+              <a:rPr lang="en-US" dirty="0" err="1"/>
+              <a:t>rauskommen</a:t>
+            </a:r>
+            <a:r>
+              <a:rPr lang="en-US" dirty="0"/>
+              <a:t> </a:t>
+            </a:r>
+            <a:r>
+              <a:rPr lang="en-US" dirty="0" err="1"/>
+              <a:t>müsste</a:t>
+            </a:r>
+            <a:endParaRPr lang="en-US" dirty="0"/>
+          </a:p>
+          <a:p>
+            <a:pPr marL="742950" lvl="1" indent="-285750">
+              <a:buFont typeface="Arial"/>
+              <a:buChar char="•"/>
+            </a:pPr>
+            <a:r>
+              <a:rPr lang="en-US" dirty="0"/>
+              <a:t>Also </a:t>
+            </a:r>
+            <a:r>
+              <a:rPr lang="en-US" dirty="0" err="1"/>
+              <a:t>aus</a:t>
+            </a:r>
+            <a:r>
+              <a:rPr lang="en-US" dirty="0"/>
+              <a:t> </a:t>
+            </a:r>
+            <a:r>
+              <a:rPr lang="en-US" dirty="0" err="1" smtClean="0"/>
+              <a:t>Daten</a:t>
+            </a:r>
+            <a:r>
+              <a:rPr lang="en-US" dirty="0" smtClean="0"/>
+              <a:t> </a:t>
+            </a:r>
+            <a:r>
+              <a:rPr lang="en-US" dirty="0"/>
+              <a:t>die </a:t>
+            </a:r>
+            <a:r>
+              <a:rPr lang="en-US" dirty="0" err="1"/>
+              <a:t>richtige</a:t>
+            </a:r>
+            <a:r>
+              <a:rPr lang="en-US" dirty="0"/>
+              <a:t> </a:t>
+            </a:r>
+            <a:r>
+              <a:rPr lang="en-US" dirty="0" err="1" smtClean="0"/>
+              <a:t>Antwort</a:t>
+            </a:r>
+            <a:r>
+              <a:rPr lang="en-US" dirty="0" smtClean="0"/>
+              <a:t> </a:t>
+            </a:r>
+            <a:r>
+              <a:rPr lang="en-US" dirty="0" err="1"/>
+              <a:t>für</a:t>
+            </a:r>
+            <a:r>
+              <a:rPr lang="en-US" dirty="0"/>
+              <a:t> die counterfactuals </a:t>
+            </a:r>
+            <a:r>
+              <a:rPr lang="en-US" dirty="0" err="1"/>
+              <a:t>generieren</a:t>
+            </a:r>
+            <a:r>
+              <a:rPr lang="en-US" dirty="0"/>
+              <a:t> </a:t>
+            </a:r>
+          </a:p>
+          <a:p>
+            <a:pPr marL="742950" lvl="1" indent="-285750">
+              <a:buFont typeface="Arial"/>
+              <a:buChar char="•"/>
+            </a:pPr>
+            <a:r>
+              <a:rPr lang="en-US" dirty="0" err="1" smtClean="0"/>
+              <a:t>Wenn</a:t>
+            </a:r>
+            <a:r>
+              <a:rPr lang="en-US" dirty="0" smtClean="0"/>
+              <a:t> </a:t>
+            </a:r>
+            <a:r>
+              <a:rPr lang="en-US" dirty="0" err="1" smtClean="0"/>
+              <a:t>ich</a:t>
+            </a:r>
+            <a:r>
+              <a:rPr lang="en-US" dirty="0" smtClean="0"/>
+              <a:t> counterfactuals </a:t>
+            </a:r>
+            <a:r>
+              <a:rPr lang="en-US" dirty="0" err="1" smtClean="0"/>
+              <a:t>einsetze</a:t>
+            </a:r>
+            <a:r>
+              <a:rPr lang="en-US" dirty="0" smtClean="0"/>
+              <a:t> muss </a:t>
+            </a:r>
+            <a:r>
+              <a:rPr lang="en-US" dirty="0" err="1" smtClean="0"/>
+              <a:t>ich</a:t>
+            </a:r>
+            <a:r>
+              <a:rPr lang="en-US" dirty="0" smtClean="0"/>
+              <a:t> </a:t>
+            </a:r>
+            <a:r>
+              <a:rPr lang="en-US" dirty="0" err="1" smtClean="0"/>
+              <a:t>verstehen</a:t>
+            </a:r>
+            <a:r>
+              <a:rPr lang="en-US" dirty="0" smtClean="0"/>
+              <a:t> was </a:t>
+            </a:r>
+            <a:r>
+              <a:rPr lang="en-US" dirty="0" err="1" smtClean="0"/>
+              <a:t>rauskommen</a:t>
+            </a:r>
+            <a:r>
+              <a:rPr lang="en-US" dirty="0" smtClean="0"/>
+              <a:t> </a:t>
+            </a:r>
+            <a:r>
+              <a:rPr lang="en-US" dirty="0" err="1" smtClean="0"/>
+              <a:t>müsste</a:t>
+            </a:r>
+            <a:r>
+              <a:rPr lang="en-US" dirty="0" smtClean="0"/>
+              <a:t> </a:t>
+            </a:r>
+            <a:r>
+              <a:rPr lang="en-US" dirty="0" err="1" smtClean="0"/>
+              <a:t>damit</a:t>
+            </a:r>
+            <a:r>
+              <a:rPr lang="en-US" dirty="0" smtClean="0"/>
+              <a:t> </a:t>
+            </a:r>
+            <a:r>
+              <a:rPr lang="en-US" dirty="0" err="1" smtClean="0"/>
+              <a:t>ich</a:t>
+            </a:r>
+            <a:r>
+              <a:rPr lang="en-US" dirty="0" smtClean="0"/>
+              <a:t> den influence </a:t>
+            </a:r>
+            <a:r>
+              <a:rPr lang="en-US" dirty="0" err="1" smtClean="0"/>
+              <a:t>messen</a:t>
+            </a:r>
+            <a:r>
+              <a:rPr lang="en-US" dirty="0" smtClean="0"/>
+              <a:t> </a:t>
+            </a:r>
+            <a:r>
+              <a:rPr lang="en-US" dirty="0" err="1" smtClean="0"/>
+              <a:t>kann</a:t>
+            </a:r>
+            <a:r>
+              <a:rPr lang="en-US" dirty="0" smtClean="0"/>
+              <a:t>: </a:t>
+            </a:r>
+            <a:r>
+              <a:rPr lang="en-US" dirty="0" err="1" smtClean="0"/>
+              <a:t>kam</a:t>
+            </a:r>
+            <a:r>
+              <a:rPr lang="en-US" dirty="0" smtClean="0"/>
+              <a:t> das </a:t>
+            </a:r>
+            <a:r>
+              <a:rPr lang="en-US" dirty="0" err="1" smtClean="0"/>
+              <a:t>richtige</a:t>
+            </a:r>
+            <a:r>
+              <a:rPr lang="en-US" dirty="0" smtClean="0"/>
+              <a:t> </a:t>
+            </a:r>
+            <a:r>
+              <a:rPr lang="en-US" dirty="0" err="1" smtClean="0"/>
+              <a:t>raus</a:t>
+            </a:r>
+            <a:r>
+              <a:rPr lang="en-US" dirty="0" smtClean="0"/>
+              <a:t>? </a:t>
+            </a:r>
+            <a:r>
+              <a:rPr lang="en-US" dirty="0" err="1" smtClean="0"/>
+              <a:t>Ja</a:t>
+            </a:r>
+            <a:r>
+              <a:rPr lang="en-US" dirty="0" smtClean="0"/>
+              <a:t> nein? </a:t>
+            </a:r>
+          </a:p>
+          <a:p>
+            <a:pPr marL="742950" lvl="1" indent="-285750">
+              <a:buFont typeface="Arial"/>
+              <a:buChar char="•"/>
+            </a:pPr>
+            <a:r>
+              <a:rPr lang="en-US" dirty="0" smtClean="0"/>
+              <a:t>Die </a:t>
+            </a:r>
+            <a:r>
+              <a:rPr lang="en-US" dirty="0" err="1" smtClean="0"/>
+              <a:t>richtige</a:t>
+            </a:r>
+            <a:r>
+              <a:rPr lang="en-US" dirty="0" smtClean="0"/>
+              <a:t> </a:t>
+            </a:r>
+            <a:r>
+              <a:rPr lang="en-US" dirty="0" err="1" smtClean="0"/>
+              <a:t>Antwort</a:t>
+            </a:r>
+            <a:r>
+              <a:rPr lang="en-US" dirty="0" smtClean="0"/>
+              <a:t> </a:t>
+            </a:r>
+            <a:r>
+              <a:rPr lang="en-US" dirty="0" err="1" smtClean="0"/>
+              <a:t>generieren</a:t>
+            </a:r>
+            <a:r>
+              <a:rPr lang="en-US" dirty="0" smtClean="0"/>
+              <a:t> </a:t>
+            </a:r>
+            <a:r>
+              <a:rPr lang="en-US" dirty="0" err="1" smtClean="0"/>
+              <a:t>indem</a:t>
+            </a:r>
+            <a:r>
+              <a:rPr lang="en-US" dirty="0" smtClean="0"/>
+              <a:t> man </a:t>
+            </a:r>
+            <a:r>
+              <a:rPr lang="en-US" dirty="0" err="1" smtClean="0"/>
+              <a:t>sie</a:t>
+            </a:r>
+            <a:r>
+              <a:rPr lang="en-US" dirty="0" smtClean="0"/>
+              <a:t> </a:t>
+            </a:r>
+            <a:r>
+              <a:rPr lang="en-US" dirty="0" err="1" smtClean="0"/>
+              <a:t>aus</a:t>
+            </a:r>
+            <a:r>
+              <a:rPr lang="en-US" dirty="0" smtClean="0"/>
+              <a:t> den </a:t>
+            </a:r>
+            <a:r>
+              <a:rPr lang="en-US" dirty="0" err="1" smtClean="0"/>
+              <a:t>bestehenden</a:t>
+            </a:r>
+            <a:r>
+              <a:rPr lang="en-US" dirty="0" smtClean="0"/>
+              <a:t> </a:t>
+            </a:r>
+            <a:r>
+              <a:rPr lang="en-US" dirty="0" err="1" smtClean="0"/>
+              <a:t>daten</a:t>
+            </a:r>
+            <a:r>
+              <a:rPr lang="en-US" dirty="0" smtClean="0"/>
+              <a:t> </a:t>
+            </a:r>
+            <a:r>
+              <a:rPr lang="en-US" dirty="0" err="1" smtClean="0"/>
+              <a:t>approximiert</a:t>
+            </a:r>
+            <a:r>
+              <a:rPr lang="en-US" dirty="0" smtClean="0"/>
+              <a:t> </a:t>
+            </a:r>
+          </a:p>
+          <a:p>
+            <a:pPr marL="285750" indent="-285750">
+              <a:buFont typeface="Arial"/>
+              <a:buChar char="•"/>
+            </a:pPr>
+            <a:r>
+              <a:rPr lang="en-US" dirty="0" err="1" smtClean="0"/>
+              <a:t>Bewertung</a:t>
+            </a:r>
+            <a:r>
+              <a:rPr lang="en-US" dirty="0" smtClean="0"/>
+              <a:t> der Counterfactuals </a:t>
+            </a:r>
+            <a:r>
+              <a:rPr lang="en-US" dirty="0" err="1" smtClean="0"/>
+              <a:t>über</a:t>
+            </a:r>
+            <a:r>
+              <a:rPr lang="en-US" dirty="0" smtClean="0"/>
+              <a:t> loss function </a:t>
+            </a:r>
+          </a:p>
+          <a:p>
+            <a:pPr marL="742950" lvl="1" indent="-285750">
+              <a:buFont typeface="Arial"/>
+              <a:buChar char="•"/>
+            </a:pPr>
+            <a:r>
+              <a:rPr lang="en-US" dirty="0" smtClean="0"/>
+              <a:t> Update in </a:t>
+            </a:r>
+            <a:r>
+              <a:rPr lang="en-US" dirty="0" err="1" smtClean="0"/>
+              <a:t>meinem</a:t>
+            </a:r>
+            <a:r>
+              <a:rPr lang="en-US" dirty="0" smtClean="0"/>
+              <a:t> system und </a:t>
+            </a:r>
+            <a:r>
+              <a:rPr lang="en-US" dirty="0" err="1" smtClean="0"/>
+              <a:t>schaue</a:t>
+            </a:r>
+            <a:r>
+              <a:rPr lang="en-US" dirty="0" smtClean="0"/>
+              <a:t> </a:t>
+            </a:r>
+            <a:r>
+              <a:rPr lang="en-US" dirty="0" err="1" smtClean="0"/>
+              <a:t>ob</a:t>
+            </a:r>
+            <a:r>
+              <a:rPr lang="en-US" dirty="0" smtClean="0"/>
+              <a:t> die loss function </a:t>
+            </a:r>
+            <a:r>
+              <a:rPr lang="en-US" dirty="0" err="1" smtClean="0"/>
+              <a:t>runter</a:t>
+            </a:r>
+            <a:r>
+              <a:rPr lang="en-US" dirty="0" smtClean="0"/>
+              <a:t> </a:t>
+            </a:r>
+            <a:r>
+              <a:rPr lang="en-US" dirty="0" err="1" smtClean="0"/>
+              <a:t>geht</a:t>
+            </a:r>
+            <a:r>
+              <a:rPr lang="en-US" dirty="0" smtClean="0"/>
+              <a:t> </a:t>
+            </a:r>
+          </a:p>
+          <a:p>
+            <a:pPr marL="742950" lvl="1" indent="-285750">
+              <a:buFont typeface="Arial"/>
+              <a:buChar char="•"/>
+            </a:pPr>
+            <a:r>
+              <a:rPr lang="en-US" dirty="0" smtClean="0"/>
+              <a:t>Was </a:t>
+            </a:r>
+            <a:r>
+              <a:rPr lang="en-US" dirty="0" err="1" smtClean="0"/>
+              <a:t>ist</a:t>
+            </a:r>
+            <a:r>
+              <a:rPr lang="en-US" dirty="0" smtClean="0"/>
+              <a:t> </a:t>
+            </a:r>
+            <a:r>
+              <a:rPr lang="en-US" dirty="0" err="1" smtClean="0"/>
+              <a:t>mein</a:t>
+            </a:r>
+            <a:r>
+              <a:rPr lang="en-US" dirty="0" smtClean="0"/>
+              <a:t> </a:t>
+            </a:r>
+            <a:r>
+              <a:rPr lang="en-US" dirty="0" err="1"/>
+              <a:t>E</a:t>
+            </a:r>
+            <a:r>
+              <a:rPr lang="en-US" dirty="0" err="1" smtClean="0"/>
+              <a:t>influss</a:t>
+            </a:r>
+            <a:r>
+              <a:rPr lang="en-US" dirty="0" smtClean="0"/>
+              <a:t> auf die </a:t>
+            </a:r>
+            <a:r>
+              <a:rPr lang="en-US" dirty="0"/>
+              <a:t>L</a:t>
+            </a:r>
+            <a:r>
+              <a:rPr lang="en-US" dirty="0" smtClean="0"/>
+              <a:t>oss function? </a:t>
+            </a:r>
+            <a:endParaRPr lang="en-US" dirty="0"/>
+          </a:p>
+          <a:p>
+            <a:pPr marL="742950" lvl="1" indent="-285750">
+              <a:buFont typeface="Arial"/>
+              <a:buChar char="•"/>
+            </a:pPr>
+            <a:r>
+              <a:rPr lang="en-US" dirty="0" smtClean="0"/>
+              <a:t>Gradient word </a:t>
+            </a:r>
+            <a:r>
+              <a:rPr lang="en-US" dirty="0" err="1" smtClean="0"/>
+              <a:t>über</a:t>
+            </a:r>
+            <a:r>
+              <a:rPr lang="en-US" dirty="0" smtClean="0"/>
+              <a:t> loss-reduction </a:t>
+            </a:r>
+            <a:r>
+              <a:rPr lang="en-US" dirty="0" err="1" smtClean="0"/>
+              <a:t>bewertet</a:t>
+            </a:r>
+            <a:r>
+              <a:rPr lang="en-US" dirty="0" smtClean="0"/>
+              <a:t> </a:t>
+            </a:r>
+            <a:endParaRPr lang="en-US" dirty="0"/>
+          </a:p>
+          <a:p>
+            <a:pPr marL="285750" indent="-285750">
+              <a:buFont typeface="Arial"/>
+              <a:buChar char="•"/>
+            </a:pPr>
+            <a:endParaRPr lang="en-US" dirty="0"/>
+          </a:p>
+        </p:txBody>
+      </p:sp>
+    </p:spTree>
+    <p:extLst>
+      <p:ext uri="{BB962C8B-B14F-4D97-AF65-F5344CB8AC3E}">
+        <p14:creationId xmlns:p14="http://schemas.microsoft.com/office/powerpoint/2010/main" val="1598944734"/>
       </p:ext>
     </p:extLst>
   </p:cSld>

--- a/MeetingNotes.pptx
+++ b/MeetingNotes.pptx
@@ -636,7 +636,7 @@
           <a:p>
             <a:fld id="{907AEC89-51F8-8C49-8F5C-7B8970AE8955}" type="datetimeFigureOut">
               <a:rPr lang="de-DE" smtClean="0"/>
-              <a:t>25.01.21</a:t>
+              <a:t>06.02.21</a:t>
             </a:fld>
             <a:endParaRPr lang="en-US"/>
           </a:p>
@@ -806,7 +806,7 @@
           <a:p>
             <a:fld id="{907AEC89-51F8-8C49-8F5C-7B8970AE8955}" type="datetimeFigureOut">
               <a:rPr lang="de-DE" smtClean="0"/>
-              <a:t>25.01.21</a:t>
+              <a:t>06.02.21</a:t>
             </a:fld>
             <a:endParaRPr lang="en-US"/>
           </a:p>
@@ -986,7 +986,7 @@
           <a:p>
             <a:fld id="{907AEC89-51F8-8C49-8F5C-7B8970AE8955}" type="datetimeFigureOut">
               <a:rPr lang="de-DE" smtClean="0"/>
-              <a:t>25.01.21</a:t>
+              <a:t>06.02.21</a:t>
             </a:fld>
             <a:endParaRPr lang="en-US"/>
           </a:p>
@@ -1104,7 +1104,7 @@
           <a:p>
             <a:fld id="{907AEC89-51F8-8C49-8F5C-7B8970AE8955}" type="datetimeFigureOut">
               <a:rPr lang="de-DE" smtClean="0"/>
-              <a:t>25.01.21</a:t>
+              <a:t>06.02.21</a:t>
             </a:fld>
             <a:endParaRPr lang="en-US"/>
           </a:p>
@@ -1424,7 +1424,7 @@
           <a:p>
             <a:fld id="{907AEC89-51F8-8C49-8F5C-7B8970AE8955}" type="datetimeFigureOut">
               <a:rPr lang="de-DE" smtClean="0"/>
-              <a:t>25.01.21</a:t>
+              <a:t>06.02.21</a:t>
             </a:fld>
             <a:endParaRPr lang="en-US"/>
           </a:p>
@@ -1976,7 +1976,7 @@
           <a:p>
             <a:fld id="{907AEC89-51F8-8C49-8F5C-7B8970AE8955}" type="datetimeFigureOut">
               <a:rPr lang="de-DE" smtClean="0"/>
-              <a:t>25.01.21</a:t>
+              <a:t>06.02.21</a:t>
             </a:fld>
             <a:endParaRPr lang="en-US"/>
           </a:p>
@@ -2398,7 +2398,7 @@
           <a:p>
             <a:fld id="{907AEC89-51F8-8C49-8F5C-7B8970AE8955}" type="datetimeFigureOut">
               <a:rPr lang="de-DE" smtClean="0"/>
-              <a:t>25.01.21</a:t>
+              <a:t>06.02.21</a:t>
             </a:fld>
             <a:endParaRPr lang="en-US"/>
           </a:p>
@@ -2516,7 +2516,7 @@
           <a:p>
             <a:fld id="{907AEC89-51F8-8C49-8F5C-7B8970AE8955}" type="datetimeFigureOut">
               <a:rPr lang="de-DE" smtClean="0"/>
-              <a:t>25.01.21</a:t>
+              <a:t>06.02.21</a:t>
             </a:fld>
             <a:endParaRPr lang="en-US"/>
           </a:p>
@@ -2611,7 +2611,7 @@
           <a:p>
             <a:fld id="{907AEC89-51F8-8C49-8F5C-7B8970AE8955}" type="datetimeFigureOut">
               <a:rPr lang="de-DE" smtClean="0"/>
-              <a:t>25.01.21</a:t>
+              <a:t>06.02.21</a:t>
             </a:fld>
             <a:endParaRPr lang="en-US"/>
           </a:p>
@@ -2888,7 +2888,7 @@
           <a:p>
             <a:fld id="{907AEC89-51F8-8C49-8F5C-7B8970AE8955}" type="datetimeFigureOut">
               <a:rPr lang="de-DE" smtClean="0"/>
-              <a:t>25.01.21</a:t>
+              <a:t>06.02.21</a:t>
             </a:fld>
             <a:endParaRPr lang="en-US"/>
           </a:p>
@@ -3101,7 +3101,7 @@
           <a:p>
             <a:fld id="{907AEC89-51F8-8C49-8F5C-7B8970AE8955}" type="datetimeFigureOut">
               <a:rPr lang="de-DE" smtClean="0"/>
-              <a:t>25.01.21</a:t>
+              <a:t>06.02.21</a:t>
             </a:fld>
             <a:endParaRPr lang="en-US"/>
           </a:p>
@@ -6691,11 +6691,7 @@
             </a:r>
             <a:r>
               <a:rPr lang="en-US" dirty="0" smtClean="0"/>
-              <a:t>?</a:t>
-            </a:r>
-            <a:r>
-              <a:rPr lang="en-US" dirty="0" smtClean="0"/>
-              <a:t> </a:t>
+              <a:t>? </a:t>
             </a:r>
           </a:p>
           <a:p>
@@ -7956,7 +7952,11 @@
             </a:pPr>
             <a:r>
               <a:rPr lang="en-US" dirty="0" smtClean="0"/>
-              <a:t> Update in </a:t>
+              <a:t>Update </a:t>
+            </a:r>
+            <a:r>
+              <a:rPr lang="en-US" dirty="0" smtClean="0"/>
+              <a:t>in </a:t>
             </a:r>
             <a:r>
               <a:rPr lang="en-US" dirty="0" err="1" smtClean="0"/>
@@ -8053,7 +8053,15 @@
             </a:pPr>
             <a:r>
               <a:rPr lang="en-US" dirty="0" smtClean="0"/>
-              <a:t>Gradient word </a:t>
+              <a:t>Gradient </a:t>
+            </a:r>
+            <a:r>
+              <a:rPr lang="en-US" dirty="0" err="1" smtClean="0"/>
+              <a:t>wird</a:t>
+            </a:r>
+            <a:r>
+              <a:rPr lang="en-US" dirty="0" smtClean="0"/>
+              <a:t> </a:t>
             </a:r>
             <a:r>
               <a:rPr lang="en-US" dirty="0" err="1" smtClean="0"/>

--- a/MeetingNotes.pptx
+++ b/MeetingNotes.pptx
@@ -13,6 +13,9 @@
     <p:sldId id="261" r:id="rId7"/>
     <p:sldId id="262" r:id="rId8"/>
     <p:sldId id="263" r:id="rId9"/>
+    <p:sldId id="264" r:id="rId10"/>
+    <p:sldId id="265" r:id="rId11"/>
+    <p:sldId id="266" r:id="rId12"/>
   </p:sldIdLst>
   <p:sldSz cx="9144000" cy="5715000" type="screen16x10"/>
   <p:notesSz cx="6858000" cy="9144000"/>
@@ -636,7 +639,7 @@
           <a:p>
             <a:fld id="{907AEC89-51F8-8C49-8F5C-7B8970AE8955}" type="datetimeFigureOut">
               <a:rPr lang="de-DE" smtClean="0"/>
-              <a:t>06.02.21</a:t>
+              <a:t>08.02.21</a:t>
             </a:fld>
             <a:endParaRPr lang="en-US"/>
           </a:p>
@@ -806,7 +809,7 @@
           <a:p>
             <a:fld id="{907AEC89-51F8-8C49-8F5C-7B8970AE8955}" type="datetimeFigureOut">
               <a:rPr lang="de-DE" smtClean="0"/>
-              <a:t>06.02.21</a:t>
+              <a:t>08.02.21</a:t>
             </a:fld>
             <a:endParaRPr lang="en-US"/>
           </a:p>
@@ -986,7 +989,7 @@
           <a:p>
             <a:fld id="{907AEC89-51F8-8C49-8F5C-7B8970AE8955}" type="datetimeFigureOut">
               <a:rPr lang="de-DE" smtClean="0"/>
-              <a:t>06.02.21</a:t>
+              <a:t>08.02.21</a:t>
             </a:fld>
             <a:endParaRPr lang="en-US"/>
           </a:p>
@@ -1104,7 +1107,7 @@
           <a:p>
             <a:fld id="{907AEC89-51F8-8C49-8F5C-7B8970AE8955}" type="datetimeFigureOut">
               <a:rPr lang="de-DE" smtClean="0"/>
-              <a:t>06.02.21</a:t>
+              <a:t>08.02.21</a:t>
             </a:fld>
             <a:endParaRPr lang="en-US"/>
           </a:p>
@@ -1424,7 +1427,7 @@
           <a:p>
             <a:fld id="{907AEC89-51F8-8C49-8F5C-7B8970AE8955}" type="datetimeFigureOut">
               <a:rPr lang="de-DE" smtClean="0"/>
-              <a:t>06.02.21</a:t>
+              <a:t>08.02.21</a:t>
             </a:fld>
             <a:endParaRPr lang="en-US"/>
           </a:p>
@@ -1976,7 +1979,7 @@
           <a:p>
             <a:fld id="{907AEC89-51F8-8C49-8F5C-7B8970AE8955}" type="datetimeFigureOut">
               <a:rPr lang="de-DE" smtClean="0"/>
-              <a:t>06.02.21</a:t>
+              <a:t>08.02.21</a:t>
             </a:fld>
             <a:endParaRPr lang="en-US"/>
           </a:p>
@@ -2398,7 +2401,7 @@
           <a:p>
             <a:fld id="{907AEC89-51F8-8C49-8F5C-7B8970AE8955}" type="datetimeFigureOut">
               <a:rPr lang="de-DE" smtClean="0"/>
-              <a:t>06.02.21</a:t>
+              <a:t>08.02.21</a:t>
             </a:fld>
             <a:endParaRPr lang="en-US"/>
           </a:p>
@@ -2516,7 +2519,7 @@
           <a:p>
             <a:fld id="{907AEC89-51F8-8C49-8F5C-7B8970AE8955}" type="datetimeFigureOut">
               <a:rPr lang="de-DE" smtClean="0"/>
-              <a:t>06.02.21</a:t>
+              <a:t>08.02.21</a:t>
             </a:fld>
             <a:endParaRPr lang="en-US"/>
           </a:p>
@@ -2611,7 +2614,7 @@
           <a:p>
             <a:fld id="{907AEC89-51F8-8C49-8F5C-7B8970AE8955}" type="datetimeFigureOut">
               <a:rPr lang="de-DE" smtClean="0"/>
-              <a:t>06.02.21</a:t>
+              <a:t>08.02.21</a:t>
             </a:fld>
             <a:endParaRPr lang="en-US"/>
           </a:p>
@@ -2888,7 +2891,7 @@
           <a:p>
             <a:fld id="{907AEC89-51F8-8C49-8F5C-7B8970AE8955}" type="datetimeFigureOut">
               <a:rPr lang="de-DE" smtClean="0"/>
-              <a:t>06.02.21</a:t>
+              <a:t>08.02.21</a:t>
             </a:fld>
             <a:endParaRPr lang="en-US"/>
           </a:p>
@@ -3101,7 +3104,7 @@
           <a:p>
             <a:fld id="{907AEC89-51F8-8C49-8F5C-7B8970AE8955}" type="datetimeFigureOut">
               <a:rPr lang="de-DE" smtClean="0"/>
-              <a:t>06.02.21</a:t>
+              <a:t>08.02.21</a:t>
             </a:fld>
             <a:endParaRPr lang="en-US"/>
           </a:p>
@@ -3513,6 +3516,1419 @@
 </p:sld>
 </file>
 
+<file path=ppt/slides/slide10.xml><?xml version="1.0" encoding="utf-8"?>
+<p:sld xmlns:a="http://schemas.openxmlformats.org/drawingml/2006/main" xmlns:r="http://schemas.openxmlformats.org/officeDocument/2006/relationships" xmlns:p="http://schemas.openxmlformats.org/presentationml/2006/main">
+  <p:cSld>
+    <p:spTree>
+      <p:nvGrpSpPr>
+        <p:cNvPr id="1" name=""/>
+        <p:cNvGrpSpPr/>
+        <p:nvPr/>
+      </p:nvGrpSpPr>
+      <p:grpSpPr>
+        <a:xfrm>
+          <a:off x="0" y="0"/>
+          <a:ext cx="0" cy="0"/>
+          <a:chOff x="0" y="0"/>
+          <a:chExt cx="0" cy="0"/>
+        </a:xfrm>
+      </p:grpSpPr>
+      <p:sp>
+        <p:nvSpPr>
+          <p:cNvPr id="2" name="Titel 1"/>
+          <p:cNvSpPr>
+            <a:spLocks noGrp="1"/>
+          </p:cNvSpPr>
+          <p:nvPr>
+            <p:ph type="title"/>
+          </p:nvPr>
+        </p:nvSpPr>
+        <p:spPr/>
+        <p:txBody>
+          <a:bodyPr/>
+          <a:lstStyle/>
+          <a:p>
+            <a:r>
+              <a:rPr lang="en-US" dirty="0" smtClean="0"/>
+              <a:t>Meeting: </a:t>
+            </a:r>
+            <a:r>
+              <a:rPr lang="en-US" dirty="0" smtClean="0"/>
+              <a:t>08.02</a:t>
+            </a:r>
+            <a:r>
+              <a:rPr lang="en-US" dirty="0" smtClean="0"/>
+              <a:t>.21</a:t>
+            </a:r>
+            <a:endParaRPr lang="en-US" dirty="0"/>
+          </a:p>
+        </p:txBody>
+      </p:sp>
+      <p:sp>
+        <p:nvSpPr>
+          <p:cNvPr id="3" name="Textfeld 2"/>
+          <p:cNvSpPr txBox="1"/>
+          <p:nvPr/>
+        </p:nvSpPr>
+        <p:spPr>
+          <a:xfrm>
+            <a:off x="457200" y="1181365"/>
+            <a:ext cx="8229600" cy="4247317"/>
+          </a:xfrm>
+          <a:prstGeom prst="rect">
+            <a:avLst/>
+          </a:prstGeom>
+          <a:noFill/>
+        </p:spPr>
+        <p:txBody>
+          <a:bodyPr wrap="square" rtlCol="0">
+            <a:spAutoFit/>
+          </a:bodyPr>
+          <a:lstStyle/>
+          <a:p>
+            <a:pPr marL="285750" indent="-285750">
+              <a:buFont typeface="Arial"/>
+              <a:buChar char="•"/>
+            </a:pPr>
+            <a:r>
+              <a:rPr lang="de-DE" dirty="0" err="1"/>
+              <a:t>Counterfactual</a:t>
+            </a:r>
+            <a:r>
+              <a:rPr lang="de-DE" dirty="0"/>
+              <a:t> Explanation </a:t>
+            </a:r>
+            <a:r>
+              <a:rPr lang="de-DE" dirty="0" err="1"/>
+              <a:t>using</a:t>
+            </a:r>
+            <a:r>
+              <a:rPr lang="de-DE" dirty="0"/>
+              <a:t> </a:t>
+            </a:r>
+            <a:r>
+              <a:rPr lang="de-DE" dirty="0" err="1"/>
+              <a:t>generated</a:t>
+            </a:r>
+            <a:r>
+              <a:rPr lang="de-DE" dirty="0"/>
+              <a:t> </a:t>
+            </a:r>
+            <a:r>
+              <a:rPr lang="de-DE" dirty="0" err="1"/>
+              <a:t>ground</a:t>
+            </a:r>
+            <a:r>
+              <a:rPr lang="de-DE" dirty="0"/>
+              <a:t> </a:t>
+            </a:r>
+            <a:r>
+              <a:rPr lang="de-DE" dirty="0" err="1" smtClean="0"/>
+              <a:t>truths</a:t>
+            </a:r>
+            <a:r>
+              <a:rPr lang="de-DE" dirty="0" smtClean="0"/>
+              <a:t>:</a:t>
+            </a:r>
+          </a:p>
+          <a:p>
+            <a:pPr marL="742950" lvl="1" indent="-285750">
+              <a:buFont typeface="Arial"/>
+              <a:buChar char="•"/>
+            </a:pPr>
+            <a:r>
+              <a:rPr lang="de-DE" dirty="0" smtClean="0"/>
+              <a:t>Ändere Inputs </a:t>
+            </a:r>
+            <a:r>
+              <a:rPr lang="de-DE" dirty="0" err="1" smtClean="0"/>
+              <a:t>bzw</a:t>
+            </a:r>
+            <a:r>
+              <a:rPr lang="de-DE" dirty="0" smtClean="0"/>
+              <a:t> packe </a:t>
+            </a:r>
+            <a:r>
+              <a:rPr lang="de-DE" dirty="0" err="1" smtClean="0"/>
+              <a:t>counterfactuals</a:t>
+            </a:r>
+            <a:r>
+              <a:rPr lang="de-DE" dirty="0" smtClean="0"/>
+              <a:t> rein</a:t>
+            </a:r>
+          </a:p>
+          <a:p>
+            <a:pPr marL="742950" lvl="1" indent="-285750">
+              <a:buFont typeface="Arial"/>
+              <a:buChar char="•"/>
+            </a:pPr>
+            <a:r>
+              <a:rPr lang="de-DE" dirty="0" smtClean="0"/>
+              <a:t>Wenn sich </a:t>
+            </a:r>
+            <a:r>
+              <a:rPr lang="de-DE" dirty="0" err="1" smtClean="0"/>
+              <a:t>gradient</a:t>
+            </a:r>
+            <a:r>
+              <a:rPr lang="de-DE" dirty="0" smtClean="0"/>
+              <a:t> verändert = scheiße</a:t>
+            </a:r>
+            <a:endParaRPr lang="en-US" dirty="0" smtClean="0"/>
+          </a:p>
+          <a:p>
+            <a:pPr marL="285750" indent="-285750">
+              <a:buFont typeface="Arial"/>
+              <a:buChar char="•"/>
+            </a:pPr>
+            <a:r>
+              <a:rPr lang="en-US" dirty="0" smtClean="0"/>
+              <a:t>Relationship gradient und loss function: der gradient </a:t>
+            </a:r>
+            <a:r>
+              <a:rPr lang="en-US" dirty="0" err="1" smtClean="0"/>
+              <a:t>zeigt</a:t>
+            </a:r>
+            <a:r>
+              <a:rPr lang="en-US" dirty="0" smtClean="0"/>
+              <a:t> </a:t>
+            </a:r>
+            <a:r>
+              <a:rPr lang="en-US" dirty="0" err="1" smtClean="0"/>
+              <a:t>bei</a:t>
+            </a:r>
+            <a:r>
+              <a:rPr lang="en-US" dirty="0" smtClean="0"/>
+              <a:t> </a:t>
+            </a:r>
+            <a:r>
+              <a:rPr lang="en-US" dirty="0" err="1" smtClean="0"/>
+              <a:t>kleiner</a:t>
+            </a:r>
+            <a:r>
+              <a:rPr lang="en-US" dirty="0" smtClean="0"/>
+              <a:t> step size eh </a:t>
+            </a:r>
+            <a:r>
+              <a:rPr lang="en-US" dirty="0" err="1" smtClean="0"/>
+              <a:t>schon</a:t>
+            </a:r>
+            <a:r>
+              <a:rPr lang="en-US" dirty="0" smtClean="0"/>
+              <a:t> in die </a:t>
+            </a:r>
+            <a:r>
+              <a:rPr lang="en-US" dirty="0" err="1" smtClean="0"/>
+              <a:t>Richtige</a:t>
+            </a:r>
+            <a:r>
+              <a:rPr lang="en-US" dirty="0" smtClean="0"/>
+              <a:t> </a:t>
+            </a:r>
+            <a:r>
+              <a:rPr lang="en-US" dirty="0" err="1" smtClean="0"/>
+              <a:t>richtung</a:t>
+            </a:r>
+            <a:r>
+              <a:rPr lang="en-US" dirty="0" smtClean="0"/>
+              <a:t> </a:t>
+            </a:r>
+          </a:p>
+          <a:p>
+            <a:pPr marL="742950" lvl="1" indent="-285750">
+              <a:buFont typeface="Arial"/>
+              <a:buChar char="•"/>
+            </a:pPr>
+            <a:r>
+              <a:rPr lang="en-US" dirty="0" smtClean="0"/>
+              <a:t>Je </a:t>
+            </a:r>
+            <a:r>
+              <a:rPr lang="en-US" dirty="0" err="1" smtClean="0"/>
+              <a:t>nachdem</a:t>
+            </a:r>
+            <a:r>
+              <a:rPr lang="en-US" dirty="0" smtClean="0"/>
+              <a:t> </a:t>
+            </a:r>
+            <a:r>
+              <a:rPr lang="en-US" dirty="0" err="1" smtClean="0"/>
+              <a:t>wo</a:t>
+            </a:r>
+            <a:r>
+              <a:rPr lang="en-US" dirty="0" smtClean="0"/>
+              <a:t> man den </a:t>
+            </a:r>
+            <a:r>
+              <a:rPr lang="en-US" dirty="0" err="1" smtClean="0"/>
+              <a:t>Kausalitätstest</a:t>
+            </a:r>
+            <a:r>
+              <a:rPr lang="en-US" dirty="0" smtClean="0"/>
+              <a:t> </a:t>
+            </a:r>
+            <a:r>
+              <a:rPr lang="en-US" dirty="0" err="1" smtClean="0"/>
+              <a:t>nutzt</a:t>
+            </a:r>
+            <a:r>
+              <a:rPr lang="en-US" dirty="0" smtClean="0"/>
+              <a:t> (</a:t>
+            </a:r>
+            <a:r>
+              <a:rPr lang="en-US" dirty="0" err="1" smtClean="0"/>
+              <a:t>nach</a:t>
+            </a:r>
+            <a:r>
+              <a:rPr lang="en-US" dirty="0" smtClean="0"/>
+              <a:t> der non-</a:t>
+            </a:r>
+            <a:r>
+              <a:rPr lang="en-US" dirty="0" err="1" smtClean="0"/>
+              <a:t>linearität</a:t>
+            </a:r>
+            <a:r>
+              <a:rPr lang="en-US" dirty="0" smtClean="0"/>
+              <a:t>) </a:t>
+            </a:r>
+            <a:r>
+              <a:rPr lang="en-US" dirty="0" err="1" smtClean="0"/>
+              <a:t>kommt</a:t>
+            </a:r>
+            <a:r>
+              <a:rPr lang="en-US" dirty="0" smtClean="0"/>
+              <a:t> </a:t>
+            </a:r>
+            <a:r>
+              <a:rPr lang="en-US" dirty="0" err="1" smtClean="0"/>
+              <a:t>dann</a:t>
+            </a:r>
+            <a:r>
+              <a:rPr lang="en-US" dirty="0" smtClean="0"/>
+              <a:t> eh </a:t>
+            </a:r>
+            <a:r>
+              <a:rPr lang="en-US" dirty="0" err="1" smtClean="0"/>
+              <a:t>raus</a:t>
+            </a:r>
+            <a:r>
+              <a:rPr lang="en-US" dirty="0" smtClean="0"/>
+              <a:t>, </a:t>
+            </a:r>
+            <a:r>
+              <a:rPr lang="en-US" dirty="0" err="1" smtClean="0"/>
+              <a:t>dass</a:t>
+            </a:r>
+            <a:r>
+              <a:rPr lang="en-US" dirty="0" smtClean="0"/>
+              <a:t> der gradient </a:t>
+            </a:r>
+            <a:r>
+              <a:rPr lang="en-US" dirty="0" err="1" smtClean="0"/>
+              <a:t>Kausal</a:t>
+            </a:r>
+            <a:r>
+              <a:rPr lang="en-US" dirty="0" smtClean="0"/>
+              <a:t> </a:t>
+            </a:r>
+            <a:r>
+              <a:rPr lang="en-US" dirty="0" err="1" smtClean="0"/>
+              <a:t>ist</a:t>
+            </a:r>
+            <a:r>
+              <a:rPr lang="en-US" dirty="0" smtClean="0"/>
+              <a:t> </a:t>
+            </a:r>
+          </a:p>
+          <a:p>
+            <a:pPr marL="742950" lvl="1" indent="-285750">
+              <a:buFont typeface="Arial"/>
+              <a:buChar char="•"/>
+            </a:pPr>
+            <a:r>
+              <a:rPr lang="en-US" dirty="0" smtClean="0"/>
+              <a:t>Der gradient </a:t>
+            </a:r>
+            <a:r>
+              <a:rPr lang="en-US" dirty="0" err="1" smtClean="0"/>
+              <a:t>reduziert</a:t>
+            </a:r>
+            <a:r>
+              <a:rPr lang="en-US" dirty="0" smtClean="0"/>
+              <a:t> </a:t>
+            </a:r>
+            <a:r>
+              <a:rPr lang="en-US" dirty="0" err="1" smtClean="0"/>
+              <a:t>ja</a:t>
+            </a:r>
+            <a:r>
+              <a:rPr lang="en-US" dirty="0" smtClean="0"/>
+              <a:t> </a:t>
+            </a:r>
+            <a:r>
+              <a:rPr lang="en-US" dirty="0" err="1" smtClean="0"/>
+              <a:t>immer</a:t>
+            </a:r>
+            <a:r>
+              <a:rPr lang="en-US" dirty="0" smtClean="0"/>
+              <a:t> die loss-function </a:t>
+            </a:r>
+          </a:p>
+          <a:p>
+            <a:pPr marL="285750" indent="-285750">
+              <a:buFont typeface="Arial"/>
+              <a:buChar char="•"/>
+            </a:pPr>
+            <a:r>
+              <a:rPr lang="en-US" dirty="0" err="1" smtClean="0"/>
+              <a:t>Zielführendere</a:t>
+            </a:r>
+            <a:r>
+              <a:rPr lang="en-US" dirty="0" smtClean="0"/>
+              <a:t> </a:t>
+            </a:r>
+            <a:r>
+              <a:rPr lang="en-US" dirty="0" err="1" smtClean="0"/>
+              <a:t>Idee</a:t>
+            </a:r>
+            <a:r>
+              <a:rPr lang="en-US" dirty="0"/>
+              <a:t> </a:t>
+            </a:r>
+            <a:r>
+              <a:rPr lang="mr-IN" dirty="0" smtClean="0"/>
+              <a:t>–</a:t>
+            </a:r>
+            <a:r>
+              <a:rPr lang="en-US" dirty="0" smtClean="0"/>
+              <a:t> </a:t>
+            </a:r>
+            <a:r>
+              <a:rPr lang="en-US" dirty="0" err="1" smtClean="0"/>
+              <a:t>gleich</a:t>
+            </a:r>
+            <a:r>
+              <a:rPr lang="en-US" dirty="0" smtClean="0"/>
+              <a:t> auf die activation </a:t>
+            </a:r>
+            <a:r>
+              <a:rPr lang="en-US" dirty="0" err="1" smtClean="0"/>
+              <a:t>zu</a:t>
+            </a:r>
+            <a:r>
+              <a:rPr lang="en-US" dirty="0" smtClean="0"/>
+              <a:t> </a:t>
+            </a:r>
+            <a:r>
+              <a:rPr lang="en-US" dirty="0" err="1" smtClean="0"/>
+              <a:t>gehen</a:t>
+            </a:r>
+            <a:r>
+              <a:rPr lang="en-US" dirty="0" smtClean="0"/>
+              <a:t> </a:t>
+            </a:r>
+          </a:p>
+          <a:p>
+            <a:pPr marL="742950" lvl="1" indent="-285750">
+              <a:buFont typeface="Arial"/>
+              <a:buChar char="•"/>
+            </a:pPr>
+            <a:r>
+              <a:rPr lang="en-US" dirty="0" err="1" smtClean="0"/>
+              <a:t>Mit</a:t>
+            </a:r>
+            <a:r>
+              <a:rPr lang="en-US" dirty="0" smtClean="0"/>
+              <a:t> ACE </a:t>
+            </a:r>
+            <a:r>
+              <a:rPr lang="en-US" dirty="0" err="1" smtClean="0"/>
+              <a:t>oder</a:t>
+            </a:r>
+            <a:r>
+              <a:rPr lang="en-US" dirty="0" smtClean="0"/>
+              <a:t> </a:t>
+            </a:r>
+            <a:r>
+              <a:rPr lang="en-US" dirty="0" err="1" smtClean="0"/>
+              <a:t>ähnlichem</a:t>
+            </a:r>
+            <a:r>
+              <a:rPr lang="en-US" dirty="0" smtClean="0"/>
+              <a:t> </a:t>
+            </a:r>
+            <a:r>
+              <a:rPr lang="en-US" dirty="0" err="1" smtClean="0"/>
+              <a:t>zu</a:t>
+            </a:r>
+            <a:r>
+              <a:rPr lang="en-US" dirty="0" smtClean="0"/>
+              <a:t> </a:t>
+            </a:r>
+            <a:r>
+              <a:rPr lang="en-US" dirty="0" err="1" smtClean="0"/>
+              <a:t>testen</a:t>
+            </a:r>
+            <a:r>
+              <a:rPr lang="en-US" dirty="0" smtClean="0"/>
+              <a:t> </a:t>
+            </a:r>
+            <a:r>
+              <a:rPr lang="en-US" dirty="0" err="1" smtClean="0"/>
+              <a:t>ob</a:t>
+            </a:r>
+            <a:r>
+              <a:rPr lang="en-US" dirty="0" smtClean="0"/>
+              <a:t> die activations in </a:t>
+            </a:r>
+            <a:r>
+              <a:rPr lang="en-US" dirty="0" err="1" smtClean="0"/>
+              <a:t>dem</a:t>
+            </a:r>
+            <a:r>
+              <a:rPr lang="en-US" dirty="0" smtClean="0"/>
+              <a:t> NN </a:t>
+            </a:r>
+            <a:r>
+              <a:rPr lang="en-US" dirty="0" err="1" smtClean="0"/>
+              <a:t>kausal</a:t>
+            </a:r>
+            <a:r>
+              <a:rPr lang="en-US" dirty="0" smtClean="0"/>
+              <a:t> </a:t>
+            </a:r>
+            <a:r>
+              <a:rPr lang="en-US" dirty="0" err="1" smtClean="0"/>
+              <a:t>verhalten</a:t>
+            </a:r>
+            <a:r>
+              <a:rPr lang="en-US" dirty="0" smtClean="0"/>
+              <a:t> </a:t>
+            </a:r>
+          </a:p>
+          <a:p>
+            <a:pPr marL="742950" lvl="1" indent="-285750">
+              <a:buFont typeface="Arial"/>
+              <a:buChar char="•"/>
+            </a:pPr>
+            <a:r>
+              <a:rPr lang="en-US" dirty="0" err="1" smtClean="0"/>
+              <a:t>Gibt</a:t>
+            </a:r>
+            <a:r>
+              <a:rPr lang="en-US" dirty="0" smtClean="0"/>
+              <a:t> </a:t>
+            </a:r>
+            <a:r>
+              <a:rPr lang="en-US" dirty="0" err="1" smtClean="0"/>
+              <a:t>es</a:t>
+            </a:r>
+            <a:r>
+              <a:rPr lang="en-US" dirty="0" smtClean="0"/>
+              <a:t> </a:t>
+            </a:r>
+            <a:r>
+              <a:rPr lang="en-US" dirty="0" err="1" smtClean="0"/>
+              <a:t>Neuronen</a:t>
+            </a:r>
+            <a:r>
+              <a:rPr lang="en-US" dirty="0" smtClean="0"/>
+              <a:t> die </a:t>
+            </a:r>
+            <a:r>
+              <a:rPr lang="en-US" dirty="0" err="1" smtClean="0"/>
+              <a:t>sich</a:t>
+            </a:r>
+            <a:r>
+              <a:rPr lang="en-US" dirty="0" smtClean="0"/>
+              <a:t> </a:t>
+            </a:r>
+            <a:r>
+              <a:rPr lang="en-US" dirty="0" err="1" smtClean="0"/>
+              <a:t>weniger</a:t>
+            </a:r>
+            <a:r>
+              <a:rPr lang="en-US" dirty="0" smtClean="0"/>
+              <a:t> </a:t>
+            </a:r>
+            <a:r>
+              <a:rPr lang="en-US" dirty="0" err="1" smtClean="0"/>
+              <a:t>kausal</a:t>
+            </a:r>
+            <a:r>
+              <a:rPr lang="en-US" dirty="0" smtClean="0"/>
+              <a:t> </a:t>
+            </a:r>
+            <a:r>
+              <a:rPr lang="en-US" dirty="0" err="1" smtClean="0"/>
+              <a:t>Verhalten</a:t>
+            </a:r>
+            <a:r>
+              <a:rPr lang="en-US" dirty="0" smtClean="0"/>
+              <a:t>? </a:t>
+            </a:r>
+          </a:p>
+          <a:p>
+            <a:pPr marL="742950" lvl="1" indent="-285750">
+              <a:buFont typeface="Arial"/>
+              <a:buChar char="•"/>
+            </a:pPr>
+            <a:r>
+              <a:rPr lang="en-US" dirty="0" err="1" smtClean="0"/>
+              <a:t>Gibt</a:t>
+            </a:r>
+            <a:r>
+              <a:rPr lang="en-US" dirty="0" smtClean="0"/>
+              <a:t> </a:t>
+            </a:r>
+            <a:r>
+              <a:rPr lang="en-US" dirty="0" err="1" smtClean="0"/>
+              <a:t>es</a:t>
+            </a:r>
+            <a:r>
+              <a:rPr lang="en-US" dirty="0" smtClean="0"/>
+              <a:t> </a:t>
+            </a:r>
+            <a:r>
+              <a:rPr lang="en-US" dirty="0" err="1" smtClean="0"/>
+              <a:t>Neuronen</a:t>
+            </a:r>
+            <a:r>
+              <a:rPr lang="en-US" dirty="0" smtClean="0"/>
+              <a:t> die </a:t>
+            </a:r>
+            <a:r>
+              <a:rPr lang="en-US" dirty="0" err="1" smtClean="0"/>
+              <a:t>für</a:t>
+            </a:r>
+            <a:r>
+              <a:rPr lang="en-US" dirty="0" smtClean="0"/>
+              <a:t> </a:t>
+            </a:r>
+            <a:r>
+              <a:rPr lang="en-US" dirty="0" err="1" smtClean="0"/>
+              <a:t>alles</a:t>
+            </a:r>
+            <a:r>
+              <a:rPr lang="en-US" dirty="0" smtClean="0"/>
+              <a:t> </a:t>
+            </a:r>
+            <a:r>
+              <a:rPr lang="en-US" dirty="0" err="1" smtClean="0"/>
+              <a:t>eine</a:t>
+            </a:r>
+            <a:r>
+              <a:rPr lang="en-US" dirty="0" smtClean="0"/>
+              <a:t> </a:t>
+            </a:r>
+            <a:r>
+              <a:rPr lang="en-US" dirty="0" err="1" smtClean="0"/>
+              <a:t>Rolle</a:t>
+            </a:r>
+            <a:r>
+              <a:rPr lang="en-US" dirty="0" smtClean="0"/>
+              <a:t> </a:t>
+            </a:r>
+            <a:r>
+              <a:rPr lang="en-US" dirty="0" err="1" smtClean="0"/>
+              <a:t>spielen</a:t>
+            </a:r>
+            <a:r>
+              <a:rPr lang="en-US" dirty="0" smtClean="0"/>
+              <a:t> </a:t>
+            </a:r>
+            <a:r>
+              <a:rPr lang="en-US" dirty="0" err="1" smtClean="0"/>
+              <a:t>oder</a:t>
+            </a:r>
+            <a:r>
+              <a:rPr lang="en-US" dirty="0" smtClean="0"/>
+              <a:t> </a:t>
+            </a:r>
+            <a:r>
+              <a:rPr lang="en-US" dirty="0" err="1" smtClean="0"/>
+              <a:t>nur</a:t>
+            </a:r>
+            <a:r>
+              <a:rPr lang="en-US" dirty="0" smtClean="0"/>
+              <a:t> </a:t>
+            </a:r>
+            <a:r>
+              <a:rPr lang="en-US" dirty="0" err="1" smtClean="0"/>
+              <a:t>für</a:t>
+            </a:r>
+            <a:r>
+              <a:rPr lang="en-US" dirty="0" smtClean="0"/>
+              <a:t> </a:t>
+            </a:r>
+            <a:r>
+              <a:rPr lang="en-US" dirty="0" err="1" smtClean="0"/>
+              <a:t>ein</a:t>
+            </a:r>
+            <a:r>
+              <a:rPr lang="en-US" dirty="0" smtClean="0"/>
+              <a:t> </a:t>
+            </a:r>
+            <a:r>
+              <a:rPr lang="en-US" dirty="0" err="1" smtClean="0"/>
+              <a:t>paar</a:t>
+            </a:r>
+            <a:r>
+              <a:rPr lang="en-US" dirty="0" smtClean="0"/>
+              <a:t> samples?</a:t>
+            </a:r>
+          </a:p>
+          <a:p>
+            <a:pPr marL="742950" lvl="1" indent="-285750">
+              <a:buFont typeface="Arial"/>
+              <a:buChar char="•"/>
+            </a:pPr>
+            <a:r>
+              <a:rPr lang="en-US" dirty="0" err="1" smtClean="0"/>
+              <a:t>Allgemein</a:t>
+            </a:r>
+            <a:r>
+              <a:rPr lang="en-US" dirty="0" smtClean="0"/>
+              <a:t> </a:t>
+            </a:r>
+            <a:r>
+              <a:rPr lang="en-US" dirty="0" err="1" smtClean="0"/>
+              <a:t>spannend</a:t>
+            </a:r>
+            <a:r>
+              <a:rPr lang="en-US" dirty="0" smtClean="0"/>
+              <a:t> </a:t>
+            </a:r>
+            <a:r>
+              <a:rPr lang="en-US" dirty="0" err="1" smtClean="0"/>
+              <a:t>wie</a:t>
+            </a:r>
+            <a:r>
+              <a:rPr lang="en-US" dirty="0" smtClean="0"/>
+              <a:t> </a:t>
+            </a:r>
+            <a:r>
+              <a:rPr lang="en-US" dirty="0" err="1" smtClean="0"/>
+              <a:t>diese</a:t>
+            </a:r>
+            <a:r>
+              <a:rPr lang="en-US" dirty="0" smtClean="0"/>
+              <a:t> </a:t>
+            </a:r>
+            <a:r>
+              <a:rPr lang="en-US" dirty="0" err="1" smtClean="0"/>
+              <a:t>sich</a:t>
+            </a:r>
+            <a:r>
+              <a:rPr lang="en-US" dirty="0" smtClean="0"/>
+              <a:t> </a:t>
+            </a:r>
+            <a:r>
+              <a:rPr lang="en-US" dirty="0" err="1" smtClean="0"/>
+              <a:t>verhalten</a:t>
+            </a:r>
+            <a:endParaRPr lang="en-US" dirty="0" smtClean="0"/>
+          </a:p>
+        </p:txBody>
+      </p:sp>
+    </p:spTree>
+    <p:extLst>
+      <p:ext uri="{BB962C8B-B14F-4D97-AF65-F5344CB8AC3E}">
+        <p14:creationId xmlns:p14="http://schemas.microsoft.com/office/powerpoint/2010/main" val="3008981945"/>
+      </p:ext>
+    </p:extLst>
+  </p:cSld>
+  <p:clrMapOvr>
+    <a:masterClrMapping/>
+  </p:clrMapOvr>
+</p:sld>
+</file>
+
+<file path=ppt/slides/slide11.xml><?xml version="1.0" encoding="utf-8"?>
+<p:sld xmlns:a="http://schemas.openxmlformats.org/drawingml/2006/main" xmlns:r="http://schemas.openxmlformats.org/officeDocument/2006/relationships" xmlns:p="http://schemas.openxmlformats.org/presentationml/2006/main">
+  <p:cSld>
+    <p:spTree>
+      <p:nvGrpSpPr>
+        <p:cNvPr id="1" name=""/>
+        <p:cNvGrpSpPr/>
+        <p:nvPr/>
+      </p:nvGrpSpPr>
+      <p:grpSpPr>
+        <a:xfrm>
+          <a:off x="0" y="0"/>
+          <a:ext cx="0" cy="0"/>
+          <a:chOff x="0" y="0"/>
+          <a:chExt cx="0" cy="0"/>
+        </a:xfrm>
+      </p:grpSpPr>
+      <p:sp>
+        <p:nvSpPr>
+          <p:cNvPr id="2" name="Titel 1"/>
+          <p:cNvSpPr>
+            <a:spLocks noGrp="1"/>
+          </p:cNvSpPr>
+          <p:nvPr>
+            <p:ph type="title"/>
+          </p:nvPr>
+        </p:nvSpPr>
+        <p:spPr/>
+        <p:txBody>
+          <a:bodyPr/>
+          <a:lstStyle/>
+          <a:p>
+            <a:r>
+              <a:rPr lang="en-US" dirty="0" smtClean="0"/>
+              <a:t>Meeting: </a:t>
+            </a:r>
+            <a:r>
+              <a:rPr lang="en-US" dirty="0" smtClean="0"/>
+              <a:t>08.02</a:t>
+            </a:r>
+            <a:r>
+              <a:rPr lang="en-US" dirty="0" smtClean="0"/>
+              <a:t>.21</a:t>
+            </a:r>
+            <a:endParaRPr lang="en-US" dirty="0"/>
+          </a:p>
+        </p:txBody>
+      </p:sp>
+      <p:sp>
+        <p:nvSpPr>
+          <p:cNvPr id="3" name="Textfeld 2"/>
+          <p:cNvSpPr txBox="1"/>
+          <p:nvPr/>
+        </p:nvSpPr>
+        <p:spPr>
+          <a:xfrm>
+            <a:off x="457200" y="1181365"/>
+            <a:ext cx="8229600" cy="3970318"/>
+          </a:xfrm>
+          <a:prstGeom prst="rect">
+            <a:avLst/>
+          </a:prstGeom>
+          <a:noFill/>
+        </p:spPr>
+        <p:txBody>
+          <a:bodyPr wrap="square" rtlCol="0">
+            <a:spAutoFit/>
+          </a:bodyPr>
+          <a:lstStyle/>
+          <a:p>
+            <a:pPr marL="285750" indent="-285750">
+              <a:buFont typeface="Arial"/>
+              <a:buChar char="•"/>
+            </a:pPr>
+            <a:r>
+              <a:rPr lang="en-US" dirty="0" err="1" smtClean="0"/>
+              <a:t>Testen</a:t>
+            </a:r>
+            <a:r>
+              <a:rPr lang="en-US" dirty="0" smtClean="0"/>
+              <a:t> der </a:t>
+            </a:r>
+            <a:r>
+              <a:rPr lang="en-US" dirty="0" err="1" smtClean="0"/>
+              <a:t>Kausalität</a:t>
+            </a:r>
+            <a:r>
+              <a:rPr lang="en-US" dirty="0" smtClean="0"/>
+              <a:t>:</a:t>
+            </a:r>
+          </a:p>
+          <a:p>
+            <a:pPr marL="742950" lvl="1" indent="-285750">
+              <a:buFont typeface="Arial"/>
+              <a:buChar char="•"/>
+            </a:pPr>
+            <a:r>
+              <a:rPr lang="en-US" dirty="0" smtClean="0"/>
+              <a:t>Der Test error </a:t>
+            </a:r>
+            <a:r>
+              <a:rPr lang="en-US" dirty="0" err="1" smtClean="0"/>
+              <a:t>sollte</a:t>
+            </a:r>
+            <a:r>
+              <a:rPr lang="en-US" dirty="0" smtClean="0"/>
+              <a:t> </a:t>
+            </a:r>
+            <a:r>
+              <a:rPr lang="en-US" dirty="0" err="1" smtClean="0"/>
+              <a:t>kleiner</a:t>
+            </a:r>
+            <a:r>
+              <a:rPr lang="en-US" dirty="0" smtClean="0"/>
+              <a:t> </a:t>
+            </a:r>
+            <a:r>
+              <a:rPr lang="en-US" dirty="0" err="1" smtClean="0"/>
+              <a:t>werden</a:t>
+            </a:r>
+            <a:r>
+              <a:rPr lang="en-US" dirty="0" smtClean="0"/>
+              <a:t> </a:t>
+            </a:r>
+          </a:p>
+          <a:p>
+            <a:pPr marL="742950" lvl="1" indent="-285750">
+              <a:buFont typeface="Arial"/>
+              <a:buChar char="•"/>
+            </a:pPr>
+            <a:r>
+              <a:rPr lang="en-US" dirty="0" smtClean="0"/>
+              <a:t>Der training error </a:t>
+            </a:r>
+            <a:r>
+              <a:rPr lang="en-US" dirty="0" err="1" smtClean="0"/>
+              <a:t>eher</a:t>
+            </a:r>
+            <a:r>
+              <a:rPr lang="en-US" dirty="0" smtClean="0"/>
+              <a:t> </a:t>
+            </a:r>
+            <a:r>
+              <a:rPr lang="en-US" dirty="0" err="1" smtClean="0"/>
+              <a:t>größer</a:t>
+            </a:r>
+            <a:r>
+              <a:rPr lang="en-US" dirty="0" smtClean="0"/>
+              <a:t> </a:t>
+            </a:r>
+          </a:p>
+          <a:p>
+            <a:pPr marL="285750" indent="-285750">
+              <a:buFont typeface="Arial"/>
+              <a:buChar char="•"/>
+            </a:pPr>
+            <a:r>
+              <a:rPr lang="en-US" dirty="0" smtClean="0"/>
+              <a:t>Der </a:t>
+            </a:r>
+            <a:r>
+              <a:rPr lang="en-US" dirty="0" err="1" smtClean="0"/>
+              <a:t>normale</a:t>
+            </a:r>
+            <a:r>
+              <a:rPr lang="en-US" dirty="0" smtClean="0"/>
+              <a:t> </a:t>
+            </a:r>
+            <a:r>
+              <a:rPr lang="en-US" dirty="0" err="1" smtClean="0"/>
+              <a:t>vgl</a:t>
+            </a:r>
+            <a:r>
+              <a:rPr lang="en-US" dirty="0" smtClean="0"/>
+              <a:t>. </a:t>
+            </a:r>
+            <a:r>
+              <a:rPr lang="en-US" dirty="0" err="1" smtClean="0"/>
+              <a:t>Zwischen</a:t>
+            </a:r>
+            <a:r>
+              <a:rPr lang="en-US" dirty="0" smtClean="0"/>
+              <a:t> Training und </a:t>
+            </a:r>
+            <a:r>
+              <a:rPr lang="en-US" dirty="0" err="1" smtClean="0"/>
+              <a:t>Testerror</a:t>
+            </a:r>
+            <a:r>
+              <a:rPr lang="en-US" dirty="0" smtClean="0"/>
+              <a:t> </a:t>
+            </a:r>
+            <a:r>
+              <a:rPr lang="en-US" dirty="0" err="1" smtClean="0"/>
+              <a:t>hält</a:t>
+            </a:r>
+            <a:r>
+              <a:rPr lang="en-US" dirty="0" smtClean="0"/>
+              <a:t> </a:t>
+            </a:r>
+            <a:r>
+              <a:rPr lang="en-US" dirty="0" err="1" smtClean="0"/>
+              <a:t>nicht</a:t>
+            </a:r>
+            <a:r>
+              <a:rPr lang="en-US" dirty="0" smtClean="0"/>
+              <a:t> </a:t>
+            </a:r>
+            <a:r>
+              <a:rPr lang="en-US" dirty="0" err="1" smtClean="0"/>
+              <a:t>mehr</a:t>
+            </a:r>
+            <a:r>
+              <a:rPr lang="en-US" dirty="0" smtClean="0"/>
+              <a:t> </a:t>
+            </a:r>
+          </a:p>
+          <a:p>
+            <a:pPr marL="285750" indent="-285750">
+              <a:buFont typeface="Arial"/>
+              <a:buChar char="•"/>
+            </a:pPr>
+            <a:r>
+              <a:rPr lang="en-US" dirty="0" err="1" smtClean="0"/>
+              <a:t>Kausalität</a:t>
+            </a:r>
+            <a:r>
+              <a:rPr lang="en-US" dirty="0" smtClean="0"/>
+              <a:t> </a:t>
+            </a:r>
+            <a:r>
+              <a:rPr lang="en-US" dirty="0" err="1" smtClean="0"/>
+              <a:t>hilft</a:t>
+            </a:r>
+            <a:r>
+              <a:rPr lang="en-US" dirty="0" smtClean="0"/>
+              <a:t> das NN </a:t>
+            </a:r>
+            <a:r>
+              <a:rPr lang="en-US" dirty="0" err="1" smtClean="0"/>
+              <a:t>zu</a:t>
+            </a:r>
+            <a:r>
+              <a:rPr lang="en-US" dirty="0" smtClean="0"/>
+              <a:t> </a:t>
+            </a:r>
+            <a:r>
+              <a:rPr lang="en-US" dirty="0" err="1" smtClean="0"/>
+              <a:t>generalisieren</a:t>
+            </a:r>
+            <a:r>
+              <a:rPr lang="en-US" dirty="0" smtClean="0"/>
+              <a:t> </a:t>
+            </a:r>
+          </a:p>
+          <a:p>
+            <a:pPr marL="742950" lvl="1" indent="-285750">
+              <a:buFont typeface="Arial"/>
+              <a:buChar char="•"/>
+            </a:pPr>
+            <a:r>
+              <a:rPr lang="en-US" dirty="0" err="1" smtClean="0"/>
+              <a:t>Mindestens</a:t>
+            </a:r>
+            <a:r>
+              <a:rPr lang="en-US" dirty="0" smtClean="0"/>
+              <a:t> </a:t>
+            </a:r>
+            <a:r>
+              <a:rPr lang="en-US" dirty="0" err="1" smtClean="0"/>
+              <a:t>gleich</a:t>
+            </a:r>
+            <a:r>
+              <a:rPr lang="en-US" dirty="0" smtClean="0"/>
+              <a:t> </a:t>
+            </a:r>
+            <a:r>
+              <a:rPr lang="en-US" dirty="0" err="1" smtClean="0"/>
+              <a:t>gutes</a:t>
+            </a:r>
+            <a:r>
+              <a:rPr lang="en-US" dirty="0" smtClean="0"/>
+              <a:t> </a:t>
+            </a:r>
+            <a:r>
+              <a:rPr lang="en-US" dirty="0" err="1" smtClean="0"/>
+              <a:t>verhalten</a:t>
+            </a:r>
+            <a:r>
+              <a:rPr lang="en-US" dirty="0" smtClean="0"/>
+              <a:t> </a:t>
+            </a:r>
+            <a:r>
+              <a:rPr lang="en-US" dirty="0" err="1" smtClean="0"/>
+              <a:t>wenn</a:t>
+            </a:r>
+            <a:r>
+              <a:rPr lang="en-US" dirty="0" smtClean="0"/>
+              <a:t> </a:t>
+            </a:r>
+            <a:r>
+              <a:rPr lang="en-US" dirty="0" err="1" smtClean="0"/>
+              <a:t>nicht</a:t>
+            </a:r>
+            <a:r>
+              <a:rPr lang="en-US" dirty="0" smtClean="0"/>
+              <a:t> </a:t>
+            </a:r>
+            <a:r>
+              <a:rPr lang="en-US" dirty="0" err="1" smtClean="0"/>
+              <a:t>besseres</a:t>
+            </a:r>
+            <a:r>
+              <a:rPr lang="en-US" dirty="0" smtClean="0"/>
+              <a:t> auf </a:t>
+            </a:r>
+            <a:r>
+              <a:rPr lang="en-US" dirty="0" err="1" smtClean="0"/>
+              <a:t>testdaten</a:t>
+            </a:r>
+            <a:r>
+              <a:rPr lang="en-US" dirty="0" smtClean="0"/>
+              <a:t> des </a:t>
+            </a:r>
+            <a:r>
+              <a:rPr lang="en-US" dirty="0" err="1" smtClean="0"/>
+              <a:t>Kausalen</a:t>
+            </a:r>
+            <a:r>
+              <a:rPr lang="en-US" dirty="0" smtClean="0"/>
+              <a:t> </a:t>
+            </a:r>
+            <a:r>
+              <a:rPr lang="en-US" dirty="0" err="1" smtClean="0"/>
+              <a:t>Netzes</a:t>
+            </a:r>
+            <a:r>
+              <a:rPr lang="en-US" dirty="0" smtClean="0"/>
+              <a:t> </a:t>
+            </a:r>
+            <a:r>
+              <a:rPr lang="en-US" dirty="0" err="1" smtClean="0"/>
+              <a:t>im</a:t>
+            </a:r>
+            <a:r>
+              <a:rPr lang="en-US" dirty="0" smtClean="0"/>
+              <a:t> </a:t>
+            </a:r>
+            <a:r>
+              <a:rPr lang="en-US" dirty="0" err="1" smtClean="0"/>
+              <a:t>vgl</a:t>
+            </a:r>
+            <a:r>
+              <a:rPr lang="en-US" dirty="0" smtClean="0"/>
+              <a:t> </a:t>
+            </a:r>
+            <a:r>
+              <a:rPr lang="en-US" dirty="0" err="1" smtClean="0"/>
+              <a:t>zum</a:t>
+            </a:r>
+            <a:r>
+              <a:rPr lang="en-US" dirty="0" smtClean="0"/>
+              <a:t> Standard </a:t>
+            </a:r>
+            <a:r>
+              <a:rPr lang="en-US" dirty="0" err="1" smtClean="0"/>
+              <a:t>Netz</a:t>
+            </a:r>
+            <a:r>
+              <a:rPr lang="en-US" dirty="0" smtClean="0"/>
+              <a:t> </a:t>
+            </a:r>
+          </a:p>
+          <a:p>
+            <a:pPr marL="742950" lvl="1" indent="-285750">
+              <a:buFont typeface="Arial"/>
+              <a:buChar char="•"/>
+            </a:pPr>
+            <a:r>
+              <a:rPr lang="en-US" dirty="0" err="1" smtClean="0"/>
+              <a:t>Bereich</a:t>
+            </a:r>
+            <a:r>
+              <a:rPr lang="en-US" dirty="0" smtClean="0"/>
+              <a:t> in den </a:t>
+            </a:r>
+            <a:r>
+              <a:rPr lang="en-US" dirty="0" err="1" smtClean="0"/>
+              <a:t>Daten</a:t>
+            </a:r>
+            <a:r>
+              <a:rPr lang="en-US" dirty="0" smtClean="0"/>
+              <a:t> </a:t>
+            </a:r>
+            <a:r>
+              <a:rPr lang="en-US" dirty="0" err="1" smtClean="0"/>
+              <a:t>rausholen</a:t>
+            </a:r>
+            <a:r>
+              <a:rPr lang="en-US" dirty="0" smtClean="0"/>
+              <a:t> und </a:t>
+            </a:r>
+            <a:r>
+              <a:rPr lang="en-US" dirty="0" err="1" smtClean="0"/>
+              <a:t>nicht</a:t>
+            </a:r>
+            <a:r>
+              <a:rPr lang="en-US" dirty="0" smtClean="0"/>
+              <a:t> random points von </a:t>
+            </a:r>
+            <a:r>
+              <a:rPr lang="en-US" dirty="0" err="1" smtClean="0"/>
+              <a:t>überall</a:t>
+            </a:r>
+            <a:r>
+              <a:rPr lang="en-US" dirty="0" smtClean="0"/>
+              <a:t> </a:t>
+            </a:r>
+            <a:r>
+              <a:rPr lang="en-US" dirty="0" err="1" smtClean="0"/>
+              <a:t>zum</a:t>
+            </a:r>
+            <a:r>
+              <a:rPr lang="en-US" dirty="0" smtClean="0"/>
+              <a:t> </a:t>
+            </a:r>
+            <a:r>
+              <a:rPr lang="en-US" dirty="0" err="1" smtClean="0"/>
+              <a:t>testen</a:t>
+            </a:r>
+            <a:r>
+              <a:rPr lang="en-US" dirty="0" smtClean="0"/>
+              <a:t> (dataset shift): </a:t>
+            </a:r>
+            <a:r>
+              <a:rPr lang="en-US" dirty="0" err="1" smtClean="0"/>
+              <a:t>hier</a:t>
+            </a:r>
+            <a:r>
+              <a:rPr lang="en-US" dirty="0" smtClean="0"/>
+              <a:t> </a:t>
+            </a:r>
+            <a:r>
+              <a:rPr lang="en-US" dirty="0" err="1" smtClean="0"/>
+              <a:t>sollte</a:t>
+            </a:r>
+            <a:r>
+              <a:rPr lang="en-US" dirty="0" smtClean="0"/>
+              <a:t> der error </a:t>
+            </a:r>
+            <a:r>
+              <a:rPr lang="en-US" dirty="0" err="1" smtClean="0"/>
+              <a:t>dann</a:t>
+            </a:r>
+            <a:r>
+              <a:rPr lang="en-US" dirty="0" smtClean="0"/>
+              <a:t> </a:t>
+            </a:r>
+            <a:r>
+              <a:rPr lang="en-US" dirty="0" err="1" smtClean="0"/>
+              <a:t>besser</a:t>
+            </a:r>
+            <a:r>
+              <a:rPr lang="en-US" dirty="0" smtClean="0"/>
+              <a:t> </a:t>
+            </a:r>
+            <a:r>
+              <a:rPr lang="en-US" dirty="0" err="1" smtClean="0"/>
+              <a:t>sein</a:t>
+            </a:r>
+            <a:r>
+              <a:rPr lang="en-US" dirty="0" smtClean="0"/>
+              <a:t> </a:t>
+            </a:r>
+            <a:r>
+              <a:rPr lang="en-US" dirty="0" err="1" smtClean="0"/>
+              <a:t>als</a:t>
+            </a:r>
+            <a:r>
+              <a:rPr lang="en-US" dirty="0" smtClean="0"/>
+              <a:t> </a:t>
+            </a:r>
+            <a:r>
+              <a:rPr lang="en-US" dirty="0" err="1" smtClean="0"/>
+              <a:t>beim</a:t>
+            </a:r>
+            <a:r>
+              <a:rPr lang="en-US" dirty="0" smtClean="0"/>
+              <a:t> </a:t>
+            </a:r>
+            <a:r>
+              <a:rPr lang="en-US" dirty="0" err="1" smtClean="0"/>
+              <a:t>normalen</a:t>
+            </a:r>
+            <a:r>
+              <a:rPr lang="en-US" dirty="0" smtClean="0"/>
+              <a:t> </a:t>
+            </a:r>
+            <a:r>
+              <a:rPr lang="en-US" dirty="0" err="1" smtClean="0"/>
+              <a:t>Netz</a:t>
+            </a:r>
+            <a:endParaRPr lang="en-US" dirty="0" smtClean="0"/>
+          </a:p>
+          <a:p>
+            <a:pPr marL="285750" indent="-285750">
+              <a:buFont typeface="Arial"/>
+              <a:buChar char="•"/>
+            </a:pPr>
+            <a:r>
+              <a:rPr lang="en-US" dirty="0"/>
+              <a:t>Test-Samples </a:t>
+            </a:r>
+            <a:r>
+              <a:rPr lang="en-US" dirty="0" err="1"/>
+              <a:t>zufällig</a:t>
+            </a:r>
+            <a:r>
+              <a:rPr lang="en-US" dirty="0"/>
+              <a:t> </a:t>
+            </a:r>
+            <a:r>
+              <a:rPr lang="en-US" dirty="0" err="1"/>
+              <a:t>aus</a:t>
+            </a:r>
+            <a:r>
+              <a:rPr lang="en-US" dirty="0"/>
+              <a:t> der </a:t>
+            </a:r>
+            <a:r>
+              <a:rPr lang="en-US" dirty="0" err="1"/>
+              <a:t>gleichen</a:t>
+            </a:r>
+            <a:r>
+              <a:rPr lang="en-US" dirty="0"/>
+              <a:t> Domain </a:t>
+            </a:r>
+            <a:r>
+              <a:rPr lang="en-US" dirty="0" err="1"/>
+              <a:t>gezogen</a:t>
+            </a:r>
+            <a:r>
+              <a:rPr lang="en-US" dirty="0"/>
+              <a:t> </a:t>
+            </a:r>
+            <a:r>
+              <a:rPr lang="en-US" dirty="0" err="1"/>
+              <a:t>werden</a:t>
+            </a:r>
+            <a:r>
+              <a:rPr lang="en-US" dirty="0"/>
+              <a:t> </a:t>
+            </a:r>
+            <a:r>
+              <a:rPr lang="en-US" dirty="0" err="1"/>
+              <a:t>wie</a:t>
+            </a:r>
+            <a:r>
+              <a:rPr lang="en-US" dirty="0"/>
+              <a:t> die </a:t>
+            </a:r>
+            <a:r>
+              <a:rPr lang="en-US" dirty="0" err="1" smtClean="0"/>
+              <a:t>Trainingssamples</a:t>
+            </a:r>
+            <a:r>
+              <a:rPr lang="en-US" dirty="0" smtClean="0"/>
+              <a:t>: </a:t>
+            </a:r>
+            <a:r>
+              <a:rPr lang="en-US" dirty="0" err="1" smtClean="0"/>
+              <a:t>Effekt</a:t>
+            </a:r>
+            <a:r>
+              <a:rPr lang="en-US" dirty="0" smtClean="0"/>
+              <a:t> (</a:t>
+            </a:r>
+            <a:r>
+              <a:rPr lang="en-US" dirty="0" err="1" smtClean="0"/>
+              <a:t>genereller</a:t>
+            </a:r>
+            <a:r>
+              <a:rPr lang="en-US" dirty="0" smtClean="0"/>
+              <a:t>) </a:t>
+            </a:r>
+            <a:r>
+              <a:rPr lang="en-US" dirty="0" err="1"/>
+              <a:t>nicht</a:t>
+            </a:r>
+            <a:r>
+              <a:rPr lang="en-US" dirty="0"/>
+              <a:t> </a:t>
+            </a:r>
+            <a:r>
+              <a:rPr lang="en-US" dirty="0" err="1"/>
+              <a:t>sehen</a:t>
+            </a:r>
+            <a:r>
+              <a:rPr lang="en-US" dirty="0"/>
+              <a:t> </a:t>
+            </a:r>
+            <a:r>
+              <a:rPr lang="en-US" dirty="0" err="1"/>
+              <a:t>könnte</a:t>
+            </a:r>
+            <a:r>
+              <a:rPr lang="en-US" dirty="0"/>
+              <a:t> (</a:t>
+            </a:r>
+            <a:r>
+              <a:rPr lang="en-US" dirty="0" err="1"/>
+              <a:t>oder</a:t>
+            </a:r>
+            <a:r>
+              <a:rPr lang="en-US" dirty="0"/>
+              <a:t> </a:t>
+            </a:r>
+            <a:r>
+              <a:rPr lang="en-US" dirty="0" err="1"/>
+              <a:t>sogar</a:t>
+            </a:r>
+            <a:r>
+              <a:rPr lang="en-US" dirty="0"/>
+              <a:t> </a:t>
+            </a:r>
+            <a:r>
+              <a:rPr lang="en-US" dirty="0" err="1"/>
+              <a:t>schlechtere</a:t>
+            </a:r>
+            <a:r>
+              <a:rPr lang="en-US" dirty="0"/>
+              <a:t> </a:t>
+            </a:r>
+            <a:r>
+              <a:rPr lang="en-US" dirty="0" err="1"/>
+              <a:t>Ergebnisse</a:t>
+            </a:r>
+            <a:r>
+              <a:rPr lang="en-US" dirty="0"/>
+              <a:t> </a:t>
+            </a:r>
+            <a:r>
+              <a:rPr lang="en-US" dirty="0" err="1"/>
+              <a:t>erzielen</a:t>
+            </a:r>
+            <a:r>
+              <a:rPr lang="en-US" dirty="0"/>
+              <a:t> </a:t>
+            </a:r>
+            <a:r>
+              <a:rPr lang="en-US" dirty="0" err="1"/>
+              <a:t>könnte</a:t>
+            </a:r>
+            <a:r>
+              <a:rPr lang="en-US" dirty="0"/>
+              <a:t>)</a:t>
+            </a:r>
+            <a:r>
+              <a:rPr lang="en-US" dirty="0" smtClean="0"/>
+              <a:t>.</a:t>
+            </a:r>
+            <a:endParaRPr lang="en-US" dirty="0"/>
+          </a:p>
+          <a:p>
+            <a:pPr marL="285750" indent="-285750">
+              <a:buFont typeface="Arial"/>
+              <a:buChar char="•"/>
+            </a:pPr>
+            <a:endParaRPr lang="en-US" dirty="0" smtClean="0"/>
+          </a:p>
+        </p:txBody>
+      </p:sp>
+    </p:spTree>
+    <p:extLst>
+      <p:ext uri="{BB962C8B-B14F-4D97-AF65-F5344CB8AC3E}">
+        <p14:creationId xmlns:p14="http://schemas.microsoft.com/office/powerpoint/2010/main" val="3275406550"/>
+      </p:ext>
+    </p:extLst>
+  </p:cSld>
+  <p:clrMapOvr>
+    <a:masterClrMapping/>
+  </p:clrMapOvr>
+</p:sld>
+</file>
+
 <file path=ppt/slides/slide2.xml><?xml version="1.0" encoding="utf-8"?>
 <p:sld xmlns:a="http://schemas.openxmlformats.org/drawingml/2006/main" xmlns:r="http://schemas.openxmlformats.org/officeDocument/2006/relationships" xmlns:p="http://schemas.openxmlformats.org/presentationml/2006/main">
   <p:cSld>
@@ -7952,11 +9368,7 @@
             </a:pPr>
             <a:r>
               <a:rPr lang="en-US" dirty="0" smtClean="0"/>
-              <a:t>Update </a:t>
-            </a:r>
-            <a:r>
-              <a:rPr lang="en-US" dirty="0" smtClean="0"/>
-              <a:t>in </a:t>
+              <a:t>Update in </a:t>
             </a:r>
             <a:r>
               <a:rPr lang="en-US" dirty="0" err="1" smtClean="0"/>
@@ -8094,6 +9506,438 @@
     <p:extLst>
       <p:ext uri="{BB962C8B-B14F-4D97-AF65-F5344CB8AC3E}">
         <p14:creationId xmlns:p14="http://schemas.microsoft.com/office/powerpoint/2010/main" val="1598944734"/>
+      </p:ext>
+    </p:extLst>
+  </p:cSld>
+  <p:clrMapOvr>
+    <a:masterClrMapping/>
+  </p:clrMapOvr>
+</p:sld>
+</file>
+
+<file path=ppt/slides/slide9.xml><?xml version="1.0" encoding="utf-8"?>
+<p:sld xmlns:a="http://schemas.openxmlformats.org/drawingml/2006/main" xmlns:r="http://schemas.openxmlformats.org/officeDocument/2006/relationships" xmlns:p="http://schemas.openxmlformats.org/presentationml/2006/main">
+  <p:cSld>
+    <p:spTree>
+      <p:nvGrpSpPr>
+        <p:cNvPr id="1" name=""/>
+        <p:cNvGrpSpPr/>
+        <p:nvPr/>
+      </p:nvGrpSpPr>
+      <p:grpSpPr>
+        <a:xfrm>
+          <a:off x="0" y="0"/>
+          <a:ext cx="0" cy="0"/>
+          <a:chOff x="0" y="0"/>
+          <a:chExt cx="0" cy="0"/>
+        </a:xfrm>
+      </p:grpSpPr>
+      <p:sp>
+        <p:nvSpPr>
+          <p:cNvPr id="2" name="Inhaltsplatzhalter 1"/>
+          <p:cNvSpPr>
+            <a:spLocks noGrp="1"/>
+          </p:cNvSpPr>
+          <p:nvPr>
+            <p:ph sz="half" idx="1"/>
+          </p:nvPr>
+        </p:nvSpPr>
+        <p:spPr/>
+        <p:txBody>
+          <a:bodyPr/>
+          <a:lstStyle/>
+          <a:p>
+            <a:r>
+              <a:rPr lang="en-US" dirty="0" smtClean="0"/>
+              <a:t>Lit review </a:t>
+            </a:r>
+            <a:r>
+              <a:rPr lang="en-US" dirty="0" err="1" smtClean="0"/>
+              <a:t>dauert</a:t>
+            </a:r>
+            <a:r>
+              <a:rPr lang="en-US" dirty="0" smtClean="0"/>
+              <a:t> </a:t>
+            </a:r>
+            <a:r>
+              <a:rPr lang="en-US" dirty="0" err="1" smtClean="0"/>
+              <a:t>noch</a:t>
+            </a:r>
+            <a:r>
+              <a:rPr lang="en-US" dirty="0" smtClean="0"/>
+              <a:t> </a:t>
+            </a:r>
+            <a:r>
+              <a:rPr lang="en-US" dirty="0" err="1" smtClean="0"/>
+              <a:t>ein</a:t>
+            </a:r>
+            <a:r>
+              <a:rPr lang="en-US" dirty="0" smtClean="0"/>
+              <a:t> </a:t>
+            </a:r>
+            <a:r>
+              <a:rPr lang="en-US" dirty="0" err="1" smtClean="0"/>
+              <a:t>bisschen</a:t>
+            </a:r>
+            <a:r>
+              <a:rPr lang="en-US" dirty="0" smtClean="0"/>
+              <a:t> (</a:t>
+            </a:r>
+            <a:r>
+              <a:rPr lang="en-US" dirty="0" err="1" smtClean="0"/>
+              <a:t>mache</a:t>
+            </a:r>
+            <a:r>
+              <a:rPr lang="en-US" dirty="0" smtClean="0"/>
+              <a:t> das parallel </a:t>
+            </a:r>
+            <a:r>
+              <a:rPr lang="en-US" dirty="0" err="1" smtClean="0"/>
+              <a:t>zum</a:t>
+            </a:r>
+            <a:r>
+              <a:rPr lang="en-US" dirty="0" smtClean="0"/>
+              <a:t> </a:t>
+            </a:r>
+            <a:r>
+              <a:rPr lang="en-US" dirty="0" err="1" smtClean="0"/>
+              <a:t>Methoden</a:t>
+            </a:r>
+            <a:r>
+              <a:rPr lang="en-US" dirty="0" smtClean="0"/>
+              <a:t> </a:t>
+            </a:r>
+            <a:r>
+              <a:rPr lang="en-US" dirty="0" err="1" smtClean="0"/>
+              <a:t>ausdenken</a:t>
+            </a:r>
+            <a:r>
+              <a:rPr lang="en-US" dirty="0" smtClean="0"/>
+              <a:t>)</a:t>
+            </a:r>
+            <a:r>
+              <a:rPr lang="en-US" dirty="0" smtClean="0"/>
+              <a:t>:</a:t>
+            </a:r>
+            <a:r>
+              <a:rPr lang="en-US" dirty="0" err="1" smtClean="0"/>
+              <a:t>füge</a:t>
+            </a:r>
+            <a:r>
+              <a:rPr lang="en-US" dirty="0" smtClean="0"/>
+              <a:t> </a:t>
+            </a:r>
+            <a:r>
+              <a:rPr lang="en-US" dirty="0" err="1" smtClean="0"/>
+              <a:t>immer</a:t>
+            </a:r>
+            <a:r>
+              <a:rPr lang="en-US" dirty="0" smtClean="0"/>
+              <a:t> </a:t>
+            </a:r>
+            <a:r>
+              <a:rPr lang="en-US" dirty="0" err="1" smtClean="0"/>
+              <a:t>wieder</a:t>
+            </a:r>
+            <a:r>
+              <a:rPr lang="en-US" dirty="0" smtClean="0"/>
+              <a:t> </a:t>
+            </a:r>
+            <a:r>
+              <a:rPr lang="en-US" dirty="0" err="1" smtClean="0"/>
+              <a:t>welche</a:t>
+            </a:r>
+            <a:r>
+              <a:rPr lang="en-US" dirty="0" smtClean="0"/>
+              <a:t> </a:t>
+            </a:r>
+            <a:r>
+              <a:rPr lang="en-US" dirty="0" err="1" smtClean="0"/>
+              <a:t>hinzu</a:t>
+            </a:r>
+            <a:r>
+              <a:rPr lang="en-US" dirty="0" smtClean="0"/>
+              <a:t> </a:t>
+            </a:r>
+            <a:r>
+              <a:rPr lang="en-US" dirty="0" err="1" smtClean="0"/>
+              <a:t>oder</a:t>
+            </a:r>
+            <a:r>
+              <a:rPr lang="en-US" dirty="0" smtClean="0"/>
+              <a:t> </a:t>
+            </a:r>
+            <a:r>
+              <a:rPr lang="en-US" dirty="0" err="1" smtClean="0"/>
+              <a:t>nehme</a:t>
+            </a:r>
+            <a:r>
+              <a:rPr lang="en-US" dirty="0" smtClean="0"/>
+              <a:t> </a:t>
+            </a:r>
+            <a:r>
+              <a:rPr lang="en-US" dirty="0" err="1" smtClean="0"/>
+              <a:t>welche</a:t>
+            </a:r>
+            <a:r>
+              <a:rPr lang="en-US" dirty="0" smtClean="0"/>
+              <a:t> </a:t>
+            </a:r>
+            <a:r>
+              <a:rPr lang="en-US" dirty="0" err="1" smtClean="0"/>
+              <a:t>mit</a:t>
+            </a:r>
+            <a:endParaRPr lang="en-US" dirty="0" smtClean="0"/>
+          </a:p>
+          <a:p>
+            <a:r>
+              <a:rPr lang="en-US" dirty="0" err="1" smtClean="0"/>
+              <a:t>Tabelle</a:t>
+            </a:r>
+            <a:r>
+              <a:rPr lang="en-US" dirty="0" smtClean="0"/>
+              <a:t> </a:t>
+            </a:r>
+            <a:r>
+              <a:rPr lang="en-US" dirty="0" err="1" smtClean="0"/>
+              <a:t>mit</a:t>
+            </a:r>
+            <a:r>
+              <a:rPr lang="en-US" dirty="0" smtClean="0"/>
+              <a:t> </a:t>
+            </a:r>
+            <a:r>
+              <a:rPr lang="en-US" dirty="0" err="1" smtClean="0"/>
+              <a:t>eigenschaften</a:t>
+            </a:r>
+            <a:r>
+              <a:rPr lang="en-US" dirty="0" smtClean="0"/>
+              <a:t> </a:t>
+            </a:r>
+            <a:r>
+              <a:rPr lang="en-US" dirty="0" err="1" smtClean="0"/>
+              <a:t>gemacht</a:t>
+            </a:r>
+            <a:r>
+              <a:rPr lang="en-US" dirty="0" smtClean="0"/>
+              <a:t> </a:t>
+            </a:r>
+            <a:r>
+              <a:rPr lang="en-US" dirty="0" err="1" smtClean="0"/>
+              <a:t>vllt</a:t>
+            </a:r>
+            <a:r>
+              <a:rPr lang="en-US" dirty="0" smtClean="0"/>
+              <a:t> </a:t>
+            </a:r>
+            <a:r>
+              <a:rPr lang="en-US" dirty="0" err="1" smtClean="0"/>
+              <a:t>kannst</a:t>
+            </a:r>
+            <a:r>
+              <a:rPr lang="en-US" dirty="0" smtClean="0"/>
+              <a:t> du </a:t>
+            </a:r>
+            <a:r>
+              <a:rPr lang="en-US" dirty="0" err="1" smtClean="0"/>
+              <a:t>mir</a:t>
+            </a:r>
+            <a:r>
+              <a:rPr lang="en-US" dirty="0" smtClean="0"/>
+              <a:t> da feedback </a:t>
+            </a:r>
+            <a:r>
+              <a:rPr lang="en-US" dirty="0" err="1" smtClean="0"/>
+              <a:t>geben</a:t>
+            </a:r>
+            <a:endParaRPr lang="en-US" dirty="0" smtClean="0"/>
+          </a:p>
+          <a:p>
+            <a:r>
+              <a:rPr lang="en-US" dirty="0" err="1" smtClean="0"/>
+              <a:t>Hab</a:t>
+            </a:r>
+            <a:r>
+              <a:rPr lang="en-US" dirty="0" smtClean="0"/>
+              <a:t> die flow charts </a:t>
+            </a:r>
+            <a:r>
+              <a:rPr lang="en-US" dirty="0" err="1" smtClean="0"/>
+              <a:t>noch</a:t>
+            </a:r>
+            <a:r>
+              <a:rPr lang="en-US" dirty="0" smtClean="0"/>
+              <a:t> mal </a:t>
+            </a:r>
+            <a:r>
+              <a:rPr lang="en-US" dirty="0" err="1" smtClean="0"/>
+              <a:t>itertiert</a:t>
+            </a:r>
+            <a:r>
+              <a:rPr lang="en-US" dirty="0" smtClean="0"/>
+              <a:t>, </a:t>
+            </a:r>
+            <a:r>
+              <a:rPr lang="en-US" dirty="0" err="1" smtClean="0"/>
+              <a:t>verfeinert</a:t>
+            </a:r>
+            <a:r>
+              <a:rPr lang="en-US" dirty="0" smtClean="0"/>
+              <a:t> und </a:t>
+            </a:r>
+            <a:r>
+              <a:rPr lang="en-US" dirty="0" err="1" smtClean="0"/>
+              <a:t>neue</a:t>
+            </a:r>
+            <a:r>
+              <a:rPr lang="en-US" dirty="0" smtClean="0"/>
+              <a:t> </a:t>
+            </a:r>
+            <a:r>
+              <a:rPr lang="en-US" dirty="0" err="1" smtClean="0"/>
+              <a:t>methoden</a:t>
+            </a:r>
+            <a:r>
+              <a:rPr lang="en-US" dirty="0" smtClean="0"/>
+              <a:t> </a:t>
+            </a:r>
+            <a:r>
+              <a:rPr lang="en-US" dirty="0" err="1" smtClean="0"/>
+              <a:t>gefunden</a:t>
+            </a:r>
+            <a:endParaRPr lang="en-US" dirty="0" smtClean="0"/>
+          </a:p>
+          <a:p>
+            <a:r>
+              <a:rPr lang="en-US" dirty="0" err="1" smtClean="0"/>
+              <a:t>Würde</a:t>
+            </a:r>
+            <a:r>
+              <a:rPr lang="en-US" dirty="0" smtClean="0"/>
+              <a:t> die </a:t>
+            </a:r>
+            <a:r>
+              <a:rPr lang="en-US" dirty="0" err="1" smtClean="0"/>
+              <a:t>mit</a:t>
+            </a:r>
+            <a:r>
+              <a:rPr lang="en-US" dirty="0" smtClean="0"/>
+              <a:t> </a:t>
+            </a:r>
+            <a:r>
+              <a:rPr lang="en-US" dirty="0" err="1" smtClean="0"/>
+              <a:t>dir</a:t>
+            </a:r>
+            <a:r>
+              <a:rPr lang="en-US" dirty="0" smtClean="0"/>
+              <a:t> </a:t>
+            </a:r>
+            <a:r>
+              <a:rPr lang="en-US" dirty="0" err="1" smtClean="0"/>
+              <a:t>diskutieren</a:t>
+            </a:r>
+            <a:r>
+              <a:rPr lang="en-US" dirty="0" smtClean="0"/>
+              <a:t> und </a:t>
+            </a:r>
+            <a:r>
+              <a:rPr lang="en-US" dirty="0" err="1" smtClean="0"/>
+              <a:t>dann</a:t>
+            </a:r>
+            <a:r>
+              <a:rPr lang="en-US" dirty="0" smtClean="0"/>
+              <a:t> mal </a:t>
+            </a:r>
+            <a:r>
+              <a:rPr lang="en-US" dirty="0" err="1" smtClean="0"/>
+              <a:t>anfangen</a:t>
+            </a:r>
+            <a:r>
+              <a:rPr lang="en-US" dirty="0" smtClean="0"/>
+              <a:t> was </a:t>
+            </a:r>
+            <a:r>
+              <a:rPr lang="en-US" dirty="0" err="1" smtClean="0"/>
+              <a:t>zu</a:t>
+            </a:r>
+            <a:r>
+              <a:rPr lang="en-US" dirty="0" smtClean="0"/>
+              <a:t> </a:t>
+            </a:r>
+            <a:r>
+              <a:rPr lang="en-US" dirty="0" err="1" smtClean="0"/>
+              <a:t>bauen</a:t>
+            </a:r>
+            <a:r>
+              <a:rPr lang="en-US" dirty="0" smtClean="0"/>
+              <a:t>? </a:t>
+            </a:r>
+            <a:endParaRPr lang="en-US" dirty="0" smtClean="0"/>
+          </a:p>
+          <a:p>
+            <a:endParaRPr lang="en-US" dirty="0" smtClean="0"/>
+          </a:p>
+          <a:p>
+            <a:pPr lvl="1"/>
+            <a:endParaRPr lang="en-US" dirty="0" smtClean="0"/>
+          </a:p>
+          <a:p>
+            <a:pPr lvl="1"/>
+            <a:endParaRPr lang="en-US" dirty="0" smtClean="0"/>
+          </a:p>
+        </p:txBody>
+      </p:sp>
+      <p:sp>
+        <p:nvSpPr>
+          <p:cNvPr id="3" name="Titel 2"/>
+          <p:cNvSpPr>
+            <a:spLocks noGrp="1"/>
+          </p:cNvSpPr>
+          <p:nvPr>
+            <p:ph type="title"/>
+          </p:nvPr>
+        </p:nvSpPr>
+        <p:spPr/>
+        <p:txBody>
+          <a:bodyPr/>
+          <a:lstStyle/>
+          <a:p>
+            <a:pPr algn="l"/>
+            <a:r>
+              <a:rPr lang="en-US" dirty="0" smtClean="0"/>
+              <a:t>08</a:t>
+            </a:r>
+            <a:r>
+              <a:rPr lang="en-US" dirty="0" smtClean="0"/>
+              <a:t>.02.21</a:t>
+            </a:r>
+            <a:endParaRPr lang="en-US" dirty="0"/>
+          </a:p>
+        </p:txBody>
+      </p:sp>
+      <p:sp>
+        <p:nvSpPr>
+          <p:cNvPr id="4" name="Inhaltsplatzhalter 3"/>
+          <p:cNvSpPr>
+            <a:spLocks noGrp="1"/>
+          </p:cNvSpPr>
+          <p:nvPr>
+            <p:ph sz="half" idx="10"/>
+          </p:nvPr>
+        </p:nvSpPr>
+        <p:spPr/>
+        <p:txBody>
+          <a:bodyPr/>
+          <a:lstStyle/>
+          <a:p>
+            <a:endParaRPr lang="en-US" dirty="0"/>
+          </a:p>
+        </p:txBody>
+      </p:sp>
+    </p:spTree>
+    <p:extLst>
+      <p:ext uri="{BB962C8B-B14F-4D97-AF65-F5344CB8AC3E}">
+        <p14:creationId xmlns:p14="http://schemas.microsoft.com/office/powerpoint/2010/main" val="725548912"/>
       </p:ext>
     </p:extLst>
   </p:cSld>

--- a/MeetingNotes.pptx
+++ b/MeetingNotes.pptx
@@ -16,6 +16,8 @@
     <p:sldId id="264" r:id="rId10"/>
     <p:sldId id="265" r:id="rId11"/>
     <p:sldId id="266" r:id="rId12"/>
+    <p:sldId id="267" r:id="rId13"/>
+    <p:sldId id="268" r:id="rId14"/>
   </p:sldIdLst>
   <p:sldSz cx="9144000" cy="5715000" type="screen16x10"/>
   <p:notesSz cx="6858000" cy="9144000"/>
@@ -639,7 +641,7 @@
           <a:p>
             <a:fld id="{907AEC89-51F8-8C49-8F5C-7B8970AE8955}" type="datetimeFigureOut">
               <a:rPr lang="de-DE" smtClean="0"/>
-              <a:t>08.02.21</a:t>
+              <a:t>22.02.21</a:t>
             </a:fld>
             <a:endParaRPr lang="en-US"/>
           </a:p>
@@ -809,7 +811,7 @@
           <a:p>
             <a:fld id="{907AEC89-51F8-8C49-8F5C-7B8970AE8955}" type="datetimeFigureOut">
               <a:rPr lang="de-DE" smtClean="0"/>
-              <a:t>08.02.21</a:t>
+              <a:t>22.02.21</a:t>
             </a:fld>
             <a:endParaRPr lang="en-US"/>
           </a:p>
@@ -989,7 +991,7 @@
           <a:p>
             <a:fld id="{907AEC89-51F8-8C49-8F5C-7B8970AE8955}" type="datetimeFigureOut">
               <a:rPr lang="de-DE" smtClean="0"/>
-              <a:t>08.02.21</a:t>
+              <a:t>22.02.21</a:t>
             </a:fld>
             <a:endParaRPr lang="en-US"/>
           </a:p>
@@ -1107,7 +1109,7 @@
           <a:p>
             <a:fld id="{907AEC89-51F8-8C49-8F5C-7B8970AE8955}" type="datetimeFigureOut">
               <a:rPr lang="de-DE" smtClean="0"/>
-              <a:t>08.02.21</a:t>
+              <a:t>22.02.21</a:t>
             </a:fld>
             <a:endParaRPr lang="en-US"/>
           </a:p>
@@ -1427,7 +1429,7 @@
           <a:p>
             <a:fld id="{907AEC89-51F8-8C49-8F5C-7B8970AE8955}" type="datetimeFigureOut">
               <a:rPr lang="de-DE" smtClean="0"/>
-              <a:t>08.02.21</a:t>
+              <a:t>22.02.21</a:t>
             </a:fld>
             <a:endParaRPr lang="en-US"/>
           </a:p>
@@ -1979,7 +1981,7 @@
           <a:p>
             <a:fld id="{907AEC89-51F8-8C49-8F5C-7B8970AE8955}" type="datetimeFigureOut">
               <a:rPr lang="de-DE" smtClean="0"/>
-              <a:t>08.02.21</a:t>
+              <a:t>22.02.21</a:t>
             </a:fld>
             <a:endParaRPr lang="en-US"/>
           </a:p>
@@ -2401,7 +2403,7 @@
           <a:p>
             <a:fld id="{907AEC89-51F8-8C49-8F5C-7B8970AE8955}" type="datetimeFigureOut">
               <a:rPr lang="de-DE" smtClean="0"/>
-              <a:t>08.02.21</a:t>
+              <a:t>22.02.21</a:t>
             </a:fld>
             <a:endParaRPr lang="en-US"/>
           </a:p>
@@ -2519,7 +2521,7 @@
           <a:p>
             <a:fld id="{907AEC89-51F8-8C49-8F5C-7B8970AE8955}" type="datetimeFigureOut">
               <a:rPr lang="de-DE" smtClean="0"/>
-              <a:t>08.02.21</a:t>
+              <a:t>22.02.21</a:t>
             </a:fld>
             <a:endParaRPr lang="en-US"/>
           </a:p>
@@ -2614,7 +2616,7 @@
           <a:p>
             <a:fld id="{907AEC89-51F8-8C49-8F5C-7B8970AE8955}" type="datetimeFigureOut">
               <a:rPr lang="de-DE" smtClean="0"/>
-              <a:t>08.02.21</a:t>
+              <a:t>22.02.21</a:t>
             </a:fld>
             <a:endParaRPr lang="en-US"/>
           </a:p>
@@ -2891,7 +2893,7 @@
           <a:p>
             <a:fld id="{907AEC89-51F8-8C49-8F5C-7B8970AE8955}" type="datetimeFigureOut">
               <a:rPr lang="de-DE" smtClean="0"/>
-              <a:t>08.02.21</a:t>
+              <a:t>22.02.21</a:t>
             </a:fld>
             <a:endParaRPr lang="en-US"/>
           </a:p>
@@ -3104,7 +3106,7 @@
           <a:p>
             <a:fld id="{907AEC89-51F8-8C49-8F5C-7B8970AE8955}" type="datetimeFigureOut">
               <a:rPr lang="de-DE" smtClean="0"/>
-              <a:t>08.02.21</a:t>
+              <a:t>22.02.21</a:t>
             </a:fld>
             <a:endParaRPr lang="en-US"/>
           </a:p>
@@ -3550,15 +3552,7 @@
           <a:p>
             <a:r>
               <a:rPr lang="en-US" dirty="0" smtClean="0"/>
-              <a:t>Meeting: </a:t>
-            </a:r>
-            <a:r>
-              <a:rPr lang="en-US" dirty="0" smtClean="0"/>
-              <a:t>08.02</a:t>
-            </a:r>
-            <a:r>
-              <a:rPr lang="en-US" dirty="0" smtClean="0"/>
-              <a:t>.21</a:t>
+              <a:t>Meeting: 08.02.21</a:t>
             </a:r>
             <a:endParaRPr lang="en-US" dirty="0"/>
           </a:p>
@@ -4278,15 +4272,7 @@
           <a:p>
             <a:r>
               <a:rPr lang="en-US" dirty="0" smtClean="0"/>
-              <a:t>Meeting: </a:t>
-            </a:r>
-            <a:r>
-              <a:rPr lang="en-US" dirty="0" smtClean="0"/>
-              <a:t>08.02</a:t>
-            </a:r>
-            <a:r>
-              <a:rPr lang="en-US" dirty="0" smtClean="0"/>
-              <a:t>.21</a:t>
+              <a:t>Meeting: 08.02.21</a:t>
             </a:r>
             <a:endParaRPr lang="en-US" dirty="0"/>
           </a:p>
@@ -4920,6 +4906,607 @@
     <p:extLst>
       <p:ext uri="{BB962C8B-B14F-4D97-AF65-F5344CB8AC3E}">
         <p14:creationId xmlns:p14="http://schemas.microsoft.com/office/powerpoint/2010/main" val="3275406550"/>
+      </p:ext>
+    </p:extLst>
+  </p:cSld>
+  <p:clrMapOvr>
+    <a:masterClrMapping/>
+  </p:clrMapOvr>
+</p:sld>
+</file>
+
+<file path=ppt/slides/slide12.xml><?xml version="1.0" encoding="utf-8"?>
+<p:sld xmlns:a="http://schemas.openxmlformats.org/drawingml/2006/main" xmlns:r="http://schemas.openxmlformats.org/officeDocument/2006/relationships" xmlns:p="http://schemas.openxmlformats.org/presentationml/2006/main">
+  <p:cSld>
+    <p:spTree>
+      <p:nvGrpSpPr>
+        <p:cNvPr id="1" name=""/>
+        <p:cNvGrpSpPr/>
+        <p:nvPr/>
+      </p:nvGrpSpPr>
+      <p:grpSpPr>
+        <a:xfrm>
+          <a:off x="0" y="0"/>
+          <a:ext cx="0" cy="0"/>
+          <a:chOff x="0" y="0"/>
+          <a:chExt cx="0" cy="0"/>
+        </a:xfrm>
+      </p:grpSpPr>
+      <p:sp>
+        <p:nvSpPr>
+          <p:cNvPr id="2" name="Inhaltsplatzhalter 1"/>
+          <p:cNvSpPr>
+            <a:spLocks noGrp="1"/>
+          </p:cNvSpPr>
+          <p:nvPr>
+            <p:ph sz="half" idx="1"/>
+          </p:nvPr>
+        </p:nvSpPr>
+        <p:spPr/>
+        <p:txBody>
+          <a:bodyPr>
+            <a:normAutofit lnSpcReduction="10000"/>
+          </a:bodyPr>
+          <a:lstStyle/>
+          <a:p>
+            <a:r>
+              <a:rPr lang="en-US" dirty="0" err="1" smtClean="0"/>
+              <a:t>Hab</a:t>
+            </a:r>
+            <a:r>
+              <a:rPr lang="en-US" dirty="0" smtClean="0"/>
+              <a:t> </a:t>
+            </a:r>
+            <a:r>
+              <a:rPr lang="en-US" dirty="0" err="1" smtClean="0"/>
+              <a:t>ein</a:t>
+            </a:r>
+            <a:r>
+              <a:rPr lang="en-US" dirty="0" smtClean="0"/>
+              <a:t> </a:t>
+            </a:r>
+            <a:r>
+              <a:rPr lang="en-US" dirty="0" err="1" smtClean="0"/>
+              <a:t>einfaches</a:t>
+            </a:r>
+            <a:r>
+              <a:rPr lang="en-US" dirty="0" smtClean="0"/>
+              <a:t> NN </a:t>
+            </a:r>
+            <a:r>
+              <a:rPr lang="en-US" dirty="0" err="1" smtClean="0"/>
+              <a:t>gebaut</a:t>
+            </a:r>
+            <a:r>
+              <a:rPr lang="en-US" dirty="0" smtClean="0"/>
+              <a:t> </a:t>
+            </a:r>
+            <a:r>
+              <a:rPr lang="en-US" dirty="0" err="1" smtClean="0"/>
+              <a:t>mit</a:t>
+            </a:r>
+            <a:r>
+              <a:rPr lang="en-US" dirty="0" smtClean="0"/>
+              <a:t> </a:t>
+            </a:r>
+            <a:r>
+              <a:rPr lang="en-US" dirty="0" err="1" smtClean="0"/>
+              <a:t>dem</a:t>
+            </a:r>
+            <a:r>
+              <a:rPr lang="en-US" dirty="0" smtClean="0"/>
+              <a:t> </a:t>
+            </a:r>
+            <a:r>
+              <a:rPr lang="en-US" dirty="0" err="1" smtClean="0"/>
+              <a:t>boston</a:t>
+            </a:r>
+            <a:r>
+              <a:rPr lang="en-US" dirty="0" smtClean="0"/>
+              <a:t> dataset -&gt; </a:t>
+            </a:r>
+            <a:r>
+              <a:rPr lang="en-US" dirty="0" err="1" smtClean="0"/>
+              <a:t>erst</a:t>
+            </a:r>
+            <a:r>
+              <a:rPr lang="en-US" dirty="0" smtClean="0"/>
+              <a:t> mal simple</a:t>
+            </a:r>
+          </a:p>
+          <a:p>
+            <a:r>
+              <a:rPr lang="en-US" dirty="0" smtClean="0"/>
+              <a:t>Dataset shift </a:t>
+            </a:r>
+            <a:r>
+              <a:rPr lang="en-US" dirty="0" err="1" smtClean="0"/>
+              <a:t>eigebaut</a:t>
+            </a:r>
+            <a:r>
+              <a:rPr lang="en-US" dirty="0" smtClean="0"/>
+              <a:t>: </a:t>
+            </a:r>
+            <a:r>
+              <a:rPr lang="en-US" dirty="0" err="1" smtClean="0"/>
+              <a:t>manche</a:t>
+            </a:r>
+            <a:r>
+              <a:rPr lang="en-US" dirty="0" smtClean="0"/>
+              <a:t> </a:t>
+            </a:r>
+            <a:r>
+              <a:rPr lang="en-US" dirty="0" err="1" smtClean="0"/>
+              <a:t>haben</a:t>
+            </a:r>
+            <a:r>
+              <a:rPr lang="en-US" dirty="0" smtClean="0"/>
+              <a:t> </a:t>
+            </a:r>
+            <a:r>
+              <a:rPr lang="en-US" dirty="0" err="1" smtClean="0"/>
+              <a:t>sich</a:t>
+            </a:r>
+            <a:r>
+              <a:rPr lang="en-US" dirty="0" smtClean="0"/>
+              <a:t> </a:t>
+            </a:r>
+            <a:r>
+              <a:rPr lang="en-US" dirty="0" err="1" smtClean="0"/>
+              <a:t>verschoben</a:t>
+            </a:r>
+            <a:r>
+              <a:rPr lang="en-US" dirty="0" smtClean="0"/>
+              <a:t> </a:t>
+            </a:r>
+            <a:r>
+              <a:rPr lang="en-US" dirty="0" err="1" smtClean="0"/>
+              <a:t>andere</a:t>
+            </a:r>
+            <a:r>
+              <a:rPr lang="en-US" dirty="0" smtClean="0"/>
+              <a:t> </a:t>
+            </a:r>
+            <a:r>
+              <a:rPr lang="en-US" dirty="0" err="1" smtClean="0"/>
+              <a:t>nicht</a:t>
+            </a:r>
+            <a:r>
+              <a:rPr lang="en-US" dirty="0" smtClean="0"/>
+              <a:t> (</a:t>
+            </a:r>
+            <a:r>
+              <a:rPr lang="en-US" dirty="0" err="1" smtClean="0"/>
+              <a:t>bei</a:t>
+            </a:r>
+            <a:r>
+              <a:rPr lang="en-US" dirty="0" smtClean="0"/>
+              <a:t> den inputs </a:t>
+            </a:r>
+            <a:r>
+              <a:rPr lang="en-US" dirty="0" err="1" smtClean="0"/>
+              <a:t>besonders</a:t>
+            </a:r>
+            <a:r>
+              <a:rPr lang="en-US" dirty="0" smtClean="0"/>
+              <a:t> auf activation </a:t>
+            </a:r>
+            <a:r>
+              <a:rPr lang="en-US" dirty="0" err="1" smtClean="0"/>
+              <a:t>schauen</a:t>
+            </a:r>
+            <a:r>
+              <a:rPr lang="en-US" dirty="0" smtClean="0"/>
+              <a:t>)-&gt; </a:t>
+            </a:r>
+            <a:r>
+              <a:rPr lang="en-US" dirty="0" err="1" smtClean="0"/>
+              <a:t>ist</a:t>
+            </a:r>
+            <a:r>
+              <a:rPr lang="en-US" dirty="0" smtClean="0"/>
+              <a:t> </a:t>
+            </a:r>
+            <a:r>
+              <a:rPr lang="en-US" dirty="0" err="1" smtClean="0"/>
+              <a:t>jetzt</a:t>
+            </a:r>
+            <a:r>
+              <a:rPr lang="en-US" dirty="0" smtClean="0"/>
+              <a:t> halt covariant shift</a:t>
+            </a:r>
+          </a:p>
+          <a:p>
+            <a:r>
+              <a:rPr lang="en-US" dirty="0" err="1" smtClean="0"/>
+              <a:t>Ssh</a:t>
+            </a:r>
+            <a:r>
+              <a:rPr lang="en-US" dirty="0" smtClean="0"/>
+              <a:t> hat </a:t>
+            </a:r>
+            <a:r>
+              <a:rPr lang="en-US" dirty="0" err="1" smtClean="0"/>
+              <a:t>alles</a:t>
+            </a:r>
+            <a:r>
+              <a:rPr lang="en-US" dirty="0" smtClean="0"/>
+              <a:t> </a:t>
+            </a:r>
+            <a:r>
+              <a:rPr lang="en-US" dirty="0" err="1" smtClean="0"/>
+              <a:t>funktioniert</a:t>
+            </a:r>
+            <a:r>
+              <a:rPr lang="en-US" dirty="0" smtClean="0"/>
+              <a:t> </a:t>
+            </a:r>
+            <a:r>
+              <a:rPr lang="en-US" dirty="0" err="1" smtClean="0"/>
+              <a:t>danke</a:t>
+            </a:r>
+            <a:r>
+              <a:rPr lang="en-US" dirty="0" smtClean="0"/>
+              <a:t> </a:t>
+            </a:r>
+            <a:r>
+              <a:rPr lang="en-US" dirty="0" err="1" smtClean="0"/>
+              <a:t>dir</a:t>
+            </a:r>
+            <a:r>
+              <a:rPr lang="en-US" dirty="0" smtClean="0"/>
+              <a:t> </a:t>
+            </a:r>
+          </a:p>
+          <a:p>
+            <a:r>
+              <a:rPr lang="en-US" dirty="0" err="1" smtClean="0"/>
+              <a:t>Nächste</a:t>
+            </a:r>
+            <a:r>
+              <a:rPr lang="en-US" dirty="0" smtClean="0"/>
+              <a:t> Steps: activations </a:t>
+            </a:r>
+            <a:r>
+              <a:rPr lang="en-US" dirty="0" err="1" smtClean="0"/>
+              <a:t>rausholen</a:t>
+            </a:r>
+            <a:r>
+              <a:rPr lang="en-US" dirty="0" smtClean="0"/>
+              <a:t> und ACE </a:t>
+            </a:r>
+            <a:r>
+              <a:rPr lang="en-US" dirty="0" err="1" smtClean="0"/>
+              <a:t>anwenden</a:t>
+            </a:r>
+            <a:r>
+              <a:rPr lang="en-US" dirty="0" smtClean="0"/>
+              <a:t> </a:t>
+            </a:r>
+          </a:p>
+          <a:p>
+            <a:r>
+              <a:rPr lang="en-US" dirty="0" err="1" smtClean="0"/>
+              <a:t>Neue</a:t>
+            </a:r>
+            <a:r>
+              <a:rPr lang="en-US" dirty="0" smtClean="0"/>
+              <a:t> </a:t>
+            </a:r>
+            <a:r>
+              <a:rPr lang="en-US" dirty="0" err="1" smtClean="0"/>
+              <a:t>entwicklung</a:t>
+            </a:r>
+            <a:r>
+              <a:rPr lang="en-US" dirty="0" smtClean="0"/>
+              <a:t>:</a:t>
+            </a:r>
+          </a:p>
+          <a:p>
+            <a:pPr lvl="1"/>
+            <a:r>
+              <a:rPr lang="en-US" dirty="0" err="1" smtClean="0"/>
+              <a:t>Zufällig</a:t>
+            </a:r>
+            <a:r>
+              <a:rPr lang="en-US" dirty="0" smtClean="0"/>
+              <a:t> die opportunity </a:t>
+            </a:r>
+            <a:r>
+              <a:rPr lang="en-US" dirty="0" err="1" smtClean="0"/>
+              <a:t>ergeben</a:t>
+            </a:r>
+            <a:r>
+              <a:rPr lang="en-US" dirty="0" smtClean="0"/>
+              <a:t> </a:t>
+            </a:r>
+            <a:r>
+              <a:rPr lang="en-US" dirty="0" err="1" smtClean="0"/>
+              <a:t>zu</a:t>
+            </a:r>
+            <a:r>
+              <a:rPr lang="en-US" dirty="0" smtClean="0"/>
+              <a:t> </a:t>
+            </a:r>
+            <a:r>
+              <a:rPr lang="en-US" dirty="0" err="1" smtClean="0"/>
+              <a:t>gründen</a:t>
+            </a:r>
+            <a:r>
+              <a:rPr lang="en-US" dirty="0" smtClean="0"/>
+              <a:t> (hobby </a:t>
+            </a:r>
+            <a:r>
+              <a:rPr lang="en-US" dirty="0" err="1" smtClean="0"/>
+              <a:t>ist</a:t>
+            </a:r>
+            <a:r>
+              <a:rPr lang="en-US" dirty="0" smtClean="0"/>
+              <a:t> </a:t>
+            </a:r>
+            <a:r>
+              <a:rPr lang="en-US" dirty="0" err="1" smtClean="0"/>
+              <a:t>eskaliert</a:t>
+            </a:r>
+            <a:r>
+              <a:rPr lang="en-US" dirty="0" smtClean="0"/>
+              <a:t>)</a:t>
+            </a:r>
+          </a:p>
+          <a:p>
+            <a:pPr lvl="1"/>
+            <a:r>
+              <a:rPr lang="en-US" dirty="0" err="1" smtClean="0"/>
+              <a:t>Würde</a:t>
+            </a:r>
+            <a:r>
+              <a:rPr lang="en-US" dirty="0" smtClean="0"/>
+              <a:t> das </a:t>
+            </a:r>
+            <a:r>
+              <a:rPr lang="en-US" dirty="0" err="1" smtClean="0"/>
+              <a:t>jetzt</a:t>
+            </a:r>
+            <a:r>
+              <a:rPr lang="en-US" dirty="0" smtClean="0"/>
+              <a:t> </a:t>
+            </a:r>
+            <a:r>
+              <a:rPr lang="en-US" dirty="0" err="1" smtClean="0"/>
+              <a:t>echt</a:t>
+            </a:r>
+            <a:r>
+              <a:rPr lang="en-US" dirty="0" smtClean="0"/>
+              <a:t> </a:t>
+            </a:r>
+            <a:r>
+              <a:rPr lang="en-US" dirty="0" err="1" smtClean="0"/>
+              <a:t>ungerne</a:t>
+            </a:r>
+            <a:r>
+              <a:rPr lang="en-US" dirty="0" smtClean="0"/>
+              <a:t> </a:t>
+            </a:r>
+            <a:r>
+              <a:rPr lang="en-US" dirty="0" err="1" smtClean="0"/>
+              <a:t>ziehen</a:t>
+            </a:r>
+            <a:r>
+              <a:rPr lang="en-US" dirty="0" smtClean="0"/>
+              <a:t> </a:t>
+            </a:r>
+            <a:r>
+              <a:rPr lang="en-US" dirty="0" err="1" smtClean="0"/>
+              <a:t>lassen</a:t>
+            </a:r>
+            <a:r>
+              <a:rPr lang="en-US" dirty="0" smtClean="0"/>
+              <a:t> </a:t>
+            </a:r>
+          </a:p>
+          <a:p>
+            <a:pPr lvl="1"/>
+            <a:r>
+              <a:rPr lang="en-US" dirty="0" err="1" smtClean="0"/>
+              <a:t>Deswegen</a:t>
+            </a:r>
+            <a:r>
+              <a:rPr lang="en-US" dirty="0" smtClean="0"/>
+              <a:t> </a:t>
+            </a:r>
+            <a:r>
+              <a:rPr lang="en-US" dirty="0" err="1" smtClean="0"/>
+              <a:t>einfach</a:t>
+            </a:r>
+            <a:r>
+              <a:rPr lang="en-US" dirty="0" smtClean="0"/>
+              <a:t> die </a:t>
+            </a:r>
+            <a:r>
+              <a:rPr lang="en-US" dirty="0" err="1" smtClean="0"/>
+              <a:t>masterarbeit</a:t>
+            </a:r>
+            <a:r>
+              <a:rPr lang="en-US" dirty="0" smtClean="0"/>
+              <a:t> </a:t>
+            </a:r>
+            <a:r>
+              <a:rPr lang="en-US" dirty="0" err="1" smtClean="0"/>
+              <a:t>etwas</a:t>
+            </a:r>
+            <a:r>
+              <a:rPr lang="en-US" dirty="0" smtClean="0"/>
+              <a:t> </a:t>
+            </a:r>
+            <a:r>
+              <a:rPr lang="en-US" dirty="0" err="1" smtClean="0"/>
+              <a:t>strecken</a:t>
+            </a:r>
+            <a:r>
+              <a:rPr lang="en-US" dirty="0" smtClean="0"/>
+              <a:t> </a:t>
+            </a:r>
+            <a:endParaRPr lang="en-US" dirty="0" smtClean="0"/>
+          </a:p>
+          <a:p>
+            <a:endParaRPr lang="en-US" dirty="0" smtClean="0"/>
+          </a:p>
+          <a:p>
+            <a:pPr lvl="1"/>
+            <a:endParaRPr lang="en-US" dirty="0" smtClean="0"/>
+          </a:p>
+          <a:p>
+            <a:pPr lvl="1"/>
+            <a:endParaRPr lang="en-US" dirty="0" smtClean="0"/>
+          </a:p>
+        </p:txBody>
+      </p:sp>
+      <p:sp>
+        <p:nvSpPr>
+          <p:cNvPr id="3" name="Titel 2"/>
+          <p:cNvSpPr>
+            <a:spLocks noGrp="1"/>
+          </p:cNvSpPr>
+          <p:nvPr>
+            <p:ph type="title"/>
+          </p:nvPr>
+        </p:nvSpPr>
+        <p:spPr/>
+        <p:txBody>
+          <a:bodyPr/>
+          <a:lstStyle/>
+          <a:p>
+            <a:pPr algn="l"/>
+            <a:r>
+              <a:rPr lang="en-US" dirty="0" smtClean="0"/>
+              <a:t>22</a:t>
+            </a:r>
+            <a:r>
+              <a:rPr lang="en-US" dirty="0" smtClean="0"/>
+              <a:t>.02.21</a:t>
+            </a:r>
+            <a:endParaRPr lang="en-US" dirty="0"/>
+          </a:p>
+        </p:txBody>
+      </p:sp>
+      <p:sp>
+        <p:nvSpPr>
+          <p:cNvPr id="4" name="Inhaltsplatzhalter 3"/>
+          <p:cNvSpPr>
+            <a:spLocks noGrp="1"/>
+          </p:cNvSpPr>
+          <p:nvPr>
+            <p:ph sz="half" idx="10"/>
+          </p:nvPr>
+        </p:nvSpPr>
+        <p:spPr/>
+        <p:txBody>
+          <a:bodyPr/>
+          <a:lstStyle/>
+          <a:p>
+            <a:endParaRPr lang="en-US" dirty="0"/>
+          </a:p>
+        </p:txBody>
+      </p:sp>
+    </p:spTree>
+    <p:extLst>
+      <p:ext uri="{BB962C8B-B14F-4D97-AF65-F5344CB8AC3E}">
+        <p14:creationId xmlns:p14="http://schemas.microsoft.com/office/powerpoint/2010/main" val="2718647156"/>
+      </p:ext>
+    </p:extLst>
+  </p:cSld>
+  <p:clrMapOvr>
+    <a:masterClrMapping/>
+  </p:clrMapOvr>
+</p:sld>
+</file>
+
+<file path=ppt/slides/slide13.xml><?xml version="1.0" encoding="utf-8"?>
+<p:sld xmlns:a="http://schemas.openxmlformats.org/drawingml/2006/main" xmlns:r="http://schemas.openxmlformats.org/officeDocument/2006/relationships" xmlns:p="http://schemas.openxmlformats.org/presentationml/2006/main">
+  <p:cSld>
+    <p:spTree>
+      <p:nvGrpSpPr>
+        <p:cNvPr id="1" name=""/>
+        <p:cNvGrpSpPr/>
+        <p:nvPr/>
+      </p:nvGrpSpPr>
+      <p:grpSpPr>
+        <a:xfrm>
+          <a:off x="0" y="0"/>
+          <a:ext cx="0" cy="0"/>
+          <a:chOff x="0" y="0"/>
+          <a:chExt cx="0" cy="0"/>
+        </a:xfrm>
+      </p:grpSpPr>
+      <p:sp>
+        <p:nvSpPr>
+          <p:cNvPr id="2" name="Titel 1"/>
+          <p:cNvSpPr>
+            <a:spLocks noGrp="1"/>
+          </p:cNvSpPr>
+          <p:nvPr>
+            <p:ph type="title"/>
+          </p:nvPr>
+        </p:nvSpPr>
+        <p:spPr/>
+        <p:txBody>
+          <a:bodyPr/>
+          <a:lstStyle/>
+          <a:p>
+            <a:r>
+              <a:rPr lang="en-US" dirty="0" smtClean="0"/>
+              <a:t>Meeting: </a:t>
+            </a:r>
+            <a:r>
+              <a:rPr lang="en-US" dirty="0" smtClean="0"/>
+              <a:t>22</a:t>
+            </a:r>
+            <a:r>
+              <a:rPr lang="en-US" dirty="0" smtClean="0"/>
+              <a:t>.02.21</a:t>
+            </a:r>
+            <a:endParaRPr lang="en-US" dirty="0"/>
+          </a:p>
+        </p:txBody>
+      </p:sp>
+      <p:sp>
+        <p:nvSpPr>
+          <p:cNvPr id="3" name="Textfeld 2"/>
+          <p:cNvSpPr txBox="1"/>
+          <p:nvPr/>
+        </p:nvSpPr>
+        <p:spPr>
+          <a:xfrm>
+            <a:off x="457200" y="1181365"/>
+            <a:ext cx="8229600" cy="369332"/>
+          </a:xfrm>
+          <a:prstGeom prst="rect">
+            <a:avLst/>
+          </a:prstGeom>
+          <a:noFill/>
+        </p:spPr>
+        <p:txBody>
+          <a:bodyPr wrap="square" rtlCol="0">
+            <a:spAutoFit/>
+          </a:bodyPr>
+          <a:lstStyle/>
+          <a:p>
+            <a:pPr marL="285750" indent="-285750">
+              <a:buFont typeface="Arial"/>
+              <a:buChar char="•"/>
+            </a:pPr>
+            <a:r>
+              <a:rPr lang="de-DE" dirty="0" smtClean="0"/>
+              <a:t>...</a:t>
+            </a:r>
+            <a:endParaRPr lang="en-US" dirty="0" smtClean="0"/>
+          </a:p>
+        </p:txBody>
+      </p:sp>
+    </p:spTree>
+    <p:extLst>
+      <p:ext uri="{BB962C8B-B14F-4D97-AF65-F5344CB8AC3E}">
+        <p14:creationId xmlns:p14="http://schemas.microsoft.com/office/powerpoint/2010/main" val="831482385"/>
       </p:ext>
     </p:extLst>
   </p:cSld>
@@ -9613,11 +10200,7 @@
             </a:r>
             <a:r>
               <a:rPr lang="en-US" dirty="0" smtClean="0"/>
-              <a:t>)</a:t>
-            </a:r>
-            <a:r>
-              <a:rPr lang="en-US" dirty="0" smtClean="0"/>
-              <a:t>:</a:t>
+              <a:t>):</a:t>
             </a:r>
             <a:r>
               <a:rPr lang="en-US" dirty="0" err="1" smtClean="0"/>
@@ -9872,7 +10455,6 @@
               <a:rPr lang="en-US" dirty="0" smtClean="0"/>
               <a:t>? </a:t>
             </a:r>
-            <a:endParaRPr lang="en-US" dirty="0" smtClean="0"/>
           </a:p>
           <a:p>
             <a:endParaRPr lang="en-US" dirty="0" smtClean="0"/>
@@ -9905,11 +10487,7 @@
             <a:pPr algn="l"/>
             <a:r>
               <a:rPr lang="en-US" dirty="0" smtClean="0"/>
-              <a:t>08</a:t>
-            </a:r>
-            <a:r>
-              <a:rPr lang="en-US" dirty="0" smtClean="0"/>
-              <a:t>.02.21</a:t>
+              <a:t>08.02.21</a:t>
             </a:r>
             <a:endParaRPr lang="en-US" dirty="0"/>
           </a:p>

--- a/MeetingNotes.pptx
+++ b/MeetingNotes.pptx
@@ -18,6 +18,7 @@
     <p:sldId id="266" r:id="rId12"/>
     <p:sldId id="267" r:id="rId13"/>
     <p:sldId id="268" r:id="rId14"/>
+    <p:sldId id="269" r:id="rId15"/>
   </p:sldIdLst>
   <p:sldSz cx="9144000" cy="5715000" type="screen16x10"/>
   <p:notesSz cx="6858000" cy="9144000"/>
@@ -641,7 +642,7 @@
           <a:p>
             <a:fld id="{907AEC89-51F8-8C49-8F5C-7B8970AE8955}" type="datetimeFigureOut">
               <a:rPr lang="de-DE" smtClean="0"/>
-              <a:t>22.02.21</a:t>
+              <a:t>08.03.21</a:t>
             </a:fld>
             <a:endParaRPr lang="en-US"/>
           </a:p>
@@ -811,7 +812,7 @@
           <a:p>
             <a:fld id="{907AEC89-51F8-8C49-8F5C-7B8970AE8955}" type="datetimeFigureOut">
               <a:rPr lang="de-DE" smtClean="0"/>
-              <a:t>22.02.21</a:t>
+              <a:t>08.03.21</a:t>
             </a:fld>
             <a:endParaRPr lang="en-US"/>
           </a:p>
@@ -991,7 +992,7 @@
           <a:p>
             <a:fld id="{907AEC89-51F8-8C49-8F5C-7B8970AE8955}" type="datetimeFigureOut">
               <a:rPr lang="de-DE" smtClean="0"/>
-              <a:t>22.02.21</a:t>
+              <a:t>08.03.21</a:t>
             </a:fld>
             <a:endParaRPr lang="en-US"/>
           </a:p>
@@ -1109,7 +1110,7 @@
           <a:p>
             <a:fld id="{907AEC89-51F8-8C49-8F5C-7B8970AE8955}" type="datetimeFigureOut">
               <a:rPr lang="de-DE" smtClean="0"/>
-              <a:t>22.02.21</a:t>
+              <a:t>08.03.21</a:t>
             </a:fld>
             <a:endParaRPr lang="en-US"/>
           </a:p>
@@ -1429,7 +1430,7 @@
           <a:p>
             <a:fld id="{907AEC89-51F8-8C49-8F5C-7B8970AE8955}" type="datetimeFigureOut">
               <a:rPr lang="de-DE" smtClean="0"/>
-              <a:t>22.02.21</a:t>
+              <a:t>08.03.21</a:t>
             </a:fld>
             <a:endParaRPr lang="en-US"/>
           </a:p>
@@ -1981,7 +1982,7 @@
           <a:p>
             <a:fld id="{907AEC89-51F8-8C49-8F5C-7B8970AE8955}" type="datetimeFigureOut">
               <a:rPr lang="de-DE" smtClean="0"/>
-              <a:t>22.02.21</a:t>
+              <a:t>08.03.21</a:t>
             </a:fld>
             <a:endParaRPr lang="en-US"/>
           </a:p>
@@ -2403,7 +2404,7 @@
           <a:p>
             <a:fld id="{907AEC89-51F8-8C49-8F5C-7B8970AE8955}" type="datetimeFigureOut">
               <a:rPr lang="de-DE" smtClean="0"/>
-              <a:t>22.02.21</a:t>
+              <a:t>08.03.21</a:t>
             </a:fld>
             <a:endParaRPr lang="en-US"/>
           </a:p>
@@ -2521,7 +2522,7 @@
           <a:p>
             <a:fld id="{907AEC89-51F8-8C49-8F5C-7B8970AE8955}" type="datetimeFigureOut">
               <a:rPr lang="de-DE" smtClean="0"/>
-              <a:t>22.02.21</a:t>
+              <a:t>08.03.21</a:t>
             </a:fld>
             <a:endParaRPr lang="en-US"/>
           </a:p>
@@ -2616,7 +2617,7 @@
           <a:p>
             <a:fld id="{907AEC89-51F8-8C49-8F5C-7B8970AE8955}" type="datetimeFigureOut">
               <a:rPr lang="de-DE" smtClean="0"/>
-              <a:t>22.02.21</a:t>
+              <a:t>08.03.21</a:t>
             </a:fld>
             <a:endParaRPr lang="en-US"/>
           </a:p>
@@ -2893,7 +2894,7 @@
           <a:p>
             <a:fld id="{907AEC89-51F8-8C49-8F5C-7B8970AE8955}" type="datetimeFigureOut">
               <a:rPr lang="de-DE" smtClean="0"/>
-              <a:t>22.02.21</a:t>
+              <a:t>08.03.21</a:t>
             </a:fld>
             <a:endParaRPr lang="en-US"/>
           </a:p>
@@ -3106,7 +3107,7 @@
           <a:p>
             <a:fld id="{907AEC89-51F8-8C49-8F5C-7B8970AE8955}" type="datetimeFigureOut">
               <a:rPr lang="de-DE" smtClean="0"/>
-              <a:t>22.02.21</a:t>
+              <a:t>08.03.21</a:t>
             </a:fld>
             <a:endParaRPr lang="en-US"/>
           </a:p>
@@ -5346,7 +5347,6 @@
               <a:rPr lang="en-US" dirty="0" smtClean="0"/>
               <a:t> </a:t>
             </a:r>
-            <a:endParaRPr lang="en-US" dirty="0" smtClean="0"/>
           </a:p>
           <a:p>
             <a:endParaRPr lang="en-US" dirty="0" smtClean="0"/>
@@ -5379,11 +5379,7 @@
             <a:pPr algn="l"/>
             <a:r>
               <a:rPr lang="en-US" dirty="0" smtClean="0"/>
-              <a:t>22</a:t>
-            </a:r>
-            <a:r>
-              <a:rPr lang="en-US" dirty="0" smtClean="0"/>
-              <a:t>.02.21</a:t>
+              <a:t>22.02.21</a:t>
             </a:r>
             <a:endParaRPr lang="en-US" dirty="0"/>
           </a:p>
@@ -5440,6 +5436,302 @@
       </p:grpSpPr>
       <p:sp>
         <p:nvSpPr>
+          <p:cNvPr id="2" name="Inhaltsplatzhalter 1"/>
+          <p:cNvSpPr>
+            <a:spLocks noGrp="1"/>
+          </p:cNvSpPr>
+          <p:nvPr>
+            <p:ph sz="half" idx="1"/>
+          </p:nvPr>
+        </p:nvSpPr>
+        <p:spPr/>
+        <p:txBody>
+          <a:bodyPr>
+            <a:normAutofit/>
+          </a:bodyPr>
+          <a:lstStyle/>
+          <a:p>
+            <a:r>
+              <a:rPr lang="en-US" dirty="0" smtClean="0"/>
+              <a:t>Internal state of NN extracted </a:t>
+            </a:r>
+          </a:p>
+          <a:p>
+            <a:r>
+              <a:rPr lang="en-US" dirty="0" err="1" smtClean="0"/>
+              <a:t>Schaue</a:t>
+            </a:r>
+            <a:r>
+              <a:rPr lang="en-US" dirty="0" smtClean="0"/>
+              <a:t> </a:t>
+            </a:r>
+            <a:r>
+              <a:rPr lang="en-US" dirty="0" err="1" smtClean="0"/>
+              <a:t>mir</a:t>
+            </a:r>
+            <a:r>
+              <a:rPr lang="en-US" dirty="0" smtClean="0"/>
+              <a:t> </a:t>
+            </a:r>
+            <a:r>
+              <a:rPr lang="en-US" dirty="0" err="1" smtClean="0"/>
+              <a:t>gerade</a:t>
+            </a:r>
+            <a:r>
+              <a:rPr lang="en-US" dirty="0" smtClean="0"/>
+              <a:t> an </a:t>
+            </a:r>
+            <a:r>
+              <a:rPr lang="en-US" dirty="0" err="1" smtClean="0"/>
+              <a:t>wie</a:t>
+            </a:r>
+            <a:r>
+              <a:rPr lang="en-US" dirty="0" smtClean="0"/>
+              <a:t> </a:t>
+            </a:r>
+            <a:r>
+              <a:rPr lang="en-US" dirty="0" err="1" smtClean="0"/>
+              <a:t>ich</a:t>
+            </a:r>
+            <a:r>
+              <a:rPr lang="en-US" dirty="0" smtClean="0"/>
+              <a:t> ACE </a:t>
+            </a:r>
+            <a:r>
+              <a:rPr lang="en-US" dirty="0" err="1" smtClean="0"/>
+              <a:t>anwenden</a:t>
+            </a:r>
+            <a:r>
+              <a:rPr lang="en-US" dirty="0" smtClean="0"/>
+              <a:t> </a:t>
+            </a:r>
+            <a:r>
+              <a:rPr lang="en-US" dirty="0" err="1" smtClean="0"/>
+              <a:t>kann</a:t>
+            </a:r>
+            <a:endParaRPr lang="en-US" dirty="0" smtClean="0"/>
+          </a:p>
+          <a:p>
+            <a:r>
+              <a:rPr lang="en-US" dirty="0" err="1" smtClean="0"/>
+              <a:t>Generell</a:t>
+            </a:r>
+            <a:r>
+              <a:rPr lang="en-US" dirty="0" smtClean="0"/>
+              <a:t> </a:t>
+            </a:r>
+            <a:r>
+              <a:rPr lang="en-US" dirty="0" err="1" smtClean="0"/>
+              <a:t>ist</a:t>
+            </a:r>
+            <a:r>
+              <a:rPr lang="en-US" dirty="0" smtClean="0"/>
+              <a:t> </a:t>
+            </a:r>
+            <a:r>
+              <a:rPr lang="en-US" dirty="0" err="1" smtClean="0"/>
+              <a:t>ja</a:t>
+            </a:r>
+            <a:r>
+              <a:rPr lang="en-US" dirty="0" smtClean="0"/>
+              <a:t> das </a:t>
+            </a:r>
+            <a:r>
+              <a:rPr lang="en-US" dirty="0" err="1" smtClean="0"/>
+              <a:t>Ziel</a:t>
+            </a:r>
+            <a:r>
+              <a:rPr lang="en-US" dirty="0" smtClean="0"/>
+              <a:t> </a:t>
+            </a:r>
+            <a:r>
+              <a:rPr lang="en-US" dirty="0" err="1" smtClean="0"/>
+              <a:t>zwischen</a:t>
+            </a:r>
+            <a:r>
+              <a:rPr lang="en-US" dirty="0" smtClean="0"/>
+              <a:t> </a:t>
+            </a:r>
+            <a:r>
+              <a:rPr lang="en-US" dirty="0" err="1" smtClean="0"/>
+              <a:t>allen</a:t>
+            </a:r>
+            <a:r>
+              <a:rPr lang="en-US" dirty="0" smtClean="0"/>
+              <a:t> Neurons </a:t>
+            </a:r>
+            <a:r>
+              <a:rPr lang="en-US" dirty="0" err="1" smtClean="0"/>
+              <a:t>einen</a:t>
+            </a:r>
+            <a:r>
+              <a:rPr lang="en-US" dirty="0" smtClean="0"/>
+              <a:t> Causal Effect </a:t>
+            </a:r>
+            <a:r>
+              <a:rPr lang="en-US" dirty="0" err="1" smtClean="0"/>
+              <a:t>hinzu</a:t>
+            </a:r>
+            <a:r>
+              <a:rPr lang="en-US" dirty="0" smtClean="0"/>
+              <a:t> </a:t>
+            </a:r>
+            <a:r>
+              <a:rPr lang="en-US" dirty="0" err="1" smtClean="0"/>
+              <a:t>bekommen</a:t>
+            </a:r>
+            <a:r>
+              <a:rPr lang="en-US" dirty="0" smtClean="0"/>
+              <a:t> </a:t>
+            </a:r>
+          </a:p>
+          <a:p>
+            <a:r>
+              <a:rPr lang="en-US" dirty="0" smtClean="0"/>
+              <a:t>IID problem -&gt; </a:t>
+            </a:r>
+            <a:r>
+              <a:rPr lang="en-US" dirty="0" err="1" smtClean="0"/>
+              <a:t>miro</a:t>
+            </a:r>
+            <a:r>
+              <a:rPr lang="en-US" dirty="0" smtClean="0"/>
+              <a:t> board</a:t>
+            </a:r>
+          </a:p>
+          <a:p>
+            <a:endParaRPr lang="en-US" dirty="0"/>
+          </a:p>
+          <a:p>
+            <a:r>
+              <a:rPr lang="en-US" dirty="0" smtClean="0"/>
+              <a:t>Next Steps:</a:t>
+            </a:r>
+          </a:p>
+          <a:p>
+            <a:pPr lvl="1"/>
+            <a:r>
+              <a:rPr lang="en-US" dirty="0" smtClean="0"/>
+              <a:t>Lit review </a:t>
+            </a:r>
+            <a:r>
+              <a:rPr lang="en-US" dirty="0" err="1" smtClean="0"/>
+              <a:t>korrigieren</a:t>
+            </a:r>
+            <a:r>
+              <a:rPr lang="en-US" dirty="0" smtClean="0"/>
+              <a:t> </a:t>
+            </a:r>
+          </a:p>
+          <a:p>
+            <a:pPr lvl="1"/>
+            <a:r>
+              <a:rPr lang="en-US" dirty="0" smtClean="0"/>
+              <a:t>ACE </a:t>
+            </a:r>
+            <a:r>
+              <a:rPr lang="en-US" dirty="0" err="1" smtClean="0"/>
+              <a:t>für</a:t>
+            </a:r>
+            <a:r>
+              <a:rPr lang="en-US" dirty="0" smtClean="0"/>
+              <a:t> die Activations </a:t>
+            </a:r>
+            <a:endParaRPr lang="en-US" dirty="0" smtClean="0"/>
+          </a:p>
+          <a:p>
+            <a:pPr lvl="1"/>
+            <a:endParaRPr lang="en-US" dirty="0" smtClean="0"/>
+          </a:p>
+          <a:p>
+            <a:pPr lvl="1"/>
+            <a:endParaRPr lang="en-US" dirty="0" smtClean="0"/>
+          </a:p>
+        </p:txBody>
+      </p:sp>
+      <p:sp>
+        <p:nvSpPr>
+          <p:cNvPr id="3" name="Titel 2"/>
+          <p:cNvSpPr>
+            <a:spLocks noGrp="1"/>
+          </p:cNvSpPr>
+          <p:nvPr>
+            <p:ph type="title"/>
+          </p:nvPr>
+        </p:nvSpPr>
+        <p:spPr/>
+        <p:txBody>
+          <a:bodyPr/>
+          <a:lstStyle/>
+          <a:p>
+            <a:pPr algn="l"/>
+            <a:r>
+              <a:rPr lang="en-US" dirty="0" smtClean="0"/>
+              <a:t>08</a:t>
+            </a:r>
+            <a:r>
+              <a:rPr lang="en-US" dirty="0" smtClean="0"/>
+              <a:t>.03.21</a:t>
+            </a:r>
+            <a:endParaRPr lang="en-US" dirty="0"/>
+          </a:p>
+        </p:txBody>
+      </p:sp>
+      <p:sp>
+        <p:nvSpPr>
+          <p:cNvPr id="4" name="Inhaltsplatzhalter 3"/>
+          <p:cNvSpPr>
+            <a:spLocks noGrp="1"/>
+          </p:cNvSpPr>
+          <p:nvPr>
+            <p:ph sz="half" idx="10"/>
+          </p:nvPr>
+        </p:nvSpPr>
+        <p:spPr/>
+        <p:txBody>
+          <a:bodyPr/>
+          <a:lstStyle/>
+          <a:p>
+            <a:r>
+              <a:rPr lang="en-US" dirty="0" smtClean="0"/>
+              <a:t>IID problem</a:t>
+            </a:r>
+            <a:endParaRPr lang="en-US" dirty="0"/>
+          </a:p>
+        </p:txBody>
+      </p:sp>
+    </p:spTree>
+    <p:extLst>
+      <p:ext uri="{BB962C8B-B14F-4D97-AF65-F5344CB8AC3E}">
+        <p14:creationId xmlns:p14="http://schemas.microsoft.com/office/powerpoint/2010/main" val="3917087343"/>
+      </p:ext>
+    </p:extLst>
+  </p:cSld>
+  <p:clrMapOvr>
+    <a:masterClrMapping/>
+  </p:clrMapOvr>
+</p:sld>
+</file>
+
+<file path=ppt/slides/slide14.xml><?xml version="1.0" encoding="utf-8"?>
+<p:sld xmlns:a="http://schemas.openxmlformats.org/drawingml/2006/main" xmlns:r="http://schemas.openxmlformats.org/officeDocument/2006/relationships" xmlns:p="http://schemas.openxmlformats.org/presentationml/2006/main">
+  <p:cSld>
+    <p:spTree>
+      <p:nvGrpSpPr>
+        <p:cNvPr id="1" name=""/>
+        <p:cNvGrpSpPr/>
+        <p:nvPr/>
+      </p:nvGrpSpPr>
+      <p:grpSpPr>
+        <a:xfrm>
+          <a:off x="0" y="0"/>
+          <a:ext cx="0" cy="0"/>
+          <a:chOff x="0" y="0"/>
+          <a:chExt cx="0" cy="0"/>
+        </a:xfrm>
+      </p:grpSpPr>
+      <p:sp>
+        <p:nvSpPr>
           <p:cNvPr id="2" name="Titel 1"/>
           <p:cNvSpPr>
             <a:spLocks noGrp="1"/>
@@ -5459,11 +5751,7 @@
             </a:r>
             <a:r>
               <a:rPr lang="en-US" dirty="0" smtClean="0"/>
-              <a:t>22</a:t>
-            </a:r>
-            <a:r>
-              <a:rPr lang="en-US" dirty="0" smtClean="0"/>
-              <a:t>.02.21</a:t>
+              <a:t>08.03.21</a:t>
             </a:r>
             <a:endParaRPr lang="en-US" dirty="0"/>
           </a:p>
@@ -5478,7 +5766,7 @@
         <p:spPr>
           <a:xfrm>
             <a:off x="457200" y="1181365"/>
-            <a:ext cx="8229600" cy="369332"/>
+            <a:ext cx="8229600" cy="4524316"/>
           </a:xfrm>
           <a:prstGeom prst="rect">
             <a:avLst/>
@@ -5497,7 +5785,766 @@
             </a:pPr>
             <a:r>
               <a:rPr lang="de-DE" dirty="0" smtClean="0"/>
-              <a:t>...</a:t>
+              <a:t>Jede </a:t>
+            </a:r>
+            <a:r>
+              <a:rPr lang="de-DE" dirty="0" err="1" smtClean="0"/>
+              <a:t>Activations</a:t>
+            </a:r>
+            <a:r>
+              <a:rPr lang="de-DE" dirty="0" smtClean="0"/>
+              <a:t> und </a:t>
+            </a:r>
+            <a:r>
+              <a:rPr lang="de-DE" dirty="0"/>
+              <a:t>T</a:t>
+            </a:r>
+            <a:r>
+              <a:rPr lang="de-DE" dirty="0" smtClean="0"/>
+              <a:t>argets den ACE berechnen</a:t>
+            </a:r>
+          </a:p>
+          <a:p>
+            <a:pPr marL="285750" indent="-285750">
+              <a:buFont typeface="Arial"/>
+              <a:buChar char="•"/>
+            </a:pPr>
+            <a:r>
+              <a:rPr lang="de-DE" dirty="0" smtClean="0"/>
+              <a:t>Ich schiebe alle </a:t>
+            </a:r>
+            <a:r>
+              <a:rPr lang="de-DE" dirty="0" err="1" smtClean="0"/>
+              <a:t>samples</a:t>
+            </a:r>
+            <a:r>
+              <a:rPr lang="de-DE" dirty="0" smtClean="0"/>
+              <a:t> rein normalerweise </a:t>
+            </a:r>
+          </a:p>
+          <a:p>
+            <a:pPr marL="285750" indent="-285750">
+              <a:buFont typeface="Arial"/>
+              <a:buChar char="•"/>
+            </a:pPr>
+            <a:r>
+              <a:rPr lang="de-DE" dirty="0" smtClean="0"/>
+              <a:t>S</a:t>
+            </a:r>
+            <a:r>
+              <a:rPr lang="en-US" dirty="0" err="1" smtClean="0"/>
+              <a:t>ummierte</a:t>
+            </a:r>
+            <a:r>
+              <a:rPr lang="en-US" dirty="0" smtClean="0"/>
+              <a:t> activation </a:t>
+            </a:r>
+            <a:r>
+              <a:rPr lang="en-US" dirty="0" err="1" smtClean="0"/>
+              <a:t>für</a:t>
+            </a:r>
+            <a:r>
+              <a:rPr lang="en-US" dirty="0" smtClean="0"/>
+              <a:t> </a:t>
+            </a:r>
+            <a:r>
+              <a:rPr lang="en-US" dirty="0" err="1" smtClean="0"/>
+              <a:t>jedes</a:t>
+            </a:r>
+            <a:r>
+              <a:rPr lang="en-US" dirty="0" smtClean="0"/>
+              <a:t> samples (also pro </a:t>
+            </a:r>
+            <a:r>
+              <a:rPr lang="en-US" dirty="0" err="1" smtClean="0"/>
+              <a:t>trainingstep</a:t>
+            </a:r>
+            <a:r>
+              <a:rPr lang="en-US" dirty="0" smtClean="0"/>
+              <a:t>) und </a:t>
+            </a:r>
+            <a:r>
+              <a:rPr lang="en-US" dirty="0" err="1" smtClean="0"/>
+              <a:t>darauf</a:t>
+            </a:r>
+            <a:r>
+              <a:rPr lang="en-US" dirty="0" smtClean="0"/>
+              <a:t> die ACE</a:t>
+            </a:r>
+          </a:p>
+          <a:p>
+            <a:pPr marL="285750" indent="-285750">
+              <a:buFont typeface="Arial"/>
+              <a:buChar char="•"/>
+            </a:pPr>
+            <a:r>
+              <a:rPr lang="en-US" dirty="0" err="1" smtClean="0"/>
+              <a:t>Auschneiden</a:t>
+            </a:r>
+            <a:r>
+              <a:rPr lang="en-US" dirty="0" smtClean="0"/>
+              <a:t> des NN </a:t>
+            </a:r>
+            <a:r>
+              <a:rPr lang="en-US" dirty="0" err="1" smtClean="0"/>
+              <a:t>dann</a:t>
+            </a:r>
+            <a:r>
+              <a:rPr lang="en-US" dirty="0" smtClean="0"/>
+              <a:t> </a:t>
+            </a:r>
+            <a:r>
+              <a:rPr lang="en-US" dirty="0" err="1" smtClean="0"/>
+              <a:t>haben</a:t>
+            </a:r>
+            <a:r>
+              <a:rPr lang="en-US" dirty="0" smtClean="0"/>
+              <a:t> </a:t>
+            </a:r>
+            <a:r>
+              <a:rPr lang="en-US" dirty="0" err="1" smtClean="0"/>
+              <a:t>sie</a:t>
+            </a:r>
+            <a:r>
+              <a:rPr lang="en-US" dirty="0" smtClean="0"/>
+              <a:t> </a:t>
+            </a:r>
+            <a:r>
+              <a:rPr lang="en-US" dirty="0" err="1" smtClean="0"/>
+              <a:t>ja</a:t>
+            </a:r>
+            <a:r>
+              <a:rPr lang="en-US" dirty="0" smtClean="0"/>
+              <a:t> </a:t>
+            </a:r>
+            <a:r>
+              <a:rPr lang="en-US" dirty="0" err="1" smtClean="0"/>
+              <a:t>nichts</a:t>
+            </a:r>
+            <a:r>
+              <a:rPr lang="en-US" dirty="0" smtClean="0"/>
+              <a:t> </a:t>
+            </a:r>
+            <a:r>
+              <a:rPr lang="en-US" dirty="0" err="1" smtClean="0"/>
+              <a:t>mehr</a:t>
+            </a:r>
+            <a:r>
+              <a:rPr lang="en-US" dirty="0" smtClean="0"/>
+              <a:t> </a:t>
+            </a:r>
+            <a:r>
+              <a:rPr lang="en-US" dirty="0" err="1" smtClean="0"/>
+              <a:t>mit</a:t>
+            </a:r>
+            <a:r>
+              <a:rPr lang="en-US" dirty="0" smtClean="0"/>
+              <a:t> der Intervention </a:t>
+            </a:r>
+            <a:r>
+              <a:rPr lang="en-US" dirty="0" err="1" smtClean="0"/>
+              <a:t>zu</a:t>
+            </a:r>
+            <a:r>
+              <a:rPr lang="en-US" dirty="0" smtClean="0"/>
+              <a:t> </a:t>
+            </a:r>
+            <a:r>
+              <a:rPr lang="en-US" dirty="0" err="1" smtClean="0"/>
+              <a:t>tun</a:t>
+            </a:r>
+            <a:r>
+              <a:rPr lang="en-US" dirty="0" smtClean="0"/>
+              <a:t>: </a:t>
+            </a:r>
+            <a:r>
+              <a:rPr lang="en-US" dirty="0" err="1"/>
+              <a:t>G</a:t>
+            </a:r>
+            <a:r>
+              <a:rPr lang="en-US" dirty="0" err="1" smtClean="0"/>
+              <a:t>leiche</a:t>
+            </a:r>
+            <a:r>
+              <a:rPr lang="en-US" dirty="0" smtClean="0"/>
+              <a:t> Argumentation </a:t>
+            </a:r>
+            <a:r>
+              <a:rPr lang="en-US" dirty="0" err="1" smtClean="0"/>
+              <a:t>wie</a:t>
+            </a:r>
+            <a:r>
+              <a:rPr lang="en-US" dirty="0" smtClean="0"/>
+              <a:t> </a:t>
+            </a:r>
+            <a:r>
+              <a:rPr lang="en-US" dirty="0" err="1" smtClean="0"/>
+              <a:t>bei</a:t>
+            </a:r>
+            <a:r>
+              <a:rPr lang="en-US" dirty="0" smtClean="0"/>
+              <a:t> den Inputs also </a:t>
+            </a:r>
+            <a:r>
+              <a:rPr lang="en-US" dirty="0" err="1" smtClean="0"/>
+              <a:t>wenn</a:t>
+            </a:r>
+            <a:r>
+              <a:rPr lang="en-US" dirty="0" smtClean="0"/>
+              <a:t> </a:t>
+            </a:r>
+            <a:r>
+              <a:rPr lang="en-US" dirty="0" err="1" smtClean="0"/>
+              <a:t>ich</a:t>
+            </a:r>
+            <a:r>
+              <a:rPr lang="en-US" dirty="0" smtClean="0"/>
+              <a:t> </a:t>
+            </a:r>
+            <a:r>
+              <a:rPr lang="en-US" dirty="0" err="1" smtClean="0"/>
+              <a:t>ein</a:t>
+            </a:r>
+            <a:r>
+              <a:rPr lang="en-US" dirty="0" smtClean="0"/>
+              <a:t> neuron activation </a:t>
+            </a:r>
+            <a:r>
+              <a:rPr lang="en-US" dirty="0" err="1" smtClean="0"/>
+              <a:t>verändere</a:t>
+            </a:r>
+            <a:r>
+              <a:rPr lang="en-US" dirty="0" smtClean="0"/>
+              <a:t> </a:t>
+            </a:r>
+            <a:r>
+              <a:rPr lang="en-US" dirty="0" err="1" smtClean="0"/>
+              <a:t>dann</a:t>
+            </a:r>
+            <a:r>
+              <a:rPr lang="en-US" dirty="0" smtClean="0"/>
+              <a:t> tut </a:t>
+            </a:r>
+            <a:r>
+              <a:rPr lang="en-US" dirty="0" err="1" smtClean="0"/>
+              <a:t>sich</a:t>
+            </a:r>
+            <a:r>
+              <a:rPr lang="en-US" dirty="0" smtClean="0"/>
+              <a:t> da </a:t>
+            </a:r>
+            <a:r>
+              <a:rPr lang="en-US" dirty="0" err="1" smtClean="0"/>
+              <a:t>ja</a:t>
+            </a:r>
+            <a:r>
+              <a:rPr lang="en-US" dirty="0" smtClean="0"/>
+              <a:t> </a:t>
+            </a:r>
+            <a:r>
+              <a:rPr lang="en-US" dirty="0" err="1" smtClean="0"/>
+              <a:t>nichts</a:t>
+            </a:r>
+            <a:r>
+              <a:rPr lang="en-US" dirty="0" smtClean="0"/>
+              <a:t> </a:t>
+            </a:r>
+            <a:r>
+              <a:rPr lang="en-US" dirty="0" err="1" smtClean="0"/>
+              <a:t>mehr</a:t>
+            </a:r>
+            <a:r>
+              <a:rPr lang="en-US" dirty="0" smtClean="0"/>
+              <a:t> </a:t>
+            </a:r>
+            <a:r>
+              <a:rPr lang="en-US" dirty="0" err="1" smtClean="0"/>
+              <a:t>wenn</a:t>
+            </a:r>
+            <a:r>
+              <a:rPr lang="en-US" dirty="0" smtClean="0"/>
+              <a:t> </a:t>
+            </a:r>
+            <a:r>
+              <a:rPr lang="en-US" dirty="0" err="1" smtClean="0"/>
+              <a:t>ich</a:t>
+            </a:r>
+            <a:r>
+              <a:rPr lang="en-US" dirty="0" smtClean="0"/>
+              <a:t> </a:t>
+            </a:r>
+            <a:r>
+              <a:rPr lang="en-US" dirty="0" err="1" smtClean="0"/>
+              <a:t>es</a:t>
+            </a:r>
+            <a:r>
+              <a:rPr lang="en-US" dirty="0" smtClean="0"/>
+              <a:t> </a:t>
+            </a:r>
+            <a:r>
+              <a:rPr lang="en-US" dirty="0" err="1" smtClean="0"/>
+              <a:t>aufgeschnitten</a:t>
+            </a:r>
+            <a:r>
+              <a:rPr lang="en-US" dirty="0" smtClean="0"/>
+              <a:t> </a:t>
+            </a:r>
+            <a:r>
+              <a:rPr lang="en-US" dirty="0" err="1" smtClean="0"/>
+              <a:t>habe</a:t>
+            </a:r>
+            <a:r>
+              <a:rPr lang="en-US" dirty="0" smtClean="0"/>
+              <a:t> </a:t>
+            </a:r>
+          </a:p>
+          <a:p>
+            <a:pPr marL="285750" indent="-285750">
+              <a:buFont typeface="Arial"/>
+              <a:buChar char="•"/>
+            </a:pPr>
+            <a:r>
+              <a:rPr lang="en-US" dirty="0" smtClean="0"/>
+              <a:t>Man </a:t>
+            </a:r>
+            <a:r>
+              <a:rPr lang="en-US" dirty="0" err="1" smtClean="0"/>
+              <a:t>hätte</a:t>
+            </a:r>
+            <a:r>
+              <a:rPr lang="en-US" dirty="0" smtClean="0"/>
+              <a:t> </a:t>
+            </a:r>
+            <a:r>
+              <a:rPr lang="en-US" dirty="0" err="1" smtClean="0"/>
+              <a:t>ja</a:t>
+            </a:r>
+            <a:r>
+              <a:rPr lang="en-US" dirty="0" smtClean="0"/>
+              <a:t> </a:t>
+            </a:r>
+            <a:r>
+              <a:rPr lang="en-US" dirty="0" err="1" smtClean="0"/>
+              <a:t>ein</a:t>
+            </a:r>
+            <a:r>
+              <a:rPr lang="en-US" dirty="0" err="1" smtClean="0"/>
+              <a:t>e</a:t>
+            </a:r>
+            <a:r>
+              <a:rPr lang="en-US" dirty="0" smtClean="0"/>
+              <a:t> “</a:t>
+            </a:r>
+            <a:r>
+              <a:rPr lang="en-US" dirty="0" err="1" smtClean="0"/>
+              <a:t>Beschreibung</a:t>
+            </a:r>
+            <a:r>
+              <a:rPr lang="en-US" dirty="0" smtClean="0"/>
+              <a:t>” </a:t>
+            </a:r>
+            <a:r>
+              <a:rPr lang="en-US" dirty="0" err="1" smtClean="0"/>
+              <a:t>nehmen</a:t>
+            </a:r>
+            <a:r>
+              <a:rPr lang="en-US" dirty="0" smtClean="0"/>
+              <a:t> </a:t>
+            </a:r>
+            <a:r>
+              <a:rPr lang="en-US" dirty="0" err="1" smtClean="0"/>
+              <a:t>können</a:t>
+            </a:r>
+            <a:r>
+              <a:rPr lang="en-US" dirty="0" smtClean="0"/>
+              <a:t> </a:t>
+            </a:r>
+            <a:r>
+              <a:rPr lang="en-US" dirty="0" err="1" smtClean="0"/>
+              <a:t>bei</a:t>
+            </a:r>
+            <a:r>
+              <a:rPr lang="en-US" dirty="0" smtClean="0"/>
+              <a:t> </a:t>
+            </a:r>
+            <a:r>
+              <a:rPr lang="en-US" dirty="0" err="1" smtClean="0"/>
+              <a:t>Bildern</a:t>
+            </a:r>
+            <a:r>
+              <a:rPr lang="en-US" dirty="0" smtClean="0"/>
+              <a:t> </a:t>
+            </a:r>
+            <a:r>
+              <a:rPr lang="en-US" dirty="0" err="1" smtClean="0"/>
+              <a:t>z.B</a:t>
+            </a:r>
+            <a:r>
+              <a:rPr lang="en-US" dirty="0" smtClean="0"/>
+              <a:t>. </a:t>
+            </a:r>
+          </a:p>
+          <a:p>
+            <a:pPr marL="285750" indent="-285750">
+              <a:buFont typeface="Arial"/>
+              <a:buChar char="•"/>
+            </a:pPr>
+            <a:r>
+              <a:rPr lang="en-US" dirty="0" smtClean="0"/>
+              <a:t>Assumptions </a:t>
+            </a:r>
+            <a:r>
+              <a:rPr lang="en-US" dirty="0" err="1" smtClean="0"/>
+              <a:t>aufschreiben</a:t>
+            </a:r>
+            <a:r>
+              <a:rPr lang="en-US" dirty="0" smtClean="0"/>
+              <a:t> </a:t>
+            </a:r>
+          </a:p>
+          <a:p>
+            <a:pPr marL="285750" indent="-285750">
+              <a:buFont typeface="Arial"/>
+              <a:buChar char="•"/>
+            </a:pPr>
+            <a:r>
+              <a:rPr lang="en-US" dirty="0" err="1" smtClean="0"/>
+              <a:t>Terminologien</a:t>
+            </a:r>
+            <a:r>
+              <a:rPr lang="en-US" dirty="0" smtClean="0"/>
+              <a:t> </a:t>
+            </a:r>
+            <a:r>
+              <a:rPr lang="en-US" dirty="0" err="1" smtClean="0"/>
+              <a:t>vorher</a:t>
+            </a:r>
+            <a:r>
+              <a:rPr lang="en-US" dirty="0" smtClean="0"/>
+              <a:t> </a:t>
+            </a:r>
+            <a:r>
+              <a:rPr lang="en-US" dirty="0" err="1" smtClean="0"/>
+              <a:t>definieren</a:t>
+            </a:r>
+            <a:r>
+              <a:rPr lang="en-US" dirty="0" smtClean="0"/>
+              <a:t>, </a:t>
+            </a:r>
+            <a:r>
+              <a:rPr lang="en-US" dirty="0" err="1" smtClean="0"/>
+              <a:t>alle</a:t>
+            </a:r>
+            <a:r>
+              <a:rPr lang="en-US" dirty="0" smtClean="0"/>
+              <a:t> </a:t>
+            </a:r>
+            <a:r>
+              <a:rPr lang="en-US" dirty="0" err="1" smtClean="0"/>
+              <a:t>Terme</a:t>
+            </a:r>
+            <a:r>
+              <a:rPr lang="en-US" dirty="0" smtClean="0"/>
+              <a:t> die fallen </a:t>
+            </a:r>
+            <a:r>
+              <a:rPr lang="en-US" dirty="0" err="1" smtClean="0"/>
+              <a:t>definieren</a:t>
+            </a:r>
+            <a:r>
+              <a:rPr lang="en-US" dirty="0" smtClean="0"/>
+              <a:t> in Lit Review</a:t>
+            </a:r>
+          </a:p>
+          <a:p>
+            <a:endParaRPr lang="en-US" dirty="0"/>
+          </a:p>
+          <a:p>
+            <a:pPr marL="285750" indent="-285750">
+              <a:buFont typeface="Arial"/>
+              <a:buChar char="•"/>
+            </a:pPr>
+            <a:r>
+              <a:rPr lang="en-US" dirty="0" smtClean="0"/>
+              <a:t>Correlation: </a:t>
+            </a:r>
+            <a:r>
+              <a:rPr lang="en-US" dirty="0" err="1" smtClean="0"/>
+              <a:t>wenn</a:t>
+            </a:r>
+            <a:r>
+              <a:rPr lang="en-US" dirty="0" smtClean="0"/>
+              <a:t> man </a:t>
+            </a:r>
+            <a:r>
+              <a:rPr lang="en-US" dirty="0" err="1" smtClean="0"/>
+              <a:t>eine</a:t>
+            </a:r>
+            <a:r>
+              <a:rPr lang="en-US" dirty="0" smtClean="0"/>
+              <a:t> </a:t>
+            </a:r>
+            <a:r>
+              <a:rPr lang="en-US" dirty="0" err="1" smtClean="0"/>
+              <a:t>nichtlinear</a:t>
+            </a:r>
+            <a:r>
+              <a:rPr lang="en-US" dirty="0" smtClean="0"/>
+              <a:t> function </a:t>
+            </a:r>
+            <a:r>
+              <a:rPr lang="en-US" dirty="0" err="1" smtClean="0"/>
+              <a:t>verwendet</a:t>
+            </a:r>
+            <a:r>
+              <a:rPr lang="en-US" dirty="0" smtClean="0"/>
+              <a:t> </a:t>
+            </a:r>
+            <a:r>
+              <a:rPr lang="en-US" dirty="0" err="1" smtClean="0"/>
+              <a:t>wie</a:t>
+            </a:r>
+            <a:r>
+              <a:rPr lang="en-US" dirty="0" smtClean="0"/>
+              <a:t> </a:t>
+            </a:r>
+            <a:r>
+              <a:rPr lang="en-US" dirty="0" err="1" smtClean="0"/>
+              <a:t>tanh</a:t>
+            </a:r>
+            <a:r>
+              <a:rPr lang="en-US" dirty="0" smtClean="0"/>
+              <a:t> </a:t>
+            </a:r>
+            <a:r>
+              <a:rPr lang="en-US" dirty="0" err="1" smtClean="0"/>
+              <a:t>dann</a:t>
+            </a:r>
+            <a:r>
+              <a:rPr lang="en-US" dirty="0" smtClean="0"/>
+              <a:t> </a:t>
+            </a:r>
+            <a:r>
+              <a:rPr lang="en-US" dirty="0" err="1" smtClean="0"/>
+              <a:t>sind</a:t>
+            </a:r>
+            <a:r>
+              <a:rPr lang="en-US" dirty="0" smtClean="0"/>
+              <a:t> die activations </a:t>
+            </a:r>
+            <a:r>
+              <a:rPr lang="en-US" dirty="0" err="1" smtClean="0"/>
+              <a:t>nicht</a:t>
+            </a:r>
+            <a:r>
+              <a:rPr lang="en-US" dirty="0" smtClean="0"/>
+              <a:t> </a:t>
+            </a:r>
+            <a:r>
+              <a:rPr lang="en-US" dirty="0" err="1" smtClean="0"/>
+              <a:t>mehr</a:t>
+            </a:r>
+            <a:r>
+              <a:rPr lang="en-US" dirty="0" smtClean="0"/>
+              <a:t> linear </a:t>
+            </a:r>
+            <a:r>
+              <a:rPr lang="en-US" dirty="0" err="1" smtClean="0"/>
+              <a:t>abhängig</a:t>
+            </a:r>
+            <a:r>
+              <a:rPr lang="en-US" dirty="0" smtClean="0"/>
+              <a:t> und </a:t>
+            </a:r>
+            <a:r>
+              <a:rPr lang="en-US" dirty="0" err="1" smtClean="0"/>
+              <a:t>ich</a:t>
+            </a:r>
+            <a:r>
+              <a:rPr lang="en-US" dirty="0" smtClean="0"/>
+              <a:t> </a:t>
+            </a:r>
+            <a:r>
+              <a:rPr lang="en-US" dirty="0" err="1" smtClean="0"/>
+              <a:t>kann</a:t>
+            </a:r>
+            <a:r>
+              <a:rPr lang="en-US" dirty="0" smtClean="0"/>
+              <a:t> die assumption </a:t>
+            </a:r>
+            <a:r>
+              <a:rPr lang="en-US" dirty="0" err="1" smtClean="0"/>
+              <a:t>treffen</a:t>
+            </a:r>
+            <a:r>
+              <a:rPr lang="en-US" dirty="0" smtClean="0"/>
+              <a:t> </a:t>
+            </a:r>
+            <a:r>
+              <a:rPr lang="en-US" dirty="0" err="1" smtClean="0"/>
+              <a:t>dass</a:t>
+            </a:r>
+            <a:r>
+              <a:rPr lang="en-US" dirty="0" smtClean="0"/>
+              <a:t> die correlation </a:t>
+            </a:r>
+          </a:p>
+          <a:p>
+            <a:pPr marL="742950" lvl="1" indent="-285750">
+              <a:buFont typeface="Arial"/>
+              <a:buChar char="•"/>
+            </a:pPr>
+            <a:r>
+              <a:rPr lang="en-US" dirty="0" err="1" smtClean="0"/>
+              <a:t>Bei</a:t>
+            </a:r>
+            <a:r>
+              <a:rPr lang="en-US" dirty="0" smtClean="0"/>
+              <a:t> </a:t>
+            </a:r>
+            <a:r>
+              <a:rPr lang="en-US" dirty="0" err="1" smtClean="0"/>
+              <a:t>ReLu</a:t>
+            </a:r>
+            <a:r>
+              <a:rPr lang="en-US" dirty="0" smtClean="0"/>
+              <a:t> </a:t>
+            </a:r>
+            <a:r>
+              <a:rPr lang="en-US" dirty="0" err="1" smtClean="0"/>
+              <a:t>wäre</a:t>
+            </a:r>
+            <a:r>
+              <a:rPr lang="en-US" dirty="0" smtClean="0"/>
+              <a:t> </a:t>
+            </a:r>
+            <a:r>
+              <a:rPr lang="en-US" dirty="0" err="1" smtClean="0"/>
+              <a:t>stärker</a:t>
+            </a:r>
+            <a:r>
+              <a:rPr lang="en-US" dirty="0" smtClean="0"/>
+              <a:t> </a:t>
+            </a:r>
+            <a:r>
+              <a:rPr lang="en-US" dirty="0" err="1" smtClean="0"/>
+              <a:t>weil</a:t>
+            </a:r>
+            <a:r>
+              <a:rPr lang="en-US" dirty="0" smtClean="0"/>
+              <a:t> </a:t>
+            </a:r>
+            <a:r>
+              <a:rPr lang="en-US" dirty="0" err="1" smtClean="0"/>
+              <a:t>eine</a:t>
+            </a:r>
+            <a:r>
+              <a:rPr lang="en-US" dirty="0" smtClean="0"/>
+              <a:t> </a:t>
+            </a:r>
+            <a:r>
+              <a:rPr lang="en-US" dirty="0" err="1" smtClean="0"/>
+              <a:t>learität</a:t>
+            </a:r>
+            <a:r>
+              <a:rPr lang="en-US" dirty="0" smtClean="0"/>
+              <a:t> da </a:t>
+            </a:r>
+            <a:r>
+              <a:rPr lang="en-US" dirty="0" err="1" smtClean="0"/>
+              <a:t>ist</a:t>
+            </a:r>
+            <a:r>
+              <a:rPr lang="en-US" dirty="0" smtClean="0"/>
+              <a:t> </a:t>
+            </a:r>
+          </a:p>
+          <a:p>
+            <a:pPr marL="285750" indent="-285750">
+              <a:buFont typeface="Arial"/>
+              <a:buChar char="•"/>
+            </a:pPr>
+            <a:r>
+              <a:rPr lang="en-US" dirty="0" err="1" smtClean="0"/>
+              <a:t>Kommt</a:t>
+            </a:r>
+            <a:r>
+              <a:rPr lang="en-US" dirty="0" smtClean="0"/>
+              <a:t> </a:t>
+            </a:r>
+            <a:r>
+              <a:rPr lang="en-US" dirty="0" err="1" smtClean="0"/>
+              <a:t>auch</a:t>
+            </a:r>
+            <a:r>
+              <a:rPr lang="en-US" dirty="0" smtClean="0"/>
+              <a:t> </a:t>
+            </a:r>
+            <a:r>
+              <a:rPr lang="en-US" dirty="0" err="1" smtClean="0"/>
+              <a:t>drauf</a:t>
+            </a:r>
+            <a:r>
+              <a:rPr lang="en-US" dirty="0" smtClean="0"/>
+              <a:t> an was </a:t>
+            </a:r>
+            <a:r>
+              <a:rPr lang="en-US" dirty="0" err="1" smtClean="0"/>
+              <a:t>als</a:t>
+            </a:r>
+            <a:r>
+              <a:rPr lang="en-US" dirty="0" smtClean="0"/>
+              <a:t> </a:t>
+            </a:r>
+            <a:r>
+              <a:rPr lang="en-US" dirty="0" err="1" smtClean="0"/>
+              <a:t>Korrelation</a:t>
+            </a:r>
+            <a:r>
+              <a:rPr lang="en-US" dirty="0" smtClean="0"/>
+              <a:t> </a:t>
+            </a:r>
+            <a:r>
+              <a:rPr lang="en-US" dirty="0" err="1" smtClean="0"/>
+              <a:t>festgelegt</a:t>
+            </a:r>
+            <a:r>
+              <a:rPr lang="en-US" dirty="0" smtClean="0"/>
+              <a:t> </a:t>
+            </a:r>
+            <a:r>
+              <a:rPr lang="en-US" dirty="0" err="1" smtClean="0"/>
+              <a:t>ist</a:t>
+            </a:r>
+            <a:r>
+              <a:rPr lang="en-US" dirty="0" smtClean="0"/>
+              <a:t> </a:t>
+            </a:r>
+          </a:p>
+          <a:p>
+            <a:pPr marL="285750" indent="-285750">
+              <a:buFont typeface="Arial"/>
+              <a:buChar char="•"/>
+            </a:pPr>
+            <a:r>
+              <a:rPr lang="en-US" dirty="0" smtClean="0"/>
+              <a:t>Man muss </a:t>
+            </a:r>
+            <a:r>
+              <a:rPr lang="en-US" dirty="0" err="1" smtClean="0"/>
+              <a:t>es</a:t>
+            </a:r>
+            <a:r>
+              <a:rPr lang="en-US" dirty="0" smtClean="0"/>
+              <a:t> </a:t>
+            </a:r>
+            <a:r>
+              <a:rPr lang="en-US" dirty="0" err="1" smtClean="0"/>
+              <a:t>ausprobieren</a:t>
+            </a:r>
+            <a:r>
+              <a:rPr lang="en-US" dirty="0"/>
+              <a:t>!</a:t>
             </a:r>
             <a:endParaRPr lang="en-US" dirty="0" smtClean="0"/>
           </a:p>
@@ -5506,7 +6553,7 @@
     </p:spTree>
     <p:extLst>
       <p:ext uri="{BB962C8B-B14F-4D97-AF65-F5344CB8AC3E}">
-        <p14:creationId xmlns:p14="http://schemas.microsoft.com/office/powerpoint/2010/main" val="831482385"/>
+        <p14:creationId xmlns:p14="http://schemas.microsoft.com/office/powerpoint/2010/main" val="2343675515"/>
       </p:ext>
     </p:extLst>
   </p:cSld>

--- a/MeetingNotes.pptx
+++ b/MeetingNotes.pptx
@@ -19,6 +19,8 @@
     <p:sldId id="267" r:id="rId13"/>
     <p:sldId id="268" r:id="rId14"/>
     <p:sldId id="269" r:id="rId15"/>
+    <p:sldId id="271" r:id="rId16"/>
+    <p:sldId id="270" r:id="rId17"/>
   </p:sldIdLst>
   <p:sldSz cx="9144000" cy="5715000" type="screen16x10"/>
   <p:notesSz cx="6858000" cy="9144000"/>
@@ -642,7 +644,7 @@
           <a:p>
             <a:fld id="{907AEC89-51F8-8C49-8F5C-7B8970AE8955}" type="datetimeFigureOut">
               <a:rPr lang="de-DE" smtClean="0"/>
-              <a:t>08.03.21</a:t>
+              <a:t>18.03.21</a:t>
             </a:fld>
             <a:endParaRPr lang="en-US"/>
           </a:p>
@@ -812,7 +814,7 @@
           <a:p>
             <a:fld id="{907AEC89-51F8-8C49-8F5C-7B8970AE8955}" type="datetimeFigureOut">
               <a:rPr lang="de-DE" smtClean="0"/>
-              <a:t>08.03.21</a:t>
+              <a:t>18.03.21</a:t>
             </a:fld>
             <a:endParaRPr lang="en-US"/>
           </a:p>
@@ -992,7 +994,7 @@
           <a:p>
             <a:fld id="{907AEC89-51F8-8C49-8F5C-7B8970AE8955}" type="datetimeFigureOut">
               <a:rPr lang="de-DE" smtClean="0"/>
-              <a:t>08.03.21</a:t>
+              <a:t>18.03.21</a:t>
             </a:fld>
             <a:endParaRPr lang="en-US"/>
           </a:p>
@@ -1110,7 +1112,7 @@
           <a:p>
             <a:fld id="{907AEC89-51F8-8C49-8F5C-7B8970AE8955}" type="datetimeFigureOut">
               <a:rPr lang="de-DE" smtClean="0"/>
-              <a:t>08.03.21</a:t>
+              <a:t>18.03.21</a:t>
             </a:fld>
             <a:endParaRPr lang="en-US"/>
           </a:p>
@@ -1430,7 +1432,7 @@
           <a:p>
             <a:fld id="{907AEC89-51F8-8C49-8F5C-7B8970AE8955}" type="datetimeFigureOut">
               <a:rPr lang="de-DE" smtClean="0"/>
-              <a:t>08.03.21</a:t>
+              <a:t>18.03.21</a:t>
             </a:fld>
             <a:endParaRPr lang="en-US"/>
           </a:p>
@@ -1982,7 +1984,7 @@
           <a:p>
             <a:fld id="{907AEC89-51F8-8C49-8F5C-7B8970AE8955}" type="datetimeFigureOut">
               <a:rPr lang="de-DE" smtClean="0"/>
-              <a:t>08.03.21</a:t>
+              <a:t>18.03.21</a:t>
             </a:fld>
             <a:endParaRPr lang="en-US"/>
           </a:p>
@@ -2404,7 +2406,7 @@
           <a:p>
             <a:fld id="{907AEC89-51F8-8C49-8F5C-7B8970AE8955}" type="datetimeFigureOut">
               <a:rPr lang="de-DE" smtClean="0"/>
-              <a:t>08.03.21</a:t>
+              <a:t>18.03.21</a:t>
             </a:fld>
             <a:endParaRPr lang="en-US"/>
           </a:p>
@@ -2522,7 +2524,7 @@
           <a:p>
             <a:fld id="{907AEC89-51F8-8C49-8F5C-7B8970AE8955}" type="datetimeFigureOut">
               <a:rPr lang="de-DE" smtClean="0"/>
-              <a:t>08.03.21</a:t>
+              <a:t>18.03.21</a:t>
             </a:fld>
             <a:endParaRPr lang="en-US"/>
           </a:p>
@@ -2617,7 +2619,7 @@
           <a:p>
             <a:fld id="{907AEC89-51F8-8C49-8F5C-7B8970AE8955}" type="datetimeFigureOut">
               <a:rPr lang="de-DE" smtClean="0"/>
-              <a:t>08.03.21</a:t>
+              <a:t>18.03.21</a:t>
             </a:fld>
             <a:endParaRPr lang="en-US"/>
           </a:p>
@@ -2894,7 +2896,7 @@
           <a:p>
             <a:fld id="{907AEC89-51F8-8C49-8F5C-7B8970AE8955}" type="datetimeFigureOut">
               <a:rPr lang="de-DE" smtClean="0"/>
-              <a:t>08.03.21</a:t>
+              <a:t>18.03.21</a:t>
             </a:fld>
             <a:endParaRPr lang="en-US"/>
           </a:p>
@@ -3107,7 +3109,7 @@
           <a:p>
             <a:fld id="{907AEC89-51F8-8C49-8F5C-7B8970AE8955}" type="datetimeFigureOut">
               <a:rPr lang="de-DE" smtClean="0"/>
-              <a:t>08.03.21</a:t>
+              <a:t>18.03.21</a:t>
             </a:fld>
             <a:endParaRPr lang="en-US"/>
           </a:p>
@@ -5637,7 +5639,6 @@
               <a:rPr lang="en-US" dirty="0" smtClean="0"/>
               <a:t> die Activations </a:t>
             </a:r>
-            <a:endParaRPr lang="en-US" dirty="0" smtClean="0"/>
           </a:p>
           <a:p>
             <a:pPr lvl="1"/>
@@ -5667,11 +5668,7 @@
             <a:pPr algn="l"/>
             <a:r>
               <a:rPr lang="en-US" dirty="0" smtClean="0"/>
-              <a:t>08</a:t>
-            </a:r>
-            <a:r>
-              <a:rPr lang="en-US" dirty="0" smtClean="0"/>
-              <a:t>.03.21</a:t>
+              <a:t>08.03.21</a:t>
             </a:r>
             <a:endParaRPr lang="en-US" dirty="0"/>
           </a:p>
@@ -5747,11 +5744,7 @@
           <a:p>
             <a:r>
               <a:rPr lang="en-US" dirty="0" smtClean="0"/>
-              <a:t>Meeting: </a:t>
-            </a:r>
-            <a:r>
-              <a:rPr lang="en-US" dirty="0" smtClean="0"/>
-              <a:t>08.03.21</a:t>
+              <a:t>Meeting: 08.03.21</a:t>
             </a:r>
             <a:endParaRPr lang="en-US" dirty="0"/>
           </a:p>
@@ -6125,11 +6118,7 @@
             </a:r>
             <a:r>
               <a:rPr lang="en-US" dirty="0" err="1" smtClean="0"/>
-              <a:t>ein</a:t>
-            </a:r>
-            <a:r>
-              <a:rPr lang="en-US" dirty="0" err="1" smtClean="0"/>
-              <a:t>e</a:t>
+              <a:t>eine</a:t>
             </a:r>
             <a:r>
               <a:rPr lang="en-US" dirty="0" smtClean="0"/>
@@ -6554,6 +6543,493 @@
     <p:extLst>
       <p:ext uri="{BB962C8B-B14F-4D97-AF65-F5344CB8AC3E}">
         <p14:creationId xmlns:p14="http://schemas.microsoft.com/office/powerpoint/2010/main" val="2343675515"/>
+      </p:ext>
+    </p:extLst>
+  </p:cSld>
+  <p:clrMapOvr>
+    <a:masterClrMapping/>
+  </p:clrMapOvr>
+</p:sld>
+</file>
+
+<file path=ppt/slides/slide15.xml><?xml version="1.0" encoding="utf-8"?>
+<p:sld xmlns:a="http://schemas.openxmlformats.org/drawingml/2006/main" xmlns:r="http://schemas.openxmlformats.org/officeDocument/2006/relationships" xmlns:p="http://schemas.openxmlformats.org/presentationml/2006/main">
+  <p:cSld>
+    <p:spTree>
+      <p:nvGrpSpPr>
+        <p:cNvPr id="1" name=""/>
+        <p:cNvGrpSpPr/>
+        <p:nvPr/>
+      </p:nvGrpSpPr>
+      <p:grpSpPr>
+        <a:xfrm>
+          <a:off x="0" y="0"/>
+          <a:ext cx="0" cy="0"/>
+          <a:chOff x="0" y="0"/>
+          <a:chExt cx="0" cy="0"/>
+        </a:xfrm>
+      </p:grpSpPr>
+      <p:sp>
+        <p:nvSpPr>
+          <p:cNvPr id="2" name="Inhaltsplatzhalter 1"/>
+          <p:cNvSpPr>
+            <a:spLocks noGrp="1"/>
+          </p:cNvSpPr>
+          <p:nvPr>
+            <p:ph sz="half" idx="1"/>
+          </p:nvPr>
+        </p:nvSpPr>
+        <p:spPr/>
+        <p:txBody>
+          <a:bodyPr>
+            <a:normAutofit/>
+          </a:bodyPr>
+          <a:lstStyle/>
+          <a:p>
+            <a:r>
+              <a:rPr lang="en-US" dirty="0" err="1" smtClean="0"/>
+              <a:t>Hab</a:t>
+            </a:r>
+            <a:r>
+              <a:rPr lang="en-US" dirty="0" smtClean="0"/>
+              <a:t> </a:t>
+            </a:r>
+            <a:r>
+              <a:rPr lang="en-US" dirty="0" err="1" smtClean="0"/>
+              <a:t>mich</a:t>
+            </a:r>
+            <a:r>
+              <a:rPr lang="en-US" dirty="0" smtClean="0"/>
+              <a:t> </a:t>
+            </a:r>
+            <a:r>
+              <a:rPr lang="en-US" dirty="0" err="1" smtClean="0"/>
+              <a:t>viel</a:t>
+            </a:r>
+            <a:r>
+              <a:rPr lang="en-US" dirty="0" smtClean="0"/>
+              <a:t> </a:t>
+            </a:r>
+            <a:r>
+              <a:rPr lang="en-US" dirty="0" err="1" smtClean="0"/>
+              <a:t>mit</a:t>
+            </a:r>
+            <a:r>
+              <a:rPr lang="en-US" dirty="0" smtClean="0"/>
+              <a:t> der </a:t>
+            </a:r>
+            <a:r>
+              <a:rPr lang="en-US" dirty="0" err="1" smtClean="0"/>
+              <a:t>mathematik</a:t>
+            </a:r>
+            <a:r>
+              <a:rPr lang="en-US" dirty="0" smtClean="0"/>
+              <a:t> und </a:t>
+            </a:r>
+            <a:r>
+              <a:rPr lang="en-US" dirty="0" err="1" smtClean="0"/>
+              <a:t>wie</a:t>
+            </a:r>
+            <a:r>
+              <a:rPr lang="en-US" dirty="0" smtClean="0"/>
+              <a:t> man das </a:t>
+            </a:r>
+            <a:r>
+              <a:rPr lang="en-US" dirty="0" err="1" smtClean="0"/>
+              <a:t>implmentiert</a:t>
+            </a:r>
+            <a:r>
+              <a:rPr lang="en-US" dirty="0" smtClean="0"/>
+              <a:t> </a:t>
+            </a:r>
+            <a:r>
+              <a:rPr lang="en-US" dirty="0" err="1" smtClean="0"/>
+              <a:t>auseinadner</a:t>
+            </a:r>
+            <a:r>
+              <a:rPr lang="en-US" dirty="0" smtClean="0"/>
+              <a:t> </a:t>
+            </a:r>
+            <a:r>
+              <a:rPr lang="en-US" dirty="0" err="1" smtClean="0"/>
+              <a:t>gesetzt</a:t>
+            </a:r>
+            <a:r>
+              <a:rPr lang="en-US" dirty="0" smtClean="0"/>
+              <a:t> </a:t>
+            </a:r>
+          </a:p>
+          <a:p>
+            <a:r>
+              <a:rPr lang="en-US" dirty="0" err="1" smtClean="0"/>
+              <a:t>Miro</a:t>
+            </a:r>
+            <a:r>
+              <a:rPr lang="en-US" dirty="0" smtClean="0"/>
+              <a:t> board </a:t>
+            </a:r>
+            <a:r>
+              <a:rPr lang="en-US" dirty="0" err="1" smtClean="0"/>
+              <a:t>kurz</a:t>
+            </a:r>
+            <a:r>
+              <a:rPr lang="en-US" dirty="0" smtClean="0"/>
+              <a:t> flo</a:t>
+            </a:r>
+            <a:r>
+              <a:rPr lang="en-US" dirty="0" smtClean="0"/>
+              <a:t>w chart &amp; code </a:t>
+            </a:r>
+            <a:r>
+              <a:rPr lang="en-US" dirty="0" err="1" smtClean="0"/>
+              <a:t>zeigen</a:t>
+            </a:r>
+            <a:r>
+              <a:rPr lang="en-US" dirty="0" smtClean="0"/>
+              <a:t>: feedback </a:t>
+            </a:r>
+            <a:r>
+              <a:rPr lang="en-US" dirty="0" err="1" smtClean="0"/>
+              <a:t>einholen</a:t>
+            </a:r>
+            <a:r>
+              <a:rPr lang="en-US" dirty="0" smtClean="0"/>
+              <a:t> + </a:t>
+            </a:r>
+            <a:r>
+              <a:rPr lang="en-US" dirty="0" err="1" smtClean="0"/>
+              <a:t>zeigen</a:t>
+            </a:r>
+            <a:r>
+              <a:rPr lang="en-US" dirty="0" smtClean="0"/>
+              <a:t> was </a:t>
+            </a:r>
+            <a:r>
+              <a:rPr lang="en-US" dirty="0" err="1" smtClean="0"/>
+              <a:t>ich</a:t>
+            </a:r>
+            <a:r>
+              <a:rPr lang="en-US" dirty="0" smtClean="0"/>
+              <a:t> da </a:t>
+            </a:r>
+            <a:r>
+              <a:rPr lang="en-US" dirty="0" err="1" smtClean="0"/>
+              <a:t>mache</a:t>
+            </a:r>
+            <a:endParaRPr lang="en-US" dirty="0" smtClean="0"/>
+          </a:p>
+          <a:p>
+            <a:pPr marL="0" indent="0">
+              <a:buNone/>
+            </a:pPr>
+            <a:endParaRPr lang="en-US" dirty="0" smtClean="0"/>
+          </a:p>
+          <a:p>
+            <a:endParaRPr lang="en-US" dirty="0"/>
+          </a:p>
+          <a:p>
+            <a:r>
+              <a:rPr lang="en-US" dirty="0" smtClean="0"/>
+              <a:t>Next Steps:</a:t>
+            </a:r>
+          </a:p>
+          <a:p>
+            <a:pPr lvl="1"/>
+            <a:r>
+              <a:rPr lang="en-US" dirty="0" smtClean="0"/>
+              <a:t>Lit review </a:t>
+            </a:r>
+            <a:r>
+              <a:rPr lang="en-US" dirty="0" err="1" smtClean="0"/>
+              <a:t>korrigieren</a:t>
+            </a:r>
+            <a:r>
+              <a:rPr lang="en-US" dirty="0" smtClean="0"/>
+              <a:t> </a:t>
+            </a:r>
+          </a:p>
+          <a:p>
+            <a:pPr lvl="1"/>
+            <a:r>
+              <a:rPr lang="en-US" dirty="0" smtClean="0"/>
+              <a:t>ACE </a:t>
+            </a:r>
+            <a:r>
+              <a:rPr lang="en-US" dirty="0" err="1" smtClean="0"/>
+              <a:t>implementieren</a:t>
+            </a:r>
+            <a:endParaRPr lang="en-US" dirty="0" smtClean="0"/>
+          </a:p>
+          <a:p>
+            <a:pPr lvl="1"/>
+            <a:endParaRPr lang="en-US" dirty="0" smtClean="0"/>
+          </a:p>
+          <a:p>
+            <a:pPr lvl="1"/>
+            <a:endParaRPr lang="en-US" dirty="0" smtClean="0"/>
+          </a:p>
+        </p:txBody>
+      </p:sp>
+      <p:sp>
+        <p:nvSpPr>
+          <p:cNvPr id="3" name="Titel 2"/>
+          <p:cNvSpPr>
+            <a:spLocks noGrp="1"/>
+          </p:cNvSpPr>
+          <p:nvPr>
+            <p:ph type="title"/>
+          </p:nvPr>
+        </p:nvSpPr>
+        <p:spPr/>
+        <p:txBody>
+          <a:bodyPr/>
+          <a:lstStyle/>
+          <a:p>
+            <a:pPr algn="l"/>
+            <a:r>
+              <a:rPr lang="en-US" dirty="0" smtClean="0"/>
+              <a:t>22</a:t>
+            </a:r>
+            <a:r>
+              <a:rPr lang="en-US" dirty="0" smtClean="0"/>
+              <a:t>.03.21</a:t>
+            </a:r>
+            <a:endParaRPr lang="en-US" dirty="0"/>
+          </a:p>
+        </p:txBody>
+      </p:sp>
+      <p:sp>
+        <p:nvSpPr>
+          <p:cNvPr id="4" name="Inhaltsplatzhalter 3"/>
+          <p:cNvSpPr>
+            <a:spLocks noGrp="1"/>
+          </p:cNvSpPr>
+          <p:nvPr>
+            <p:ph sz="half" idx="10"/>
+          </p:nvPr>
+        </p:nvSpPr>
+        <p:spPr/>
+        <p:txBody>
+          <a:bodyPr/>
+          <a:lstStyle/>
+          <a:p>
+            <a:r>
+              <a:rPr lang="en-US" dirty="0" err="1"/>
+              <a:t>Nach</a:t>
+            </a:r>
+            <a:r>
+              <a:rPr lang="en-US" dirty="0"/>
+              <a:t> </a:t>
+            </a:r>
+            <a:r>
+              <a:rPr lang="en-US" dirty="0" err="1"/>
+              <a:t>dem</a:t>
+            </a:r>
+            <a:r>
+              <a:rPr lang="en-US" dirty="0"/>
+              <a:t> </a:t>
+            </a:r>
+            <a:r>
+              <a:rPr lang="en-US" dirty="0" err="1"/>
+              <a:t>Tr</a:t>
+            </a:r>
+            <a:r>
+              <a:rPr lang="en-US" dirty="0"/>
+              <a:t> </a:t>
+            </a:r>
+            <a:r>
+              <a:rPr lang="en-US" dirty="0" err="1"/>
+              <a:t>fragen</a:t>
+            </a:r>
+            <a:r>
+              <a:rPr lang="en-US" dirty="0"/>
+              <a:t> (</a:t>
+            </a:r>
+            <a:r>
+              <a:rPr lang="en-US" dirty="0" err="1"/>
+              <a:t>ist</a:t>
+            </a:r>
+            <a:r>
+              <a:rPr lang="en-US" dirty="0"/>
+              <a:t> das die trace?</a:t>
+            </a:r>
+            <a:r>
+              <a:rPr lang="en-US" dirty="0" smtClean="0"/>
+              <a:t>)</a:t>
+            </a:r>
+          </a:p>
+          <a:p>
+            <a:r>
+              <a:rPr lang="en-US" dirty="0" smtClean="0"/>
+              <a:t>Neuron activation </a:t>
+            </a:r>
+            <a:r>
+              <a:rPr lang="en-US" dirty="0" err="1" smtClean="0"/>
+              <a:t>ist</a:t>
+            </a:r>
+            <a:r>
+              <a:rPr lang="en-US" dirty="0" smtClean="0"/>
+              <a:t> </a:t>
+            </a:r>
+            <a:r>
+              <a:rPr lang="en-US" dirty="0" err="1" smtClean="0"/>
+              <a:t>schon</a:t>
+            </a:r>
+            <a:r>
+              <a:rPr lang="en-US" dirty="0" smtClean="0"/>
+              <a:t> das was </a:t>
+            </a:r>
+            <a:r>
+              <a:rPr lang="en-US" dirty="0" err="1" smtClean="0"/>
+              <a:t>ich</a:t>
+            </a:r>
+            <a:r>
+              <a:rPr lang="en-US" dirty="0" smtClean="0"/>
+              <a:t> </a:t>
+            </a:r>
+            <a:r>
+              <a:rPr lang="en-US" dirty="0" err="1" smtClean="0"/>
+              <a:t>denke</a:t>
+            </a:r>
+            <a:r>
+              <a:rPr lang="en-US" dirty="0" smtClean="0"/>
+              <a:t>?/ </a:t>
+            </a:r>
+            <a:r>
+              <a:rPr lang="en-US" dirty="0" err="1" smtClean="0"/>
+              <a:t>oder</a:t>
+            </a:r>
+            <a:r>
+              <a:rPr lang="en-US" dirty="0" smtClean="0"/>
+              <a:t> </a:t>
+            </a:r>
+            <a:r>
+              <a:rPr lang="en-US" dirty="0" err="1" smtClean="0"/>
+              <a:t>macht</a:t>
+            </a:r>
+            <a:r>
+              <a:rPr lang="en-US" dirty="0" smtClean="0"/>
+              <a:t> </a:t>
+            </a:r>
+            <a:r>
+              <a:rPr lang="en-US" dirty="0" err="1" smtClean="0"/>
+              <a:t>es</a:t>
+            </a:r>
+            <a:r>
+              <a:rPr lang="en-US" dirty="0" smtClean="0"/>
+              <a:t> Sinn den training gradient </a:t>
+            </a:r>
+            <a:r>
+              <a:rPr lang="en-US" dirty="0" err="1" smtClean="0"/>
+              <a:t>anzuschauen</a:t>
+            </a:r>
+            <a:r>
+              <a:rPr lang="en-US" dirty="0" smtClean="0"/>
+              <a:t>?</a:t>
+            </a:r>
+            <a:endParaRPr lang="en-US" dirty="0"/>
+          </a:p>
+        </p:txBody>
+      </p:sp>
+    </p:spTree>
+    <p:extLst>
+      <p:ext uri="{BB962C8B-B14F-4D97-AF65-F5344CB8AC3E}">
+        <p14:creationId xmlns:p14="http://schemas.microsoft.com/office/powerpoint/2010/main" val="2216381543"/>
+      </p:ext>
+    </p:extLst>
+  </p:cSld>
+  <p:clrMapOvr>
+    <a:masterClrMapping/>
+  </p:clrMapOvr>
+</p:sld>
+</file>
+
+<file path=ppt/slides/slide16.xml><?xml version="1.0" encoding="utf-8"?>
+<p:sld xmlns:a="http://schemas.openxmlformats.org/drawingml/2006/main" xmlns:r="http://schemas.openxmlformats.org/officeDocument/2006/relationships" xmlns:p="http://schemas.openxmlformats.org/presentationml/2006/main">
+  <p:cSld>
+    <p:spTree>
+      <p:nvGrpSpPr>
+        <p:cNvPr id="1" name=""/>
+        <p:cNvGrpSpPr/>
+        <p:nvPr/>
+      </p:nvGrpSpPr>
+      <p:grpSpPr>
+        <a:xfrm>
+          <a:off x="0" y="0"/>
+          <a:ext cx="0" cy="0"/>
+          <a:chOff x="0" y="0"/>
+          <a:chExt cx="0" cy="0"/>
+        </a:xfrm>
+      </p:grpSpPr>
+      <p:sp>
+        <p:nvSpPr>
+          <p:cNvPr id="2" name="Titel 1"/>
+          <p:cNvSpPr>
+            <a:spLocks noGrp="1"/>
+          </p:cNvSpPr>
+          <p:nvPr>
+            <p:ph type="title"/>
+          </p:nvPr>
+        </p:nvSpPr>
+        <p:spPr/>
+        <p:txBody>
+          <a:bodyPr/>
+          <a:lstStyle/>
+          <a:p>
+            <a:r>
+              <a:rPr lang="en-US" dirty="0" smtClean="0"/>
+              <a:t>Meeting: </a:t>
+            </a:r>
+            <a:r>
+              <a:rPr lang="en-US" dirty="0" smtClean="0"/>
+              <a:t>22</a:t>
+            </a:r>
+            <a:r>
+              <a:rPr lang="en-US" dirty="0" smtClean="0"/>
+              <a:t>.03.21</a:t>
+            </a:r>
+            <a:endParaRPr lang="en-US" dirty="0"/>
+          </a:p>
+        </p:txBody>
+      </p:sp>
+      <p:sp>
+        <p:nvSpPr>
+          <p:cNvPr id="3" name="Textfeld 2"/>
+          <p:cNvSpPr txBox="1"/>
+          <p:nvPr/>
+        </p:nvSpPr>
+        <p:spPr>
+          <a:xfrm>
+            <a:off x="457200" y="1181365"/>
+            <a:ext cx="8229600" cy="369332"/>
+          </a:xfrm>
+          <a:prstGeom prst="rect">
+            <a:avLst/>
+          </a:prstGeom>
+          <a:noFill/>
+        </p:spPr>
+        <p:txBody>
+          <a:bodyPr wrap="square" rtlCol="0">
+            <a:spAutoFit/>
+          </a:bodyPr>
+          <a:lstStyle/>
+          <a:p>
+            <a:pPr marL="285750" indent="-285750">
+              <a:buFont typeface="Arial"/>
+              <a:buChar char="•"/>
+            </a:pPr>
+            <a:r>
+              <a:rPr lang="mr-IN" dirty="0" smtClean="0"/>
+              <a:t>…</a:t>
+            </a:r>
+            <a:endParaRPr lang="en-US" dirty="0" smtClean="0"/>
+          </a:p>
+        </p:txBody>
+      </p:sp>
+    </p:spTree>
+    <p:extLst>
+      <p:ext uri="{BB962C8B-B14F-4D97-AF65-F5344CB8AC3E}">
+        <p14:creationId xmlns:p14="http://schemas.microsoft.com/office/powerpoint/2010/main" val="411533227"/>
       </p:ext>
     </p:extLst>
   </p:cSld>

--- a/MeetingNotes.pptx
+++ b/MeetingNotes.pptx
@@ -644,7 +644,7 @@
           <a:p>
             <a:fld id="{907AEC89-51F8-8C49-8F5C-7B8970AE8955}" type="datetimeFigureOut">
               <a:rPr lang="de-DE" smtClean="0"/>
-              <a:t>18.03.21</a:t>
+              <a:t>22.03.21</a:t>
             </a:fld>
             <a:endParaRPr lang="en-US"/>
           </a:p>
@@ -814,7 +814,7 @@
           <a:p>
             <a:fld id="{907AEC89-51F8-8C49-8F5C-7B8970AE8955}" type="datetimeFigureOut">
               <a:rPr lang="de-DE" smtClean="0"/>
-              <a:t>18.03.21</a:t>
+              <a:t>22.03.21</a:t>
             </a:fld>
             <a:endParaRPr lang="en-US"/>
           </a:p>
@@ -994,7 +994,7 @@
           <a:p>
             <a:fld id="{907AEC89-51F8-8C49-8F5C-7B8970AE8955}" type="datetimeFigureOut">
               <a:rPr lang="de-DE" smtClean="0"/>
-              <a:t>18.03.21</a:t>
+              <a:t>22.03.21</a:t>
             </a:fld>
             <a:endParaRPr lang="en-US"/>
           </a:p>
@@ -1112,7 +1112,7 @@
           <a:p>
             <a:fld id="{907AEC89-51F8-8C49-8F5C-7B8970AE8955}" type="datetimeFigureOut">
               <a:rPr lang="de-DE" smtClean="0"/>
-              <a:t>18.03.21</a:t>
+              <a:t>22.03.21</a:t>
             </a:fld>
             <a:endParaRPr lang="en-US"/>
           </a:p>
@@ -1432,7 +1432,7 @@
           <a:p>
             <a:fld id="{907AEC89-51F8-8C49-8F5C-7B8970AE8955}" type="datetimeFigureOut">
               <a:rPr lang="de-DE" smtClean="0"/>
-              <a:t>18.03.21</a:t>
+              <a:t>22.03.21</a:t>
             </a:fld>
             <a:endParaRPr lang="en-US"/>
           </a:p>
@@ -1984,7 +1984,7 @@
           <a:p>
             <a:fld id="{907AEC89-51F8-8C49-8F5C-7B8970AE8955}" type="datetimeFigureOut">
               <a:rPr lang="de-DE" smtClean="0"/>
-              <a:t>18.03.21</a:t>
+              <a:t>22.03.21</a:t>
             </a:fld>
             <a:endParaRPr lang="en-US"/>
           </a:p>
@@ -2406,7 +2406,7 @@
           <a:p>
             <a:fld id="{907AEC89-51F8-8C49-8F5C-7B8970AE8955}" type="datetimeFigureOut">
               <a:rPr lang="de-DE" smtClean="0"/>
-              <a:t>18.03.21</a:t>
+              <a:t>22.03.21</a:t>
             </a:fld>
             <a:endParaRPr lang="en-US"/>
           </a:p>
@@ -2524,7 +2524,7 @@
           <a:p>
             <a:fld id="{907AEC89-51F8-8C49-8F5C-7B8970AE8955}" type="datetimeFigureOut">
               <a:rPr lang="de-DE" smtClean="0"/>
-              <a:t>18.03.21</a:t>
+              <a:t>22.03.21</a:t>
             </a:fld>
             <a:endParaRPr lang="en-US"/>
           </a:p>
@@ -2619,7 +2619,7 @@
           <a:p>
             <a:fld id="{907AEC89-51F8-8C49-8F5C-7B8970AE8955}" type="datetimeFigureOut">
               <a:rPr lang="de-DE" smtClean="0"/>
-              <a:t>18.03.21</a:t>
+              <a:t>22.03.21</a:t>
             </a:fld>
             <a:endParaRPr lang="en-US"/>
           </a:p>
@@ -2896,7 +2896,7 @@
           <a:p>
             <a:fld id="{907AEC89-51F8-8C49-8F5C-7B8970AE8955}" type="datetimeFigureOut">
               <a:rPr lang="de-DE" smtClean="0"/>
-              <a:t>18.03.21</a:t>
+              <a:t>22.03.21</a:t>
             </a:fld>
             <a:endParaRPr lang="en-US"/>
           </a:p>
@@ -3109,7 +3109,7 @@
           <a:p>
             <a:fld id="{907AEC89-51F8-8C49-8F5C-7B8970AE8955}" type="datetimeFigureOut">
               <a:rPr lang="de-DE" smtClean="0"/>
-              <a:t>18.03.21</a:t>
+              <a:t>22.03.21</a:t>
             </a:fld>
             <a:endParaRPr lang="en-US"/>
           </a:p>
@@ -6674,11 +6674,7 @@
             </a:r>
             <a:r>
               <a:rPr lang="en-US" dirty="0" smtClean="0"/>
-              <a:t> flo</a:t>
-            </a:r>
-            <a:r>
-              <a:rPr lang="en-US" dirty="0" smtClean="0"/>
-              <a:t>w chart &amp; code </a:t>
+              <a:t> flow chart &amp; code </a:t>
             </a:r>
             <a:r>
               <a:rPr lang="en-US" dirty="0" err="1" smtClean="0"/>
@@ -6788,11 +6784,7 @@
             <a:pPr algn="l"/>
             <a:r>
               <a:rPr lang="en-US" dirty="0" smtClean="0"/>
-              <a:t>22</a:t>
-            </a:r>
-            <a:r>
-              <a:rPr lang="en-US" dirty="0" smtClean="0"/>
-              <a:t>.03.21</a:t>
+              <a:t>22.03.21</a:t>
             </a:r>
             <a:endParaRPr lang="en-US" dirty="0"/>
           </a:p>
@@ -6978,15 +6970,7 @@
           <a:p>
             <a:r>
               <a:rPr lang="en-US" dirty="0" smtClean="0"/>
-              <a:t>Meeting: </a:t>
-            </a:r>
-            <a:r>
-              <a:rPr lang="en-US" dirty="0" smtClean="0"/>
-              <a:t>22</a:t>
-            </a:r>
-            <a:r>
-              <a:rPr lang="en-US" dirty="0" smtClean="0"/>
-              <a:t>.03.21</a:t>
+              <a:t>Meeting: 22.03.21</a:t>
             </a:r>
             <a:endParaRPr lang="en-US" dirty="0"/>
           </a:p>
@@ -7001,7 +6985,7 @@
         <p:spPr>
           <a:xfrm>
             <a:off x="457200" y="1181365"/>
-            <a:ext cx="8229600" cy="369332"/>
+            <a:ext cx="8229600" cy="1754327"/>
           </a:xfrm>
           <a:prstGeom prst="rect">
             <a:avLst/>
@@ -7019,8 +7003,185 @@
               <a:buChar char="•"/>
             </a:pPr>
             <a:r>
-              <a:rPr lang="mr-IN" dirty="0" smtClean="0"/>
-              <a:t>…</a:t>
+              <a:rPr lang="de-DE" dirty="0" err="1" smtClean="0"/>
+              <a:t>Tr</a:t>
+            </a:r>
+            <a:r>
+              <a:rPr lang="de-DE" dirty="0" smtClean="0"/>
+              <a:t> = auf alle Fälle </a:t>
+            </a:r>
+            <a:r>
+              <a:rPr lang="de-DE" dirty="0" err="1" smtClean="0"/>
+              <a:t>trace</a:t>
+            </a:r>
+            <a:r>
+              <a:rPr lang="de-DE" dirty="0" smtClean="0"/>
+              <a:t> </a:t>
+            </a:r>
+          </a:p>
+          <a:p>
+            <a:pPr marL="285750" indent="-285750">
+              <a:buFont typeface="Arial"/>
+              <a:buChar char="•"/>
+            </a:pPr>
+            <a:r>
+              <a:rPr lang="de-DE" dirty="0" smtClean="0"/>
+              <a:t>Neuron </a:t>
+            </a:r>
+            <a:r>
+              <a:rPr lang="de-DE" dirty="0" err="1" smtClean="0"/>
+              <a:t>activation</a:t>
+            </a:r>
+            <a:r>
+              <a:rPr lang="de-DE" dirty="0" smtClean="0"/>
+              <a:t> -&gt; das was rauskommt also der </a:t>
+            </a:r>
+            <a:r>
+              <a:rPr lang="de-DE" dirty="0" err="1" smtClean="0"/>
+              <a:t>neuron</a:t>
+            </a:r>
+            <a:r>
+              <a:rPr lang="de-DE" dirty="0" smtClean="0"/>
+              <a:t> </a:t>
+            </a:r>
+            <a:r>
+              <a:rPr lang="de-DE" dirty="0" err="1" smtClean="0"/>
+              <a:t>output</a:t>
+            </a:r>
+            <a:r>
+              <a:rPr lang="de-DE" dirty="0" smtClean="0"/>
+              <a:t>: </a:t>
+            </a:r>
+            <a:r>
+              <a:rPr lang="de-DE" dirty="0" err="1" smtClean="0"/>
+              <a:t>evtll</a:t>
+            </a:r>
+            <a:r>
+              <a:rPr lang="de-DE" dirty="0" smtClean="0"/>
+              <a:t> dann eher nicht </a:t>
+            </a:r>
+            <a:r>
+              <a:rPr lang="de-DE" dirty="0" err="1" smtClean="0"/>
+              <a:t>neuron</a:t>
+            </a:r>
+            <a:r>
+              <a:rPr lang="de-DE" dirty="0" smtClean="0"/>
+              <a:t> </a:t>
+            </a:r>
+            <a:r>
+              <a:rPr lang="de-DE" dirty="0" err="1" smtClean="0"/>
+              <a:t>activation</a:t>
+            </a:r>
+            <a:r>
+              <a:rPr lang="de-DE" dirty="0" smtClean="0"/>
+              <a:t> nennen </a:t>
+            </a:r>
+          </a:p>
+          <a:p>
+            <a:pPr marL="285750" indent="-285750">
+              <a:buFont typeface="Arial"/>
+              <a:buChar char="•"/>
+            </a:pPr>
+            <a:r>
+              <a:rPr lang="de-DE" dirty="0" err="1" smtClean="0"/>
+              <a:t>Vllt</a:t>
+            </a:r>
+            <a:r>
+              <a:rPr lang="de-DE" dirty="0" smtClean="0"/>
+              <a:t> kann man Matrizen Multiplikation machen und </a:t>
+            </a:r>
+            <a:r>
+              <a:rPr lang="de-DE" dirty="0" err="1" smtClean="0"/>
+              <a:t>keien</a:t>
+            </a:r>
+            <a:r>
+              <a:rPr lang="de-DE" dirty="0" smtClean="0"/>
+              <a:t> </a:t>
+            </a:r>
+            <a:r>
+              <a:rPr lang="de-DE" dirty="0" err="1" smtClean="0"/>
+              <a:t>for</a:t>
+            </a:r>
+            <a:r>
+              <a:rPr lang="de-DE" dirty="0" smtClean="0"/>
+              <a:t> </a:t>
+            </a:r>
+            <a:r>
+              <a:rPr lang="de-DE" dirty="0" err="1" smtClean="0"/>
+              <a:t>loops</a:t>
+            </a:r>
+            <a:r>
+              <a:rPr lang="de-DE" dirty="0" smtClean="0"/>
+              <a:t> </a:t>
+            </a:r>
+          </a:p>
+          <a:p>
+            <a:pPr marL="285750" indent="-285750">
+              <a:buFont typeface="Arial"/>
+              <a:buChar char="•"/>
+            </a:pPr>
+            <a:r>
+              <a:rPr lang="de-DE" dirty="0" err="1" smtClean="0"/>
+              <a:t>Accuracies</a:t>
+            </a:r>
+            <a:r>
+              <a:rPr lang="de-DE" dirty="0" smtClean="0"/>
+              <a:t> vergleichen und </a:t>
+            </a:r>
+            <a:r>
+              <a:rPr lang="de-DE" dirty="0" err="1" smtClean="0"/>
+              <a:t>saliency</a:t>
+            </a:r>
+            <a:r>
+              <a:rPr lang="de-DE" dirty="0" smtClean="0"/>
+              <a:t> </a:t>
+            </a:r>
+            <a:r>
+              <a:rPr lang="de-DE" dirty="0" err="1" smtClean="0"/>
+              <a:t>maps</a:t>
+            </a:r>
+            <a:r>
+              <a:rPr lang="de-DE" dirty="0" smtClean="0"/>
+              <a:t> für die </a:t>
+            </a:r>
+            <a:r>
+              <a:rPr lang="de-DE" dirty="0" err="1" smtClean="0"/>
+              <a:t>neuronen</a:t>
+            </a:r>
+            <a:r>
+              <a:rPr lang="de-DE" dirty="0" smtClean="0"/>
+              <a:t> </a:t>
+            </a:r>
+            <a:r>
+              <a:rPr lang="de-DE" dirty="0" err="1" smtClean="0"/>
+              <a:t>activität</a:t>
+            </a:r>
+            <a:r>
+              <a:rPr lang="de-DE" dirty="0" smtClean="0"/>
+              <a:t> </a:t>
+            </a:r>
+            <a:r>
+              <a:rPr lang="de-DE" dirty="0" err="1" smtClean="0"/>
+              <a:t>analyisieren</a:t>
+            </a:r>
+            <a:endParaRPr lang="de-DE" dirty="0" smtClean="0"/>
+          </a:p>
+          <a:p>
+            <a:pPr marL="742950" lvl="1" indent="-285750">
+              <a:buFont typeface="Arial"/>
+              <a:buChar char="•"/>
+            </a:pPr>
+            <a:r>
+              <a:rPr lang="de-DE" dirty="0" smtClean="0"/>
+              <a:t>Müsste ausgeglichener sein für </a:t>
+            </a:r>
+            <a:r>
+              <a:rPr lang="de-DE" dirty="0" err="1" smtClean="0"/>
+              <a:t>causal</a:t>
+            </a:r>
+            <a:r>
+              <a:rPr lang="de-DE" smtClean="0"/>
+              <a:t> NN</a:t>
             </a:r>
             <a:endParaRPr lang="en-US" dirty="0" smtClean="0"/>
           </a:p>
